--- a/files/presentation-KMU.pptx
+++ b/files/presentation-KMU.pptx
@@ -69,7 +69,7 @@
       </p:grpSpPr>
       <p:sp>
         <p:nvSpPr>
-          <p:cNvPr id="26" name="PlaceHolder 1"/>
+          <p:cNvPr id="23" name="PlaceHolder 1"/>
           <p:cNvSpPr>
             <a:spLocks noGrp="1"/>
           </p:cNvSpPr>
@@ -80,7 +80,7 @@
         <p:spPr>
           <a:xfrm>
             <a:off x="1523880" y="1122480"/>
-            <a:ext cx="9143640" cy="2387160"/>
+            <a:ext cx="9143280" cy="2386800"/>
           </a:xfrm>
           <a:prstGeom prst="rect">
             <a:avLst/>
@@ -91,18 +91,16 @@
             <a:noAutofit/>
           </a:bodyPr>
           <a:p>
-            <a:endParaRPr b="0" lang="ru-RU" sz="1800" spc="-1" strike="noStrike">
-              <a:solidFill>
-                <a:srgbClr val="000000"/>
-              </a:solidFill>
-              <a:latin typeface="Calibri"/>
-            </a:endParaRPr>
-          </a:p>
-        </p:txBody>
-      </p:sp>
-      <p:sp>
-        <p:nvSpPr>
-          <p:cNvPr id="27" name="PlaceHolder 2"/>
+            <a:pPr algn="ctr"/>
+            <a:endParaRPr b="0" lang="en-US" sz="4400" spc="-1" strike="noStrike">
+              <a:latin typeface="Arial"/>
+            </a:endParaRPr>
+          </a:p>
+        </p:txBody>
+      </p:sp>
+      <p:sp>
+        <p:nvSpPr>
+          <p:cNvPr id="24" name="PlaceHolder 2"/>
           <p:cNvSpPr>
             <a:spLocks noGrp="1"/>
           </p:cNvSpPr>
@@ -124,18 +122,15 @@
             <a:normAutofit/>
           </a:bodyPr>
           <a:p>
-            <a:endParaRPr b="0" lang="ru-RU" sz="2800" spc="-1" strike="noStrike">
-              <a:solidFill>
-                <a:srgbClr val="000000"/>
-              </a:solidFill>
-              <a:latin typeface="Calibri"/>
-            </a:endParaRPr>
-          </a:p>
-        </p:txBody>
-      </p:sp>
-      <p:sp>
-        <p:nvSpPr>
-          <p:cNvPr id="28" name="PlaceHolder 3"/>
+            <a:endParaRPr b="0" lang="en-US" sz="3200" spc="-1" strike="noStrike">
+              <a:latin typeface="Arial"/>
+            </a:endParaRPr>
+          </a:p>
+        </p:txBody>
+      </p:sp>
+      <p:sp>
+        <p:nvSpPr>
+          <p:cNvPr id="25" name="PlaceHolder 3"/>
           <p:cNvSpPr>
             <a:spLocks noGrp="1"/>
           </p:cNvSpPr>
@@ -157,11 +152,8 @@
             <a:normAutofit/>
           </a:bodyPr>
           <a:p>
-            <a:endParaRPr b="0" lang="ru-RU" sz="2800" spc="-1" strike="noStrike">
-              <a:solidFill>
-                <a:srgbClr val="000000"/>
-              </a:solidFill>
-              <a:latin typeface="Calibri"/>
+            <a:endParaRPr b="0" lang="en-US" sz="3200" spc="-1" strike="noStrike">
+              <a:latin typeface="Arial"/>
             </a:endParaRPr>
           </a:p>
         </p:txBody>
@@ -190,7 +182,7 @@
       </p:grpSpPr>
       <p:sp>
         <p:nvSpPr>
-          <p:cNvPr id="29" name="PlaceHolder 1"/>
+          <p:cNvPr id="26" name="PlaceHolder 1"/>
           <p:cNvSpPr>
             <a:spLocks noGrp="1"/>
           </p:cNvSpPr>
@@ -201,7 +193,7 @@
         <p:spPr>
           <a:xfrm>
             <a:off x="1523880" y="1122480"/>
-            <a:ext cx="9143640" cy="2387160"/>
+            <a:ext cx="9143280" cy="2386800"/>
           </a:xfrm>
           <a:prstGeom prst="rect">
             <a:avLst/>
@@ -212,18 +204,16 @@
             <a:noAutofit/>
           </a:bodyPr>
           <a:p>
-            <a:endParaRPr b="0" lang="ru-RU" sz="1800" spc="-1" strike="noStrike">
-              <a:solidFill>
-                <a:srgbClr val="000000"/>
-              </a:solidFill>
-              <a:latin typeface="Calibri"/>
-            </a:endParaRPr>
-          </a:p>
-        </p:txBody>
-      </p:sp>
-      <p:sp>
-        <p:nvSpPr>
-          <p:cNvPr id="30" name="PlaceHolder 2"/>
+            <a:pPr algn="ctr"/>
+            <a:endParaRPr b="0" lang="en-US" sz="4400" spc="-1" strike="noStrike">
+              <a:latin typeface="Arial"/>
+            </a:endParaRPr>
+          </a:p>
+        </p:txBody>
+      </p:sp>
+      <p:sp>
+        <p:nvSpPr>
+          <p:cNvPr id="27" name="PlaceHolder 2"/>
           <p:cNvSpPr>
             <a:spLocks noGrp="1"/>
           </p:cNvSpPr>
@@ -245,18 +235,15 @@
             <a:normAutofit/>
           </a:bodyPr>
           <a:p>
-            <a:endParaRPr b="0" lang="ru-RU" sz="2800" spc="-1" strike="noStrike">
-              <a:solidFill>
-                <a:srgbClr val="000000"/>
-              </a:solidFill>
-              <a:latin typeface="Calibri"/>
-            </a:endParaRPr>
-          </a:p>
-        </p:txBody>
-      </p:sp>
-      <p:sp>
-        <p:nvSpPr>
-          <p:cNvPr id="31" name="PlaceHolder 3"/>
+            <a:endParaRPr b="0" lang="en-US" sz="3200" spc="-1" strike="noStrike">
+              <a:latin typeface="Arial"/>
+            </a:endParaRPr>
+          </a:p>
+        </p:txBody>
+      </p:sp>
+      <p:sp>
+        <p:nvSpPr>
+          <p:cNvPr id="28" name="PlaceHolder 3"/>
           <p:cNvSpPr>
             <a:spLocks noGrp="1"/>
           </p:cNvSpPr>
@@ -278,18 +265,15 @@
             <a:normAutofit/>
           </a:bodyPr>
           <a:p>
-            <a:endParaRPr b="0" lang="ru-RU" sz="2800" spc="-1" strike="noStrike">
-              <a:solidFill>
-                <a:srgbClr val="000000"/>
-              </a:solidFill>
-              <a:latin typeface="Calibri"/>
-            </a:endParaRPr>
-          </a:p>
-        </p:txBody>
-      </p:sp>
-      <p:sp>
-        <p:nvSpPr>
-          <p:cNvPr id="32" name="PlaceHolder 4"/>
+            <a:endParaRPr b="0" lang="en-US" sz="3200" spc="-1" strike="noStrike">
+              <a:latin typeface="Arial"/>
+            </a:endParaRPr>
+          </a:p>
+        </p:txBody>
+      </p:sp>
+      <p:sp>
+        <p:nvSpPr>
+          <p:cNvPr id="29" name="PlaceHolder 4"/>
           <p:cNvSpPr>
             <a:spLocks noGrp="1"/>
           </p:cNvSpPr>
@@ -311,18 +295,15 @@
             <a:normAutofit/>
           </a:bodyPr>
           <a:p>
-            <a:endParaRPr b="0" lang="ru-RU" sz="2800" spc="-1" strike="noStrike">
-              <a:solidFill>
-                <a:srgbClr val="000000"/>
-              </a:solidFill>
-              <a:latin typeface="Calibri"/>
-            </a:endParaRPr>
-          </a:p>
-        </p:txBody>
-      </p:sp>
-      <p:sp>
-        <p:nvSpPr>
-          <p:cNvPr id="33" name="PlaceHolder 5"/>
+            <a:endParaRPr b="0" lang="en-US" sz="3200" spc="-1" strike="noStrike">
+              <a:latin typeface="Arial"/>
+            </a:endParaRPr>
+          </a:p>
+        </p:txBody>
+      </p:sp>
+      <p:sp>
+        <p:nvSpPr>
+          <p:cNvPr id="30" name="PlaceHolder 5"/>
           <p:cNvSpPr>
             <a:spLocks noGrp="1"/>
           </p:cNvSpPr>
@@ -344,11 +325,8 @@
             <a:normAutofit/>
           </a:bodyPr>
           <a:p>
-            <a:endParaRPr b="0" lang="ru-RU" sz="2800" spc="-1" strike="noStrike">
-              <a:solidFill>
-                <a:srgbClr val="000000"/>
-              </a:solidFill>
-              <a:latin typeface="Calibri"/>
+            <a:endParaRPr b="0" lang="en-US" sz="3200" spc="-1" strike="noStrike">
+              <a:latin typeface="Arial"/>
             </a:endParaRPr>
           </a:p>
         </p:txBody>
@@ -377,7 +355,7 @@
       </p:grpSpPr>
       <p:sp>
         <p:nvSpPr>
-          <p:cNvPr id="34" name="PlaceHolder 1"/>
+          <p:cNvPr id="31" name="PlaceHolder 1"/>
           <p:cNvSpPr>
             <a:spLocks noGrp="1"/>
           </p:cNvSpPr>
@@ -388,7 +366,7 @@
         <p:spPr>
           <a:xfrm>
             <a:off x="1523880" y="1122480"/>
-            <a:ext cx="9143640" cy="2387160"/>
+            <a:ext cx="9143280" cy="2386800"/>
           </a:xfrm>
           <a:prstGeom prst="rect">
             <a:avLst/>
@@ -399,18 +377,16 @@
             <a:noAutofit/>
           </a:bodyPr>
           <a:p>
-            <a:endParaRPr b="0" lang="ru-RU" sz="1800" spc="-1" strike="noStrike">
-              <a:solidFill>
-                <a:srgbClr val="000000"/>
-              </a:solidFill>
-              <a:latin typeface="Calibri"/>
-            </a:endParaRPr>
-          </a:p>
-        </p:txBody>
-      </p:sp>
-      <p:sp>
-        <p:nvSpPr>
-          <p:cNvPr id="35" name="PlaceHolder 2"/>
+            <a:pPr algn="ctr"/>
+            <a:endParaRPr b="0" lang="en-US" sz="4400" spc="-1" strike="noStrike">
+              <a:latin typeface="Arial"/>
+            </a:endParaRPr>
+          </a:p>
+        </p:txBody>
+      </p:sp>
+      <p:sp>
+        <p:nvSpPr>
+          <p:cNvPr id="32" name="PlaceHolder 2"/>
           <p:cNvSpPr>
             <a:spLocks noGrp="1"/>
           </p:cNvSpPr>
@@ -432,18 +408,15 @@
             <a:normAutofit/>
           </a:bodyPr>
           <a:p>
-            <a:endParaRPr b="0" lang="ru-RU" sz="2800" spc="-1" strike="noStrike">
-              <a:solidFill>
-                <a:srgbClr val="000000"/>
-              </a:solidFill>
-              <a:latin typeface="Calibri"/>
-            </a:endParaRPr>
-          </a:p>
-        </p:txBody>
-      </p:sp>
-      <p:sp>
-        <p:nvSpPr>
-          <p:cNvPr id="36" name="PlaceHolder 3"/>
+            <a:endParaRPr b="0" lang="en-US" sz="3200" spc="-1" strike="noStrike">
+              <a:latin typeface="Arial"/>
+            </a:endParaRPr>
+          </a:p>
+        </p:txBody>
+      </p:sp>
+      <p:sp>
+        <p:nvSpPr>
+          <p:cNvPr id="33" name="PlaceHolder 3"/>
           <p:cNvSpPr>
             <a:spLocks noGrp="1"/>
           </p:cNvSpPr>
@@ -465,18 +438,15 @@
             <a:normAutofit/>
           </a:bodyPr>
           <a:p>
-            <a:endParaRPr b="0" lang="ru-RU" sz="2800" spc="-1" strike="noStrike">
-              <a:solidFill>
-                <a:srgbClr val="000000"/>
-              </a:solidFill>
-              <a:latin typeface="Calibri"/>
-            </a:endParaRPr>
-          </a:p>
-        </p:txBody>
-      </p:sp>
-      <p:sp>
-        <p:nvSpPr>
-          <p:cNvPr id="37" name="PlaceHolder 4"/>
+            <a:endParaRPr b="0" lang="en-US" sz="3200" spc="-1" strike="noStrike">
+              <a:latin typeface="Arial"/>
+            </a:endParaRPr>
+          </a:p>
+        </p:txBody>
+      </p:sp>
+      <p:sp>
+        <p:nvSpPr>
+          <p:cNvPr id="34" name="PlaceHolder 4"/>
           <p:cNvSpPr>
             <a:spLocks noGrp="1"/>
           </p:cNvSpPr>
@@ -498,18 +468,15 @@
             <a:normAutofit/>
           </a:bodyPr>
           <a:p>
-            <a:endParaRPr b="0" lang="ru-RU" sz="2800" spc="-1" strike="noStrike">
-              <a:solidFill>
-                <a:srgbClr val="000000"/>
-              </a:solidFill>
-              <a:latin typeface="Calibri"/>
-            </a:endParaRPr>
-          </a:p>
-        </p:txBody>
-      </p:sp>
-      <p:sp>
-        <p:nvSpPr>
-          <p:cNvPr id="38" name="PlaceHolder 5"/>
+            <a:endParaRPr b="0" lang="en-US" sz="3200" spc="-1" strike="noStrike">
+              <a:latin typeface="Arial"/>
+            </a:endParaRPr>
+          </a:p>
+        </p:txBody>
+      </p:sp>
+      <p:sp>
+        <p:nvSpPr>
+          <p:cNvPr id="35" name="PlaceHolder 5"/>
           <p:cNvSpPr>
             <a:spLocks noGrp="1"/>
           </p:cNvSpPr>
@@ -531,18 +498,15 @@
             <a:normAutofit/>
           </a:bodyPr>
           <a:p>
-            <a:endParaRPr b="0" lang="ru-RU" sz="2800" spc="-1" strike="noStrike">
-              <a:solidFill>
-                <a:srgbClr val="000000"/>
-              </a:solidFill>
-              <a:latin typeface="Calibri"/>
-            </a:endParaRPr>
-          </a:p>
-        </p:txBody>
-      </p:sp>
-      <p:sp>
-        <p:nvSpPr>
-          <p:cNvPr id="39" name="PlaceHolder 6"/>
+            <a:endParaRPr b="0" lang="en-US" sz="3200" spc="-1" strike="noStrike">
+              <a:latin typeface="Arial"/>
+            </a:endParaRPr>
+          </a:p>
+        </p:txBody>
+      </p:sp>
+      <p:sp>
+        <p:nvSpPr>
+          <p:cNvPr id="36" name="PlaceHolder 6"/>
           <p:cNvSpPr>
             <a:spLocks noGrp="1"/>
           </p:cNvSpPr>
@@ -564,18 +528,15 @@
             <a:normAutofit/>
           </a:bodyPr>
           <a:p>
-            <a:endParaRPr b="0" lang="ru-RU" sz="2800" spc="-1" strike="noStrike">
-              <a:solidFill>
-                <a:srgbClr val="000000"/>
-              </a:solidFill>
-              <a:latin typeface="Calibri"/>
-            </a:endParaRPr>
-          </a:p>
-        </p:txBody>
-      </p:sp>
-      <p:sp>
-        <p:nvSpPr>
-          <p:cNvPr id="40" name="PlaceHolder 7"/>
+            <a:endParaRPr b="0" lang="en-US" sz="3200" spc="-1" strike="noStrike">
+              <a:latin typeface="Arial"/>
+            </a:endParaRPr>
+          </a:p>
+        </p:txBody>
+      </p:sp>
+      <p:sp>
+        <p:nvSpPr>
+          <p:cNvPr id="37" name="PlaceHolder 7"/>
           <p:cNvSpPr>
             <a:spLocks noGrp="1"/>
           </p:cNvSpPr>
@@ -597,11 +558,8 @@
             <a:normAutofit/>
           </a:bodyPr>
           <a:p>
-            <a:endParaRPr b="0" lang="ru-RU" sz="2800" spc="-1" strike="noStrike">
-              <a:solidFill>
-                <a:srgbClr val="000000"/>
-              </a:solidFill>
-              <a:latin typeface="Calibri"/>
+            <a:endParaRPr b="0" lang="en-US" sz="3200" spc="-1" strike="noStrike">
+              <a:latin typeface="Arial"/>
             </a:endParaRPr>
           </a:p>
         </p:txBody>
@@ -630,7 +588,7 @@
       </p:grpSpPr>
       <p:sp>
         <p:nvSpPr>
-          <p:cNvPr id="5" name="PlaceHolder 1"/>
+          <p:cNvPr id="2" name="PlaceHolder 1"/>
           <p:cNvSpPr>
             <a:spLocks noGrp="1"/>
           </p:cNvSpPr>
@@ -641,7 +599,7 @@
         <p:spPr>
           <a:xfrm>
             <a:off x="1523880" y="1122480"/>
-            <a:ext cx="9143640" cy="2387160"/>
+            <a:ext cx="9143280" cy="2386800"/>
           </a:xfrm>
           <a:prstGeom prst="rect">
             <a:avLst/>
@@ -652,18 +610,16 @@
             <a:noAutofit/>
           </a:bodyPr>
           <a:p>
-            <a:endParaRPr b="0" lang="ru-RU" sz="1800" spc="-1" strike="noStrike">
-              <a:solidFill>
-                <a:srgbClr val="000000"/>
-              </a:solidFill>
-              <a:latin typeface="Calibri"/>
-            </a:endParaRPr>
-          </a:p>
-        </p:txBody>
-      </p:sp>
-      <p:sp>
-        <p:nvSpPr>
-          <p:cNvPr id="6" name="PlaceHolder 2"/>
+            <a:pPr algn="ctr"/>
+            <a:endParaRPr b="0" lang="en-US" sz="4400" spc="-1" strike="noStrike">
+              <a:latin typeface="Arial"/>
+            </a:endParaRPr>
+          </a:p>
+        </p:txBody>
+      </p:sp>
+      <p:sp>
+        <p:nvSpPr>
+          <p:cNvPr id="3" name="PlaceHolder 2"/>
           <p:cNvSpPr>
             <a:spLocks noGrp="1"/>
           </p:cNvSpPr>
@@ -716,7 +672,7 @@
       </p:grpSpPr>
       <p:sp>
         <p:nvSpPr>
-          <p:cNvPr id="7" name="PlaceHolder 1"/>
+          <p:cNvPr id="4" name="PlaceHolder 1"/>
           <p:cNvSpPr>
             <a:spLocks noGrp="1"/>
           </p:cNvSpPr>
@@ -727,7 +683,7 @@
         <p:spPr>
           <a:xfrm>
             <a:off x="1523880" y="1122480"/>
-            <a:ext cx="9143640" cy="2387160"/>
+            <a:ext cx="9143280" cy="2386800"/>
           </a:xfrm>
           <a:prstGeom prst="rect">
             <a:avLst/>
@@ -738,18 +694,16 @@
             <a:noAutofit/>
           </a:bodyPr>
           <a:p>
-            <a:endParaRPr b="0" lang="ru-RU" sz="1800" spc="-1" strike="noStrike">
-              <a:solidFill>
-                <a:srgbClr val="000000"/>
-              </a:solidFill>
-              <a:latin typeface="Calibri"/>
-            </a:endParaRPr>
-          </a:p>
-        </p:txBody>
-      </p:sp>
-      <p:sp>
-        <p:nvSpPr>
-          <p:cNvPr id="8" name="PlaceHolder 2"/>
+            <a:pPr algn="ctr"/>
+            <a:endParaRPr b="0" lang="en-US" sz="4400" spc="-1" strike="noStrike">
+              <a:latin typeface="Arial"/>
+            </a:endParaRPr>
+          </a:p>
+        </p:txBody>
+      </p:sp>
+      <p:sp>
+        <p:nvSpPr>
+          <p:cNvPr id="5" name="PlaceHolder 2"/>
           <p:cNvSpPr>
             <a:spLocks noGrp="1"/>
           </p:cNvSpPr>
@@ -771,11 +725,8 @@
             <a:normAutofit/>
           </a:bodyPr>
           <a:p>
-            <a:endParaRPr b="0" lang="ru-RU" sz="2800" spc="-1" strike="noStrike">
-              <a:solidFill>
-                <a:srgbClr val="000000"/>
-              </a:solidFill>
-              <a:latin typeface="Calibri"/>
+            <a:endParaRPr b="0" lang="en-US" sz="3200" spc="-1" strike="noStrike">
+              <a:latin typeface="Arial"/>
             </a:endParaRPr>
           </a:p>
         </p:txBody>
@@ -804,7 +755,7 @@
       </p:grpSpPr>
       <p:sp>
         <p:nvSpPr>
-          <p:cNvPr id="9" name="PlaceHolder 1"/>
+          <p:cNvPr id="6" name="PlaceHolder 1"/>
           <p:cNvSpPr>
             <a:spLocks noGrp="1"/>
           </p:cNvSpPr>
@@ -815,7 +766,7 @@
         <p:spPr>
           <a:xfrm>
             <a:off x="1523880" y="1122480"/>
-            <a:ext cx="9143640" cy="2387160"/>
+            <a:ext cx="9143280" cy="2386800"/>
           </a:xfrm>
           <a:prstGeom prst="rect">
             <a:avLst/>
@@ -826,18 +777,16 @@
             <a:noAutofit/>
           </a:bodyPr>
           <a:p>
-            <a:endParaRPr b="0" lang="ru-RU" sz="1800" spc="-1" strike="noStrike">
-              <a:solidFill>
-                <a:srgbClr val="000000"/>
-              </a:solidFill>
-              <a:latin typeface="Calibri"/>
-            </a:endParaRPr>
-          </a:p>
-        </p:txBody>
-      </p:sp>
-      <p:sp>
-        <p:nvSpPr>
-          <p:cNvPr id="10" name="PlaceHolder 2"/>
+            <a:pPr algn="ctr"/>
+            <a:endParaRPr b="0" lang="en-US" sz="4400" spc="-1" strike="noStrike">
+              <a:latin typeface="Arial"/>
+            </a:endParaRPr>
+          </a:p>
+        </p:txBody>
+      </p:sp>
+      <p:sp>
+        <p:nvSpPr>
+          <p:cNvPr id="7" name="PlaceHolder 2"/>
           <p:cNvSpPr>
             <a:spLocks noGrp="1"/>
           </p:cNvSpPr>
@@ -859,18 +808,15 @@
             <a:normAutofit/>
           </a:bodyPr>
           <a:p>
-            <a:endParaRPr b="0" lang="ru-RU" sz="2800" spc="-1" strike="noStrike">
-              <a:solidFill>
-                <a:srgbClr val="000000"/>
-              </a:solidFill>
-              <a:latin typeface="Calibri"/>
-            </a:endParaRPr>
-          </a:p>
-        </p:txBody>
-      </p:sp>
-      <p:sp>
-        <p:nvSpPr>
-          <p:cNvPr id="11" name="PlaceHolder 3"/>
+            <a:endParaRPr b="0" lang="en-US" sz="3200" spc="-1" strike="noStrike">
+              <a:latin typeface="Arial"/>
+            </a:endParaRPr>
+          </a:p>
+        </p:txBody>
+      </p:sp>
+      <p:sp>
+        <p:nvSpPr>
+          <p:cNvPr id="8" name="PlaceHolder 3"/>
           <p:cNvSpPr>
             <a:spLocks noGrp="1"/>
           </p:cNvSpPr>
@@ -892,11 +838,8 @@
             <a:normAutofit/>
           </a:bodyPr>
           <a:p>
-            <a:endParaRPr b="0" lang="ru-RU" sz="2800" spc="-1" strike="noStrike">
-              <a:solidFill>
-                <a:srgbClr val="000000"/>
-              </a:solidFill>
-              <a:latin typeface="Calibri"/>
+            <a:endParaRPr b="0" lang="en-US" sz="3200" spc="-1" strike="noStrike">
+              <a:latin typeface="Arial"/>
             </a:endParaRPr>
           </a:p>
         </p:txBody>
@@ -925,7 +868,7 @@
       </p:grpSpPr>
       <p:sp>
         <p:nvSpPr>
-          <p:cNvPr id="12" name="PlaceHolder 1"/>
+          <p:cNvPr id="9" name="PlaceHolder 1"/>
           <p:cNvSpPr>
             <a:spLocks noGrp="1"/>
           </p:cNvSpPr>
@@ -936,7 +879,7 @@
         <p:spPr>
           <a:xfrm>
             <a:off x="1523880" y="1122480"/>
-            <a:ext cx="9143640" cy="2387160"/>
+            <a:ext cx="9143280" cy="2386800"/>
           </a:xfrm>
           <a:prstGeom prst="rect">
             <a:avLst/>
@@ -947,11 +890,9 @@
             <a:noAutofit/>
           </a:bodyPr>
           <a:p>
-            <a:endParaRPr b="0" lang="ru-RU" sz="1800" spc="-1" strike="noStrike">
-              <a:solidFill>
-                <a:srgbClr val="000000"/>
-              </a:solidFill>
-              <a:latin typeface="Calibri"/>
+            <a:pPr algn="ctr"/>
+            <a:endParaRPr b="0" lang="en-US" sz="4400" spc="-1" strike="noStrike">
+              <a:latin typeface="Arial"/>
             </a:endParaRPr>
           </a:p>
         </p:txBody>
@@ -980,7 +921,7 @@
       </p:grpSpPr>
       <p:sp>
         <p:nvSpPr>
-          <p:cNvPr id="13" name="PlaceHolder 1"/>
+          <p:cNvPr id="10" name="PlaceHolder 1"/>
           <p:cNvSpPr>
             <a:spLocks noGrp="1"/>
           </p:cNvSpPr>
@@ -991,7 +932,7 @@
         <p:spPr>
           <a:xfrm>
             <a:off x="1523880" y="1122480"/>
-            <a:ext cx="9143640" cy="11066760"/>
+            <a:ext cx="9143280" cy="11064960"/>
           </a:xfrm>
           <a:prstGeom prst="rect">
             <a:avLst/>
@@ -1033,7 +974,7 @@
       </p:grpSpPr>
       <p:sp>
         <p:nvSpPr>
-          <p:cNvPr id="14" name="PlaceHolder 1"/>
+          <p:cNvPr id="11" name="PlaceHolder 1"/>
           <p:cNvSpPr>
             <a:spLocks noGrp="1"/>
           </p:cNvSpPr>
@@ -1044,7 +985,7 @@
         <p:spPr>
           <a:xfrm>
             <a:off x="1523880" y="1122480"/>
-            <a:ext cx="9143640" cy="2387160"/>
+            <a:ext cx="9143280" cy="2386800"/>
           </a:xfrm>
           <a:prstGeom prst="rect">
             <a:avLst/>
@@ -1055,18 +996,16 @@
             <a:noAutofit/>
           </a:bodyPr>
           <a:p>
-            <a:endParaRPr b="0" lang="ru-RU" sz="1800" spc="-1" strike="noStrike">
-              <a:solidFill>
-                <a:srgbClr val="000000"/>
-              </a:solidFill>
-              <a:latin typeface="Calibri"/>
-            </a:endParaRPr>
-          </a:p>
-        </p:txBody>
-      </p:sp>
-      <p:sp>
-        <p:nvSpPr>
-          <p:cNvPr id="15" name="PlaceHolder 2"/>
+            <a:pPr algn="ctr"/>
+            <a:endParaRPr b="0" lang="en-US" sz="4400" spc="-1" strike="noStrike">
+              <a:latin typeface="Arial"/>
+            </a:endParaRPr>
+          </a:p>
+        </p:txBody>
+      </p:sp>
+      <p:sp>
+        <p:nvSpPr>
+          <p:cNvPr id="12" name="PlaceHolder 2"/>
           <p:cNvSpPr>
             <a:spLocks noGrp="1"/>
           </p:cNvSpPr>
@@ -1088,18 +1027,15 @@
             <a:normAutofit/>
           </a:bodyPr>
           <a:p>
-            <a:endParaRPr b="0" lang="ru-RU" sz="2800" spc="-1" strike="noStrike">
-              <a:solidFill>
-                <a:srgbClr val="000000"/>
-              </a:solidFill>
-              <a:latin typeface="Calibri"/>
-            </a:endParaRPr>
-          </a:p>
-        </p:txBody>
-      </p:sp>
-      <p:sp>
-        <p:nvSpPr>
-          <p:cNvPr id="16" name="PlaceHolder 3"/>
+            <a:endParaRPr b="0" lang="en-US" sz="3200" spc="-1" strike="noStrike">
+              <a:latin typeface="Arial"/>
+            </a:endParaRPr>
+          </a:p>
+        </p:txBody>
+      </p:sp>
+      <p:sp>
+        <p:nvSpPr>
+          <p:cNvPr id="13" name="PlaceHolder 3"/>
           <p:cNvSpPr>
             <a:spLocks noGrp="1"/>
           </p:cNvSpPr>
@@ -1121,18 +1057,15 @@
             <a:normAutofit/>
           </a:bodyPr>
           <a:p>
-            <a:endParaRPr b="0" lang="ru-RU" sz="2800" spc="-1" strike="noStrike">
-              <a:solidFill>
-                <a:srgbClr val="000000"/>
-              </a:solidFill>
-              <a:latin typeface="Calibri"/>
-            </a:endParaRPr>
-          </a:p>
-        </p:txBody>
-      </p:sp>
-      <p:sp>
-        <p:nvSpPr>
-          <p:cNvPr id="17" name="PlaceHolder 4"/>
+            <a:endParaRPr b="0" lang="en-US" sz="3200" spc="-1" strike="noStrike">
+              <a:latin typeface="Arial"/>
+            </a:endParaRPr>
+          </a:p>
+        </p:txBody>
+      </p:sp>
+      <p:sp>
+        <p:nvSpPr>
+          <p:cNvPr id="14" name="PlaceHolder 4"/>
           <p:cNvSpPr>
             <a:spLocks noGrp="1"/>
           </p:cNvSpPr>
@@ -1154,11 +1087,8 @@
             <a:normAutofit/>
           </a:bodyPr>
           <a:p>
-            <a:endParaRPr b="0" lang="ru-RU" sz="2800" spc="-1" strike="noStrike">
-              <a:solidFill>
-                <a:srgbClr val="000000"/>
-              </a:solidFill>
-              <a:latin typeface="Calibri"/>
+            <a:endParaRPr b="0" lang="en-US" sz="3200" spc="-1" strike="noStrike">
+              <a:latin typeface="Arial"/>
             </a:endParaRPr>
           </a:p>
         </p:txBody>
@@ -1187,7 +1117,7 @@
       </p:grpSpPr>
       <p:sp>
         <p:nvSpPr>
-          <p:cNvPr id="18" name="PlaceHolder 1"/>
+          <p:cNvPr id="15" name="PlaceHolder 1"/>
           <p:cNvSpPr>
             <a:spLocks noGrp="1"/>
           </p:cNvSpPr>
@@ -1198,7 +1128,7 @@
         <p:spPr>
           <a:xfrm>
             <a:off x="1523880" y="1122480"/>
-            <a:ext cx="9143640" cy="2387160"/>
+            <a:ext cx="9143280" cy="2386800"/>
           </a:xfrm>
           <a:prstGeom prst="rect">
             <a:avLst/>
@@ -1209,18 +1139,16 @@
             <a:noAutofit/>
           </a:bodyPr>
           <a:p>
-            <a:endParaRPr b="0" lang="ru-RU" sz="1800" spc="-1" strike="noStrike">
-              <a:solidFill>
-                <a:srgbClr val="000000"/>
-              </a:solidFill>
-              <a:latin typeface="Calibri"/>
-            </a:endParaRPr>
-          </a:p>
-        </p:txBody>
-      </p:sp>
-      <p:sp>
-        <p:nvSpPr>
-          <p:cNvPr id="19" name="PlaceHolder 2"/>
+            <a:pPr algn="ctr"/>
+            <a:endParaRPr b="0" lang="en-US" sz="4400" spc="-1" strike="noStrike">
+              <a:latin typeface="Arial"/>
+            </a:endParaRPr>
+          </a:p>
+        </p:txBody>
+      </p:sp>
+      <p:sp>
+        <p:nvSpPr>
+          <p:cNvPr id="16" name="PlaceHolder 2"/>
           <p:cNvSpPr>
             <a:spLocks noGrp="1"/>
           </p:cNvSpPr>
@@ -1242,18 +1170,15 @@
             <a:normAutofit/>
           </a:bodyPr>
           <a:p>
-            <a:endParaRPr b="0" lang="ru-RU" sz="2800" spc="-1" strike="noStrike">
-              <a:solidFill>
-                <a:srgbClr val="000000"/>
-              </a:solidFill>
-              <a:latin typeface="Calibri"/>
-            </a:endParaRPr>
-          </a:p>
-        </p:txBody>
-      </p:sp>
-      <p:sp>
-        <p:nvSpPr>
-          <p:cNvPr id="20" name="PlaceHolder 3"/>
+            <a:endParaRPr b="0" lang="en-US" sz="3200" spc="-1" strike="noStrike">
+              <a:latin typeface="Arial"/>
+            </a:endParaRPr>
+          </a:p>
+        </p:txBody>
+      </p:sp>
+      <p:sp>
+        <p:nvSpPr>
+          <p:cNvPr id="17" name="PlaceHolder 3"/>
           <p:cNvSpPr>
             <a:spLocks noGrp="1"/>
           </p:cNvSpPr>
@@ -1275,18 +1200,15 @@
             <a:normAutofit/>
           </a:bodyPr>
           <a:p>
-            <a:endParaRPr b="0" lang="ru-RU" sz="2800" spc="-1" strike="noStrike">
-              <a:solidFill>
-                <a:srgbClr val="000000"/>
-              </a:solidFill>
-              <a:latin typeface="Calibri"/>
-            </a:endParaRPr>
-          </a:p>
-        </p:txBody>
-      </p:sp>
-      <p:sp>
-        <p:nvSpPr>
-          <p:cNvPr id="21" name="PlaceHolder 4"/>
+            <a:endParaRPr b="0" lang="en-US" sz="3200" spc="-1" strike="noStrike">
+              <a:latin typeface="Arial"/>
+            </a:endParaRPr>
+          </a:p>
+        </p:txBody>
+      </p:sp>
+      <p:sp>
+        <p:nvSpPr>
+          <p:cNvPr id="18" name="PlaceHolder 4"/>
           <p:cNvSpPr>
             <a:spLocks noGrp="1"/>
           </p:cNvSpPr>
@@ -1308,11 +1230,8 @@
             <a:normAutofit/>
           </a:bodyPr>
           <a:p>
-            <a:endParaRPr b="0" lang="ru-RU" sz="2800" spc="-1" strike="noStrike">
-              <a:solidFill>
-                <a:srgbClr val="000000"/>
-              </a:solidFill>
-              <a:latin typeface="Calibri"/>
+            <a:endParaRPr b="0" lang="en-US" sz="3200" spc="-1" strike="noStrike">
+              <a:latin typeface="Arial"/>
             </a:endParaRPr>
           </a:p>
         </p:txBody>
@@ -1341,7 +1260,7 @@
       </p:grpSpPr>
       <p:sp>
         <p:nvSpPr>
-          <p:cNvPr id="22" name="PlaceHolder 1"/>
+          <p:cNvPr id="19" name="PlaceHolder 1"/>
           <p:cNvSpPr>
             <a:spLocks noGrp="1"/>
           </p:cNvSpPr>
@@ -1352,7 +1271,7 @@
         <p:spPr>
           <a:xfrm>
             <a:off x="1523880" y="1122480"/>
-            <a:ext cx="9143640" cy="2387160"/>
+            <a:ext cx="9143280" cy="2386800"/>
           </a:xfrm>
           <a:prstGeom prst="rect">
             <a:avLst/>
@@ -1363,18 +1282,16 @@
             <a:noAutofit/>
           </a:bodyPr>
           <a:p>
-            <a:endParaRPr b="0" lang="ru-RU" sz="1800" spc="-1" strike="noStrike">
-              <a:solidFill>
-                <a:srgbClr val="000000"/>
-              </a:solidFill>
-              <a:latin typeface="Calibri"/>
-            </a:endParaRPr>
-          </a:p>
-        </p:txBody>
-      </p:sp>
-      <p:sp>
-        <p:nvSpPr>
-          <p:cNvPr id="23" name="PlaceHolder 2"/>
+            <a:pPr algn="ctr"/>
+            <a:endParaRPr b="0" lang="en-US" sz="4400" spc="-1" strike="noStrike">
+              <a:latin typeface="Arial"/>
+            </a:endParaRPr>
+          </a:p>
+        </p:txBody>
+      </p:sp>
+      <p:sp>
+        <p:nvSpPr>
+          <p:cNvPr id="20" name="PlaceHolder 2"/>
           <p:cNvSpPr>
             <a:spLocks noGrp="1"/>
           </p:cNvSpPr>
@@ -1396,18 +1313,15 @@
             <a:normAutofit/>
           </a:bodyPr>
           <a:p>
-            <a:endParaRPr b="0" lang="ru-RU" sz="2800" spc="-1" strike="noStrike">
-              <a:solidFill>
-                <a:srgbClr val="000000"/>
-              </a:solidFill>
-              <a:latin typeface="Calibri"/>
-            </a:endParaRPr>
-          </a:p>
-        </p:txBody>
-      </p:sp>
-      <p:sp>
-        <p:nvSpPr>
-          <p:cNvPr id="24" name="PlaceHolder 3"/>
+            <a:endParaRPr b="0" lang="en-US" sz="3200" spc="-1" strike="noStrike">
+              <a:latin typeface="Arial"/>
+            </a:endParaRPr>
+          </a:p>
+        </p:txBody>
+      </p:sp>
+      <p:sp>
+        <p:nvSpPr>
+          <p:cNvPr id="21" name="PlaceHolder 3"/>
           <p:cNvSpPr>
             <a:spLocks noGrp="1"/>
           </p:cNvSpPr>
@@ -1429,18 +1343,15 @@
             <a:normAutofit/>
           </a:bodyPr>
           <a:p>
-            <a:endParaRPr b="0" lang="ru-RU" sz="2800" spc="-1" strike="noStrike">
-              <a:solidFill>
-                <a:srgbClr val="000000"/>
-              </a:solidFill>
-              <a:latin typeface="Calibri"/>
-            </a:endParaRPr>
-          </a:p>
-        </p:txBody>
-      </p:sp>
-      <p:sp>
-        <p:nvSpPr>
-          <p:cNvPr id="25" name="PlaceHolder 4"/>
+            <a:endParaRPr b="0" lang="en-US" sz="3200" spc="-1" strike="noStrike">
+              <a:latin typeface="Arial"/>
+            </a:endParaRPr>
+          </a:p>
+        </p:txBody>
+      </p:sp>
+      <p:sp>
+        <p:nvSpPr>
+          <p:cNvPr id="22" name="PlaceHolder 4"/>
           <p:cNvSpPr>
             <a:spLocks noGrp="1"/>
           </p:cNvSpPr>
@@ -1462,11 +1373,8 @@
             <a:normAutofit/>
           </a:bodyPr>
           <a:p>
-            <a:endParaRPr b="0" lang="ru-RU" sz="2800" spc="-1" strike="noStrike">
-              <a:solidFill>
-                <a:srgbClr val="000000"/>
-              </a:solidFill>
-              <a:latin typeface="Calibri"/>
+            <a:endParaRPr b="0" lang="en-US" sz="3200" spc="-1" strike="noStrike">
+              <a:latin typeface="Arial"/>
             </a:endParaRPr>
           </a:p>
         </p:txBody>
@@ -1513,171 +1421,68 @@
         <p:spPr>
           <a:xfrm>
             <a:off x="1523880" y="1122480"/>
-            <a:ext cx="9143640" cy="2387160"/>
-          </a:xfrm>
-          <a:prstGeom prst="rect">
-            <a:avLst/>
-          </a:prstGeom>
-        </p:spPr>
-        <p:txBody>
-          <a:bodyPr anchor="b">
+            <a:ext cx="9143280" cy="2386800"/>
+          </a:xfrm>
+          <a:prstGeom prst="rect">
+            <a:avLst/>
+          </a:prstGeom>
+        </p:spPr>
+        <p:txBody>
+          <a:bodyPr lIns="0" rIns="0" tIns="0" bIns="0" anchor="ctr">
             <a:noAutofit/>
           </a:bodyPr>
           <a:p>
-            <a:pPr algn="ctr">
-              <a:lnSpc>
-                <a:spcPct val="90000"/>
-              </a:lnSpc>
-            </a:pPr>
-            <a:r>
-              <a:rPr b="0" lang="ru-RU" sz="6000" spc="-1" strike="noStrike">
-                <a:solidFill>
-                  <a:srgbClr val="000000"/>
-                </a:solidFill>
-                <a:latin typeface="Calibri Light"/>
-              </a:rPr>
-              <a:t>О</a:t>
-            </a:r>
-            <a:r>
-              <a:rPr b="0" lang="ru-RU" sz="6000" spc="-1" strike="noStrike">
-                <a:solidFill>
-                  <a:srgbClr val="000000"/>
-                </a:solidFill>
-                <a:latin typeface="Calibri Light"/>
-              </a:rPr>
-              <a:t>б</a:t>
-            </a:r>
-            <a:r>
-              <a:rPr b="0" lang="ru-RU" sz="6000" spc="-1" strike="noStrike">
-                <a:solidFill>
-                  <a:srgbClr val="000000"/>
-                </a:solidFill>
-                <a:latin typeface="Calibri Light"/>
-              </a:rPr>
-              <a:t>р</a:t>
-            </a:r>
-            <a:r>
-              <a:rPr b="0" lang="ru-RU" sz="6000" spc="-1" strike="noStrike">
-                <a:solidFill>
-                  <a:srgbClr val="000000"/>
-                </a:solidFill>
-                <a:latin typeface="Calibri Light"/>
-              </a:rPr>
-              <a:t>а</a:t>
-            </a:r>
-            <a:r>
-              <a:rPr b="0" lang="ru-RU" sz="6000" spc="-1" strike="noStrike">
-                <a:solidFill>
-                  <a:srgbClr val="000000"/>
-                </a:solidFill>
-                <a:latin typeface="Calibri Light"/>
-              </a:rPr>
-              <a:t>з</a:t>
-            </a:r>
-            <a:r>
-              <a:rPr b="0" lang="ru-RU" sz="6000" spc="-1" strike="noStrike">
-                <a:solidFill>
-                  <a:srgbClr val="000000"/>
-                </a:solidFill>
-                <a:latin typeface="Calibri Light"/>
-              </a:rPr>
-              <a:t>е</a:t>
-            </a:r>
-            <a:r>
-              <a:rPr b="0" lang="ru-RU" sz="6000" spc="-1" strike="noStrike">
-                <a:solidFill>
-                  <a:srgbClr val="000000"/>
-                </a:solidFill>
-                <a:latin typeface="Calibri Light"/>
-              </a:rPr>
-              <a:t>ц </a:t>
-            </a:r>
-            <a:r>
-              <a:rPr b="0" lang="ru-RU" sz="6000" spc="-1" strike="noStrike">
-                <a:solidFill>
-                  <a:srgbClr val="000000"/>
-                </a:solidFill>
-                <a:latin typeface="Calibri Light"/>
-              </a:rPr>
-              <a:t>з</a:t>
-            </a:r>
-            <a:r>
-              <a:rPr b="0" lang="ru-RU" sz="6000" spc="-1" strike="noStrike">
-                <a:solidFill>
-                  <a:srgbClr val="000000"/>
-                </a:solidFill>
-                <a:latin typeface="Calibri Light"/>
-              </a:rPr>
-              <a:t>а</a:t>
-            </a:r>
-            <a:r>
-              <a:rPr b="0" lang="ru-RU" sz="6000" spc="-1" strike="noStrike">
-                <a:solidFill>
-                  <a:srgbClr val="000000"/>
-                </a:solidFill>
-                <a:latin typeface="Calibri Light"/>
-              </a:rPr>
-              <a:t>г</a:t>
-            </a:r>
-            <a:r>
-              <a:rPr b="0" lang="ru-RU" sz="6000" spc="-1" strike="noStrike">
-                <a:solidFill>
-                  <a:srgbClr val="000000"/>
-                </a:solidFill>
-                <a:latin typeface="Calibri Light"/>
-              </a:rPr>
-              <a:t>о</a:t>
-            </a:r>
-            <a:r>
-              <a:rPr b="0" lang="ru-RU" sz="6000" spc="-1" strike="noStrike">
-                <a:solidFill>
-                  <a:srgbClr val="000000"/>
-                </a:solidFill>
-                <a:latin typeface="Calibri Light"/>
-              </a:rPr>
-              <a:t>л</a:t>
-            </a:r>
-            <a:r>
-              <a:rPr b="0" lang="ru-RU" sz="6000" spc="-1" strike="noStrike">
-                <a:solidFill>
-                  <a:srgbClr val="000000"/>
-                </a:solidFill>
-                <a:latin typeface="Calibri Light"/>
-              </a:rPr>
-              <a:t>о</a:t>
-            </a:r>
-            <a:r>
-              <a:rPr b="0" lang="ru-RU" sz="6000" spc="-1" strike="noStrike">
-                <a:solidFill>
-                  <a:srgbClr val="000000"/>
-                </a:solidFill>
-                <a:latin typeface="Calibri Light"/>
-              </a:rPr>
-              <a:t>в</a:t>
-            </a:r>
-            <a:r>
-              <a:rPr b="0" lang="ru-RU" sz="6000" spc="-1" strike="noStrike">
-                <a:solidFill>
-                  <a:srgbClr val="000000"/>
-                </a:solidFill>
-                <a:latin typeface="Calibri Light"/>
-              </a:rPr>
-              <a:t>к</a:t>
-            </a:r>
-            <a:r>
-              <a:rPr b="0" lang="ru-RU" sz="6000" spc="-1" strike="noStrike">
-                <a:solidFill>
-                  <a:srgbClr val="000000"/>
-                </a:solidFill>
-                <a:latin typeface="Calibri Light"/>
-              </a:rPr>
-              <a:t>а</a:t>
-            </a:r>
-            <a:endParaRPr b="0" lang="ru-RU" sz="6000" spc="-1" strike="noStrike">
-              <a:solidFill>
-                <a:srgbClr val="000000"/>
-              </a:solidFill>
-              <a:latin typeface="Calibri"/>
+            <a:pPr algn="ctr"/>
+            <a:r>
+              <a:rPr b="0" lang="en-US" sz="1800" spc="-1" strike="noStrike">
+                <a:latin typeface="Arial"/>
+              </a:rPr>
+              <a:t>Click </a:t>
+            </a:r>
+            <a:r>
+              <a:rPr b="0" lang="en-US" sz="1800" spc="-1" strike="noStrike">
+                <a:latin typeface="Arial"/>
+              </a:rPr>
+              <a:t>to </a:t>
+            </a:r>
+            <a:r>
+              <a:rPr b="0" lang="en-US" sz="1800" spc="-1" strike="noStrike">
+                <a:latin typeface="Arial"/>
+              </a:rPr>
+              <a:t>edit </a:t>
+            </a:r>
+            <a:r>
+              <a:rPr b="0" lang="en-US" sz="1800" spc="-1" strike="noStrike">
+                <a:latin typeface="Arial"/>
+              </a:rPr>
+              <a:t>the </a:t>
+            </a:r>
+            <a:r>
+              <a:rPr b="0" lang="en-US" sz="1800" spc="-1" strike="noStrike">
+                <a:latin typeface="Arial"/>
+              </a:rPr>
+              <a:t>title </a:t>
+            </a:r>
+            <a:r>
+              <a:rPr b="0" lang="en-US" sz="1800" spc="-1" strike="noStrike">
+                <a:latin typeface="Arial"/>
+              </a:rPr>
+              <a:t>text </a:t>
+            </a:r>
+            <a:r>
+              <a:rPr b="0" lang="en-US" sz="1800" spc="-1" strike="noStrike">
+                <a:latin typeface="Arial"/>
+              </a:rPr>
+              <a:t>form</a:t>
+            </a:r>
+            <a:r>
+              <a:rPr b="0" lang="en-US" sz="1800" spc="-1" strike="noStrike">
+                <a:latin typeface="Arial"/>
+              </a:rPr>
+              <a:t>at</a:t>
+            </a:r>
+            <a:endParaRPr b="0" lang="en-US" sz="1800" spc="-1" strike="noStrike">
+              <a:latin typeface="Arial"/>
             </a:endParaRPr>
           </a:p>
         </p:txBody>
@@ -1685,124 +1490,6 @@
       <p:sp>
         <p:nvSpPr>
           <p:cNvPr id="1" name="PlaceHolder 2"/>
-          <p:cNvSpPr>
-            <a:spLocks noGrp="1"/>
-          </p:cNvSpPr>
-          <p:nvPr>
-            <p:ph type="dt"/>
-          </p:nvPr>
-        </p:nvSpPr>
-        <p:spPr>
-          <a:xfrm>
-            <a:off x="838080" y="6356520"/>
-            <a:ext cx="2742840" cy="364680"/>
-          </a:xfrm>
-          <a:prstGeom prst="rect">
-            <a:avLst/>
-          </a:prstGeom>
-        </p:spPr>
-        <p:txBody>
-          <a:bodyPr anchor="ctr">
-            <a:noAutofit/>
-          </a:bodyPr>
-          <a:p>
-            <a:pPr>
-              <a:lnSpc>
-                <a:spcPct val="100000"/>
-              </a:lnSpc>
-            </a:pPr>
-            <a:fld id="{BDA56259-C293-4EB6-9706-4F32B82467B7}" type="datetime1">
-              <a:rPr b="0" lang="en-US" sz="1200" spc="-1" strike="noStrike">
-                <a:solidFill>
-                  <a:srgbClr val="8b8b8b"/>
-                </a:solidFill>
-                <a:latin typeface="Calibri"/>
-              </a:rPr>
-              <a:t>04/09/2020</a:t>
-            </a:fld>
-            <a:endParaRPr b="0" lang="en-US" sz="1200" spc="-1" strike="noStrike">
-              <a:latin typeface="Times New Roman"/>
-            </a:endParaRPr>
-          </a:p>
-        </p:txBody>
-      </p:sp>
-      <p:sp>
-        <p:nvSpPr>
-          <p:cNvPr id="2" name="PlaceHolder 3"/>
-          <p:cNvSpPr>
-            <a:spLocks noGrp="1"/>
-          </p:cNvSpPr>
-          <p:nvPr>
-            <p:ph type="ftr"/>
-          </p:nvPr>
-        </p:nvSpPr>
-        <p:spPr>
-          <a:xfrm>
-            <a:off x="4038480" y="6356520"/>
-            <a:ext cx="4114440" cy="364680"/>
-          </a:xfrm>
-          <a:prstGeom prst="rect">
-            <a:avLst/>
-          </a:prstGeom>
-        </p:spPr>
-        <p:txBody>
-          <a:bodyPr anchor="ctr">
-            <a:noAutofit/>
-          </a:bodyPr>
-          <a:p>
-            <a:endParaRPr b="0" lang="en-US" sz="2400" spc="-1" strike="noStrike">
-              <a:latin typeface="Times New Roman"/>
-            </a:endParaRPr>
-          </a:p>
-        </p:txBody>
-      </p:sp>
-      <p:sp>
-        <p:nvSpPr>
-          <p:cNvPr id="3" name="PlaceHolder 4"/>
-          <p:cNvSpPr>
-            <a:spLocks noGrp="1"/>
-          </p:cNvSpPr>
-          <p:nvPr>
-            <p:ph type="sldNum"/>
-          </p:nvPr>
-        </p:nvSpPr>
-        <p:spPr>
-          <a:xfrm>
-            <a:off x="8610480" y="6356520"/>
-            <a:ext cx="2742840" cy="364680"/>
-          </a:xfrm>
-          <a:prstGeom prst="rect">
-            <a:avLst/>
-          </a:prstGeom>
-        </p:spPr>
-        <p:txBody>
-          <a:bodyPr anchor="ctr">
-            <a:noAutofit/>
-          </a:bodyPr>
-          <a:p>
-            <a:pPr algn="r">
-              <a:lnSpc>
-                <a:spcPct val="100000"/>
-              </a:lnSpc>
-            </a:pPr>
-            <a:fld id="{B2EFF2ED-BC1B-42E5-91DC-420AF96CB145}" type="slidenum">
-              <a:rPr b="0" lang="en-US" sz="1200" spc="-1" strike="noStrike">
-                <a:solidFill>
-                  <a:srgbClr val="8b8b8b"/>
-                </a:solidFill>
-                <a:latin typeface="Calibri"/>
-              </a:rPr>
-              <a:t>11</a:t>
-            </a:fld>
-            <a:endParaRPr b="0" lang="en-US" sz="1200" spc="-1" strike="noStrike">
-              <a:latin typeface="Times New Roman"/>
-            </a:endParaRPr>
-          </a:p>
-        </p:txBody>
-      </p:sp>
-      <p:sp>
-        <p:nvSpPr>
-          <p:cNvPr id="4" name="PlaceHolder 5"/>
           <p:cNvSpPr>
             <a:spLocks noGrp="1"/>
           </p:cNvSpPr>
@@ -1836,19 +1523,13 @@
               <a:buChar char=""/>
             </a:pPr>
             <a:r>
-              <a:rPr b="0" lang="ru-RU" sz="2800" spc="-1" strike="noStrike">
-                <a:solidFill>
-                  <a:srgbClr val="000000"/>
-                </a:solidFill>
-                <a:latin typeface="Calibri"/>
+              <a:rPr b="0" lang="en-US" sz="3200" spc="-1" strike="noStrike">
+                <a:latin typeface="Arial"/>
               </a:rPr>
               <a:t>Click to edit the outline text format</a:t>
             </a:r>
-            <a:endParaRPr b="0" lang="ru-RU" sz="2800" spc="-1" strike="noStrike">
-              <a:solidFill>
-                <a:srgbClr val="000000"/>
-              </a:solidFill>
-              <a:latin typeface="Calibri"/>
+            <a:endParaRPr b="0" lang="en-US" sz="3200" spc="-1" strike="noStrike">
+              <a:latin typeface="Arial"/>
             </a:endParaRPr>
           </a:p>
           <a:p>
@@ -1864,19 +1545,13 @@
               <a:buChar char=""/>
             </a:pPr>
             <a:r>
-              <a:rPr b="0" lang="ru-RU" sz="2000" spc="-1" strike="noStrike">
-                <a:solidFill>
-                  <a:srgbClr val="000000"/>
-                </a:solidFill>
-                <a:latin typeface="Calibri"/>
+              <a:rPr b="0" lang="en-US" sz="2800" spc="-1" strike="noStrike">
+                <a:latin typeface="Arial"/>
               </a:rPr>
               <a:t>Second Outline Level</a:t>
             </a:r>
-            <a:endParaRPr b="0" lang="ru-RU" sz="2000" spc="-1" strike="noStrike">
-              <a:solidFill>
-                <a:srgbClr val="000000"/>
-              </a:solidFill>
-              <a:latin typeface="Calibri"/>
+            <a:endParaRPr b="0" lang="en-US" sz="2800" spc="-1" strike="noStrike">
+              <a:latin typeface="Arial"/>
             </a:endParaRPr>
           </a:p>
           <a:p>
@@ -1892,19 +1567,13 @@
               <a:buChar char=""/>
             </a:pPr>
             <a:r>
-              <a:rPr b="0" lang="ru-RU" sz="1800" spc="-1" strike="noStrike">
-                <a:solidFill>
-                  <a:srgbClr val="000000"/>
-                </a:solidFill>
-                <a:latin typeface="Calibri"/>
+              <a:rPr b="0" lang="en-US" sz="2400" spc="-1" strike="noStrike">
+                <a:latin typeface="Arial"/>
               </a:rPr>
               <a:t>Third Outline Level</a:t>
             </a:r>
-            <a:endParaRPr b="0" lang="ru-RU" sz="1800" spc="-1" strike="noStrike">
-              <a:solidFill>
-                <a:srgbClr val="000000"/>
-              </a:solidFill>
-              <a:latin typeface="Calibri"/>
+            <a:endParaRPr b="0" lang="en-US" sz="2400" spc="-1" strike="noStrike">
+              <a:latin typeface="Arial"/>
             </a:endParaRPr>
           </a:p>
           <a:p>
@@ -1920,19 +1589,13 @@
               <a:buChar char=""/>
             </a:pPr>
             <a:r>
-              <a:rPr b="0" lang="ru-RU" sz="1800" spc="-1" strike="noStrike">
-                <a:solidFill>
-                  <a:srgbClr val="000000"/>
-                </a:solidFill>
-                <a:latin typeface="Calibri"/>
+              <a:rPr b="0" lang="en-US" sz="2000" spc="-1" strike="noStrike">
+                <a:latin typeface="Arial"/>
               </a:rPr>
               <a:t>Fourth Outline Level</a:t>
             </a:r>
-            <a:endParaRPr b="0" lang="ru-RU" sz="1800" spc="-1" strike="noStrike">
-              <a:solidFill>
-                <a:srgbClr val="000000"/>
-              </a:solidFill>
-              <a:latin typeface="Calibri"/>
+            <a:endParaRPr b="0" lang="en-US" sz="2000" spc="-1" strike="noStrike">
+              <a:latin typeface="Arial"/>
             </a:endParaRPr>
           </a:p>
           <a:p>
@@ -1948,19 +1611,13 @@
               <a:buChar char=""/>
             </a:pPr>
             <a:r>
-              <a:rPr b="0" lang="ru-RU" sz="2000" spc="-1" strike="noStrike">
-                <a:solidFill>
-                  <a:srgbClr val="000000"/>
-                </a:solidFill>
-                <a:latin typeface="Calibri"/>
+              <a:rPr b="0" lang="en-US" sz="2000" spc="-1" strike="noStrike">
+                <a:latin typeface="Arial"/>
               </a:rPr>
               <a:t>Fifth Outline Level</a:t>
             </a:r>
-            <a:endParaRPr b="0" lang="ru-RU" sz="2000" spc="-1" strike="noStrike">
-              <a:solidFill>
-                <a:srgbClr val="000000"/>
-              </a:solidFill>
-              <a:latin typeface="Calibri"/>
+            <a:endParaRPr b="0" lang="en-US" sz="2000" spc="-1" strike="noStrike">
+              <a:latin typeface="Arial"/>
             </a:endParaRPr>
           </a:p>
           <a:p>
@@ -1976,19 +1633,13 @@
               <a:buChar char=""/>
             </a:pPr>
             <a:r>
-              <a:rPr b="0" lang="ru-RU" sz="2000" spc="-1" strike="noStrike">
-                <a:solidFill>
-                  <a:srgbClr val="000000"/>
-                </a:solidFill>
-                <a:latin typeface="Calibri"/>
+              <a:rPr b="0" lang="en-US" sz="2000" spc="-1" strike="noStrike">
+                <a:latin typeface="Arial"/>
               </a:rPr>
               <a:t>Sixth Outline Level</a:t>
             </a:r>
-            <a:endParaRPr b="0" lang="ru-RU" sz="2000" spc="-1" strike="noStrike">
-              <a:solidFill>
-                <a:srgbClr val="000000"/>
-              </a:solidFill>
-              <a:latin typeface="Calibri"/>
+            <a:endParaRPr b="0" lang="en-US" sz="2000" spc="-1" strike="noStrike">
+              <a:latin typeface="Arial"/>
             </a:endParaRPr>
           </a:p>
           <a:p>
@@ -2004,19 +1655,13 @@
               <a:buChar char=""/>
             </a:pPr>
             <a:r>
-              <a:rPr b="0" lang="ru-RU" sz="2000" spc="-1" strike="noStrike">
-                <a:solidFill>
-                  <a:srgbClr val="000000"/>
-                </a:solidFill>
-                <a:latin typeface="Calibri"/>
+              <a:rPr b="0" lang="en-US" sz="2000" spc="-1" strike="noStrike">
+                <a:latin typeface="Arial"/>
               </a:rPr>
               <a:t>Seventh Outline Level</a:t>
             </a:r>
-            <a:endParaRPr b="0" lang="ru-RU" sz="2000" spc="-1" strike="noStrike">
-              <a:solidFill>
-                <a:srgbClr val="000000"/>
-              </a:solidFill>
-              <a:latin typeface="Calibri"/>
+            <a:endParaRPr b="0" lang="en-US" sz="2000" spc="-1" strike="noStrike">
+              <a:latin typeface="Arial"/>
             </a:endParaRPr>
           </a:p>
         </p:txBody>
@@ -2060,108 +1705,14 @@
       </p:grpSpPr>
       <p:sp>
         <p:nvSpPr>
-          <p:cNvPr id="41" name="TextShape 1"/>
-          <p:cNvSpPr txBox="1"/>
+          <p:cNvPr id="38" name="CustomShape 1"/>
+          <p:cNvSpPr/>
           <p:nvPr/>
         </p:nvSpPr>
         <p:spPr>
           <a:xfrm>
             <a:off x="1860120" y="2570760"/>
-            <a:ext cx="8471160" cy="1388160"/>
-          </a:xfrm>
-          <a:prstGeom prst="rect">
-            <a:avLst/>
-          </a:prstGeom>
-          <a:noFill/>
-          <a:ln>
-            <a:noFill/>
-          </a:ln>
-        </p:spPr>
-        <p:txBody>
-          <a:bodyPr anchor="b">
-            <a:normAutofit fontScale="56000"/>
-          </a:bodyPr>
-          <a:p>
-            <a:pPr algn="ctr">
-              <a:lnSpc>
-                <a:spcPct val="90000"/>
-              </a:lnSpc>
-            </a:pPr>
-            <a:r>
-              <a:rPr b="1" lang="ru-RU" sz="3600" spc="-1" strike="noStrike">
-                <a:solidFill>
-                  <a:srgbClr val="000000"/>
-                </a:solidFill>
-                <a:latin typeface="Arial"/>
-              </a:rPr>
-              <a:t>Charon - интеллектуальная система управления версиями программного обеспечения в Kubernetes</a:t>
-            </a:r>
-            <a:endParaRPr b="0" lang="ru-RU" sz="3600" spc="-1" strike="noStrike">
-              <a:solidFill>
-                <a:srgbClr val="000000"/>
-              </a:solidFill>
-              <a:latin typeface="Calibri"/>
-            </a:endParaRPr>
-          </a:p>
-        </p:txBody>
-      </p:sp>
-      <p:sp>
-        <p:nvSpPr>
-          <p:cNvPr id="42" name="TextShape 2"/>
-          <p:cNvSpPr txBox="1"/>
-          <p:nvPr/>
-        </p:nvSpPr>
-        <p:spPr>
-          <a:xfrm>
-            <a:off x="251640" y="6089400"/>
-            <a:ext cx="4091400" cy="419400"/>
-          </a:xfrm>
-          <a:prstGeom prst="rect">
-            <a:avLst/>
-          </a:prstGeom>
-          <a:noFill/>
-          <a:ln>
-            <a:noFill/>
-          </a:ln>
-        </p:spPr>
-        <p:txBody>
-          <a:bodyPr>
-            <a:normAutofit/>
-          </a:bodyPr>
-          <a:p>
-            <a:pPr>
-              <a:lnSpc>
-                <a:spcPct val="90000"/>
-              </a:lnSpc>
-              <a:spcBef>
-                <a:spcPts val="1001"/>
-              </a:spcBef>
-            </a:pPr>
-            <a:r>
-              <a:rPr b="0" lang="en-US" sz="2400" spc="-1" strike="noStrike">
-                <a:solidFill>
-                  <a:srgbClr val="000000"/>
-                </a:solidFill>
-                <a:latin typeface="Arial"/>
-              </a:rPr>
-              <a:t>Березина Анна Сергеевна</a:t>
-            </a:r>
-            <a:endParaRPr b="0" lang="en-US" sz="2400" spc="-1" strike="noStrike">
-              <a:latin typeface="Arial"/>
-            </a:endParaRPr>
-          </a:p>
-        </p:txBody>
-      </p:sp>
-      <p:sp>
-        <p:nvSpPr>
-          <p:cNvPr id="43" name="CustomShape 3"/>
-          <p:cNvSpPr/>
-          <p:nvPr/>
-        </p:nvSpPr>
-        <p:spPr>
-          <a:xfrm>
-            <a:off x="2463480" y="493200"/>
-            <a:ext cx="7264440" cy="1187640"/>
+            <a:ext cx="8470800" cy="1387800"/>
           </a:xfrm>
           <a:prstGeom prst="rect">
             <a:avLst/>
@@ -2178,6 +1729,109 @@
           <a:fontRef idx="minor"/>
         </p:style>
         <p:txBody>
+          <a:bodyPr lIns="90000" rIns="90000" tIns="45000" bIns="45000" anchor="b">
+            <a:normAutofit fontScale="56000"/>
+          </a:bodyPr>
+          <a:p>
+            <a:pPr algn="ctr">
+              <a:lnSpc>
+                <a:spcPct val="90000"/>
+              </a:lnSpc>
+            </a:pPr>
+            <a:r>
+              <a:rPr b="1" lang="en-US" sz="3600" spc="-1" strike="noStrike">
+                <a:solidFill>
+                  <a:srgbClr val="000000"/>
+                </a:solidFill>
+                <a:latin typeface="Arial"/>
+              </a:rPr>
+              <a:t>Charon - интеллектуальная система управления версиями программного обеспечения в Kubernetes</a:t>
+            </a:r>
+            <a:endParaRPr b="0" lang="en-US" sz="3600" spc="-1" strike="noStrike">
+              <a:latin typeface="Arial"/>
+            </a:endParaRPr>
+          </a:p>
+        </p:txBody>
+      </p:sp>
+      <p:sp>
+        <p:nvSpPr>
+          <p:cNvPr id="39" name="CustomShape 2"/>
+          <p:cNvSpPr/>
+          <p:nvPr/>
+        </p:nvSpPr>
+        <p:spPr>
+          <a:xfrm>
+            <a:off x="251640" y="6089400"/>
+            <a:ext cx="4091040" cy="419040"/>
+          </a:xfrm>
+          <a:prstGeom prst="rect">
+            <a:avLst/>
+          </a:prstGeom>
+          <a:noFill/>
+          <a:ln>
+            <a:noFill/>
+          </a:ln>
+        </p:spPr>
+        <p:style>
+          <a:lnRef idx="0"/>
+          <a:fillRef idx="0"/>
+          <a:effectRef idx="0"/>
+          <a:fontRef idx="minor"/>
+        </p:style>
+        <p:txBody>
+          <a:bodyPr lIns="90000" rIns="90000" tIns="45000" bIns="45000">
+            <a:normAutofit/>
+          </a:bodyPr>
+          <a:p>
+            <a:pPr>
+              <a:lnSpc>
+                <a:spcPct val="90000"/>
+              </a:lnSpc>
+              <a:spcBef>
+                <a:spcPts val="1001"/>
+              </a:spcBef>
+            </a:pPr>
+            <a:r>
+              <a:rPr b="0" lang="en-US" sz="2400" spc="-1" strike="noStrike">
+                <a:solidFill>
+                  <a:srgbClr val="000000"/>
+                </a:solidFill>
+                <a:latin typeface="Arial"/>
+              </a:rPr>
+              <a:t>Березина Анна Сергеевна</a:t>
+            </a:r>
+            <a:endParaRPr b="0" lang="en-US" sz="2400" spc="-1" strike="noStrike">
+              <a:latin typeface="Arial"/>
+            </a:endParaRPr>
+          </a:p>
+        </p:txBody>
+      </p:sp>
+      <p:sp>
+        <p:nvSpPr>
+          <p:cNvPr id="40" name="CustomShape 3"/>
+          <p:cNvSpPr/>
+          <p:nvPr/>
+        </p:nvSpPr>
+        <p:spPr>
+          <a:xfrm>
+            <a:off x="2463480" y="493200"/>
+            <a:ext cx="7264080" cy="1187280"/>
+          </a:xfrm>
+          <a:prstGeom prst="rect">
+            <a:avLst/>
+          </a:prstGeom>
+          <a:noFill/>
+          <a:ln>
+            <a:noFill/>
+          </a:ln>
+        </p:spPr>
+        <p:style>
+          <a:lnRef idx="0"/>
+          <a:fillRef idx="0"/>
+          <a:effectRef idx="0"/>
+          <a:fontRef idx="minor"/>
+        </p:style>
+        <p:txBody>
           <a:bodyPr lIns="90000" rIns="90000" tIns="45000" bIns="45000">
             <a:spAutoFit/>
           </a:bodyPr>
@@ -2193,6 +1847,7 @@
                   <a:srgbClr val="000000"/>
                 </a:solidFill>
                 <a:latin typeface="Arial"/>
+                <a:ea typeface="DejaVu Sans"/>
               </a:rPr>
               <a:t>Университет ИТМО</a:t>
             </a:r>
@@ -2203,6 +1858,7 @@
                   <a:srgbClr val="000000"/>
                 </a:solidFill>
                 <a:latin typeface="Arial"/>
+                <a:ea typeface="DejaVu Sans"/>
               </a:rPr>
               <a:t>Факультет Безопасности Информационных Технологий</a:t>
             </a:r>
@@ -2214,7 +1870,7 @@
       </p:sp>
       <p:pic>
         <p:nvPicPr>
-          <p:cNvPr id="44" name="Рисунок 7" descr=""/>
+          <p:cNvPr id="41" name="Рисунок 7" descr=""/>
           <p:cNvPicPr/>
           <p:nvPr/>
         </p:nvPicPr>
@@ -2225,7 +1881,7 @@
         <p:spPr>
           <a:xfrm>
             <a:off x="10148400" y="5740920"/>
-            <a:ext cx="2043360" cy="1116720"/>
+            <a:ext cx="2043000" cy="1116360"/>
           </a:xfrm>
           <a:prstGeom prst="rect">
             <a:avLst/>
@@ -2267,81 +1923,14 @@
       </p:grpSpPr>
       <p:sp>
         <p:nvSpPr>
-          <p:cNvPr id="89" name="TextShape 1"/>
-          <p:cNvSpPr txBox="1"/>
+          <p:cNvPr id="86" name="CustomShape 1"/>
+          <p:cNvSpPr/>
           <p:nvPr/>
         </p:nvSpPr>
         <p:spPr>
           <a:xfrm>
             <a:off x="11320920" y="106200"/>
-            <a:ext cx="700920" cy="364680"/>
-          </a:xfrm>
-          <a:prstGeom prst="rect">
-            <a:avLst/>
-          </a:prstGeom>
-          <a:noFill/>
-          <a:ln>
-            <a:noFill/>
-          </a:ln>
-        </p:spPr>
-        <p:txBody>
-          <a:bodyPr anchor="ctr">
-            <a:noAutofit/>
-          </a:bodyPr>
-          <a:p>
-            <a:pPr algn="r">
-              <a:lnSpc>
-                <a:spcPct val="100000"/>
-              </a:lnSpc>
-            </a:pPr>
-            <a:fld id="{86776236-796E-4F29-A2DF-A435E865FD86}" type="slidenum">
-              <a:rPr b="0" lang="en-US" sz="2000" spc="-1" strike="noStrike">
-                <a:solidFill>
-                  <a:srgbClr val="000000"/>
-                </a:solidFill>
-                <a:latin typeface="Calibri"/>
-              </a:rPr>
-              <a:t>&lt;number&gt;</a:t>
-            </a:fld>
-            <a:endParaRPr b="0" lang="en-US" sz="2000" spc="-1" strike="noStrike">
-              <a:latin typeface="Times New Roman"/>
-            </a:endParaRPr>
-          </a:p>
-        </p:txBody>
-      </p:sp>
-      <p:pic>
-        <p:nvPicPr>
-          <p:cNvPr id="90" name="Рисунок 7" descr=""/>
-          <p:cNvPicPr/>
-          <p:nvPr/>
-        </p:nvPicPr>
-        <p:blipFill>
-          <a:blip r:embed="rId1"/>
-          <a:stretch/>
-        </p:blipFill>
-        <p:spPr>
-          <a:xfrm>
-            <a:off x="10148400" y="5740920"/>
-            <a:ext cx="2043360" cy="1116720"/>
-          </a:xfrm>
-          <a:prstGeom prst="rect">
-            <a:avLst/>
-          </a:prstGeom>
-          <a:ln>
-            <a:noFill/>
-          </a:ln>
-        </p:spPr>
-      </p:pic>
-      <p:sp>
-        <p:nvSpPr>
-          <p:cNvPr id="91" name="CustomShape 2"/>
-          <p:cNvSpPr/>
-          <p:nvPr/>
-        </p:nvSpPr>
-        <p:spPr>
-          <a:xfrm>
-            <a:off x="93240" y="46800"/>
-            <a:ext cx="7256880" cy="830520"/>
+            <a:ext cx="700560" cy="364320"/>
           </a:xfrm>
           <a:prstGeom prst="rect">
             <a:avLst/>
@@ -2358,7 +1947,80 @@
           <a:fontRef idx="minor"/>
         </p:style>
         <p:txBody>
-          <a:bodyPr anchor="b">
+          <a:bodyPr lIns="90000" rIns="90000" tIns="45000" bIns="45000" anchor="ctr">
+            <a:noAutofit/>
+          </a:bodyPr>
+          <a:p>
+            <a:pPr algn="r">
+              <a:lnSpc>
+                <a:spcPct val="100000"/>
+              </a:lnSpc>
+            </a:pPr>
+            <a:fld id="{CCB8A985-DCA8-4C39-9201-D6BD58105464}" type="slidenum">
+              <a:rPr b="0" lang="en-US" sz="2000" spc="-1" strike="noStrike">
+                <a:solidFill>
+                  <a:srgbClr val="000000"/>
+                </a:solidFill>
+                <a:latin typeface="Calibri"/>
+              </a:rPr>
+              <a:t>&lt;number&gt;</a:t>
+            </a:fld>
+            <a:endParaRPr b="0" lang="en-US" sz="2000" spc="-1" strike="noStrike">
+              <a:latin typeface="Arial"/>
+            </a:endParaRPr>
+          </a:p>
+        </p:txBody>
+      </p:sp>
+      <p:pic>
+        <p:nvPicPr>
+          <p:cNvPr id="87" name="Рисунок 7" descr=""/>
+          <p:cNvPicPr/>
+          <p:nvPr/>
+        </p:nvPicPr>
+        <p:blipFill>
+          <a:blip r:embed="rId1"/>
+          <a:stretch/>
+        </p:blipFill>
+        <p:spPr>
+          <a:xfrm>
+            <a:off x="10148400" y="5740920"/>
+            <a:ext cx="2043000" cy="1116360"/>
+          </a:xfrm>
+          <a:prstGeom prst="rect">
+            <a:avLst/>
+          </a:prstGeom>
+          <a:ln>
+            <a:noFill/>
+          </a:ln>
+        </p:spPr>
+      </p:pic>
+      <p:sp>
+        <p:nvSpPr>
+          <p:cNvPr id="88" name="CustomShape 2"/>
+          <p:cNvSpPr/>
+          <p:nvPr/>
+        </p:nvSpPr>
+        <p:spPr>
+          <a:xfrm>
+            <a:off x="93240" y="46800"/>
+            <a:ext cx="7256520" cy="830160"/>
+          </a:xfrm>
+          <a:prstGeom prst="rect">
+            <a:avLst/>
+          </a:prstGeom>
+          <a:noFill/>
+          <a:ln>
+            <a:noFill/>
+          </a:ln>
+        </p:spPr>
+        <p:style>
+          <a:lnRef idx="0"/>
+          <a:fillRef idx="0"/>
+          <a:effectRef idx="0"/>
+          <a:fontRef idx="minor"/>
+        </p:style>
+        <p:txBody>
+          <a:bodyPr lIns="90000" rIns="90000" tIns="45000" bIns="45000" anchor="b">
             <a:normAutofit/>
           </a:bodyPr>
           <a:p>
@@ -2373,6 +2035,7 @@
                   <a:srgbClr val="000000"/>
                 </a:solidFill>
                 <a:latin typeface="Arial"/>
+                <a:ea typeface="DejaVu Sans"/>
               </a:rPr>
               <a:t>Kubernetes</a:t>
             </a:r>
@@ -2384,7 +2047,7 @@
       </p:sp>
       <p:sp>
         <p:nvSpPr>
-          <p:cNvPr id="92" name="Line 3"/>
+          <p:cNvPr id="89" name="Line 3"/>
           <p:cNvSpPr/>
           <p:nvPr/>
         </p:nvSpPr>
@@ -2417,7 +2080,7 @@
       </p:sp>
       <p:pic>
         <p:nvPicPr>
-          <p:cNvPr id="93" name="Рисунок 1" descr=""/>
+          <p:cNvPr id="90" name="Рисунок 1" descr=""/>
           <p:cNvPicPr/>
           <p:nvPr/>
         </p:nvPicPr>
@@ -2428,7 +2091,7 @@
         <p:spPr>
           <a:xfrm>
             <a:off x="465120" y="2419200"/>
-            <a:ext cx="10448640" cy="2561760"/>
+            <a:ext cx="10448280" cy="2561400"/>
           </a:xfrm>
           <a:prstGeom prst="rect">
             <a:avLst/>
@@ -2470,81 +2133,14 @@
       </p:grpSpPr>
       <p:sp>
         <p:nvSpPr>
-          <p:cNvPr id="94" name="TextShape 1"/>
-          <p:cNvSpPr txBox="1"/>
+          <p:cNvPr id="91" name="CustomShape 1"/>
+          <p:cNvSpPr/>
           <p:nvPr/>
         </p:nvSpPr>
         <p:spPr>
           <a:xfrm>
             <a:off x="11320920" y="106200"/>
-            <a:ext cx="700920" cy="364680"/>
-          </a:xfrm>
-          <a:prstGeom prst="rect">
-            <a:avLst/>
-          </a:prstGeom>
-          <a:noFill/>
-          <a:ln>
-            <a:noFill/>
-          </a:ln>
-        </p:spPr>
-        <p:txBody>
-          <a:bodyPr anchor="ctr">
-            <a:noAutofit/>
-          </a:bodyPr>
-          <a:p>
-            <a:pPr algn="r">
-              <a:lnSpc>
-                <a:spcPct val="100000"/>
-              </a:lnSpc>
-            </a:pPr>
-            <a:fld id="{6DB3737F-9A5C-4548-A360-816C52A33ACF}" type="slidenum">
-              <a:rPr b="0" lang="en-US" sz="2000" spc="-1" strike="noStrike">
-                <a:solidFill>
-                  <a:srgbClr val="000000"/>
-                </a:solidFill>
-                <a:latin typeface="Calibri"/>
-              </a:rPr>
-              <a:t>&lt;number&gt;</a:t>
-            </a:fld>
-            <a:endParaRPr b="0" lang="en-US" sz="2000" spc="-1" strike="noStrike">
-              <a:latin typeface="Times New Roman"/>
-            </a:endParaRPr>
-          </a:p>
-        </p:txBody>
-      </p:sp>
-      <p:pic>
-        <p:nvPicPr>
-          <p:cNvPr id="95" name="Рисунок 7" descr=""/>
-          <p:cNvPicPr/>
-          <p:nvPr/>
-        </p:nvPicPr>
-        <p:blipFill>
-          <a:blip r:embed="rId1"/>
-          <a:stretch/>
-        </p:blipFill>
-        <p:spPr>
-          <a:xfrm>
-            <a:off x="10148400" y="5740920"/>
-            <a:ext cx="2043360" cy="1116720"/>
-          </a:xfrm>
-          <a:prstGeom prst="rect">
-            <a:avLst/>
-          </a:prstGeom>
-          <a:ln>
-            <a:noFill/>
-          </a:ln>
-        </p:spPr>
-      </p:pic>
-      <p:sp>
-        <p:nvSpPr>
-          <p:cNvPr id="96" name="CustomShape 2"/>
-          <p:cNvSpPr/>
-          <p:nvPr/>
-        </p:nvSpPr>
-        <p:spPr>
-          <a:xfrm>
-            <a:off x="93240" y="46800"/>
-            <a:ext cx="7256880" cy="830520"/>
+            <a:ext cx="700560" cy="364320"/>
           </a:xfrm>
           <a:prstGeom prst="rect">
             <a:avLst/>
@@ -2561,7 +2157,80 @@
           <a:fontRef idx="minor"/>
         </p:style>
         <p:txBody>
-          <a:bodyPr anchor="b">
+          <a:bodyPr lIns="90000" rIns="90000" tIns="45000" bIns="45000" anchor="ctr">
+            <a:noAutofit/>
+          </a:bodyPr>
+          <a:p>
+            <a:pPr algn="r">
+              <a:lnSpc>
+                <a:spcPct val="100000"/>
+              </a:lnSpc>
+            </a:pPr>
+            <a:fld id="{6143349D-C3E9-44B6-B123-AF58B084C951}" type="slidenum">
+              <a:rPr b="0" lang="en-US" sz="2000" spc="-1" strike="noStrike">
+                <a:solidFill>
+                  <a:srgbClr val="000000"/>
+                </a:solidFill>
+                <a:latin typeface="Calibri"/>
+              </a:rPr>
+              <a:t>&lt;number&gt;</a:t>
+            </a:fld>
+            <a:endParaRPr b="0" lang="en-US" sz="2000" spc="-1" strike="noStrike">
+              <a:latin typeface="Arial"/>
+            </a:endParaRPr>
+          </a:p>
+        </p:txBody>
+      </p:sp>
+      <p:pic>
+        <p:nvPicPr>
+          <p:cNvPr id="92" name="Рисунок 7" descr=""/>
+          <p:cNvPicPr/>
+          <p:nvPr/>
+        </p:nvPicPr>
+        <p:blipFill>
+          <a:blip r:embed="rId1"/>
+          <a:stretch/>
+        </p:blipFill>
+        <p:spPr>
+          <a:xfrm>
+            <a:off x="10148400" y="5740920"/>
+            <a:ext cx="2043000" cy="1116360"/>
+          </a:xfrm>
+          <a:prstGeom prst="rect">
+            <a:avLst/>
+          </a:prstGeom>
+          <a:ln>
+            <a:noFill/>
+          </a:ln>
+        </p:spPr>
+      </p:pic>
+      <p:sp>
+        <p:nvSpPr>
+          <p:cNvPr id="93" name="CustomShape 2"/>
+          <p:cNvSpPr/>
+          <p:nvPr/>
+        </p:nvSpPr>
+        <p:spPr>
+          <a:xfrm>
+            <a:off x="93240" y="46800"/>
+            <a:ext cx="7256520" cy="830160"/>
+          </a:xfrm>
+          <a:prstGeom prst="rect">
+            <a:avLst/>
+          </a:prstGeom>
+          <a:noFill/>
+          <a:ln>
+            <a:noFill/>
+          </a:ln>
+        </p:spPr>
+        <p:style>
+          <a:lnRef idx="0"/>
+          <a:fillRef idx="0"/>
+          <a:effectRef idx="0"/>
+          <a:fontRef idx="minor"/>
+        </p:style>
+        <p:txBody>
+          <a:bodyPr lIns="90000" rIns="90000" tIns="45000" bIns="45000" anchor="b">
             <a:normAutofit/>
           </a:bodyPr>
           <a:p>
@@ -2576,6 +2245,7 @@
                   <a:srgbClr val="000000"/>
                 </a:solidFill>
                 <a:latin typeface="Arial"/>
+                <a:ea typeface="DejaVu Sans"/>
               </a:rPr>
               <a:t>Deployer</a:t>
             </a:r>
@@ -2587,7 +2257,7 @@
       </p:sp>
       <p:sp>
         <p:nvSpPr>
-          <p:cNvPr id="97" name="Line 3"/>
+          <p:cNvPr id="94" name="Line 3"/>
           <p:cNvSpPr/>
           <p:nvPr/>
         </p:nvSpPr>
@@ -2620,7 +2290,7 @@
       </p:sp>
       <p:pic>
         <p:nvPicPr>
-          <p:cNvPr id="98" name="Рисунок 1" descr=""/>
+          <p:cNvPr id="95" name="" descr=""/>
           <p:cNvPicPr/>
           <p:nvPr/>
         </p:nvPicPr>
@@ -2630,8 +2300,8 @@
         </p:blipFill>
         <p:spPr>
           <a:xfrm>
-            <a:off x="555480" y="1708920"/>
-            <a:ext cx="9959760" cy="3507840"/>
+            <a:off x="520560" y="2743200"/>
+            <a:ext cx="10086480" cy="1371240"/>
           </a:xfrm>
           <a:prstGeom prst="rect">
             <a:avLst/>
@@ -2673,81 +2343,14 @@
       </p:grpSpPr>
       <p:sp>
         <p:nvSpPr>
-          <p:cNvPr id="99" name="TextShape 1"/>
-          <p:cNvSpPr txBox="1"/>
+          <p:cNvPr id="96" name="CustomShape 1"/>
+          <p:cNvSpPr/>
           <p:nvPr/>
         </p:nvSpPr>
         <p:spPr>
           <a:xfrm>
             <a:off x="11320920" y="106200"/>
-            <a:ext cx="700920" cy="364680"/>
-          </a:xfrm>
-          <a:prstGeom prst="rect">
-            <a:avLst/>
-          </a:prstGeom>
-          <a:noFill/>
-          <a:ln>
-            <a:noFill/>
-          </a:ln>
-        </p:spPr>
-        <p:txBody>
-          <a:bodyPr anchor="ctr">
-            <a:noAutofit/>
-          </a:bodyPr>
-          <a:p>
-            <a:pPr algn="r">
-              <a:lnSpc>
-                <a:spcPct val="100000"/>
-              </a:lnSpc>
-            </a:pPr>
-            <a:fld id="{CAB7B4DE-9FCD-4C3D-9491-AA703C20C75B}" type="slidenum">
-              <a:rPr b="0" lang="en-US" sz="2000" spc="-1" strike="noStrike">
-                <a:solidFill>
-                  <a:srgbClr val="000000"/>
-                </a:solidFill>
-                <a:latin typeface="Calibri"/>
-              </a:rPr>
-              <a:t>&lt;number&gt;</a:t>
-            </a:fld>
-            <a:endParaRPr b="0" lang="en-US" sz="2000" spc="-1" strike="noStrike">
-              <a:latin typeface="Times New Roman"/>
-            </a:endParaRPr>
-          </a:p>
-        </p:txBody>
-      </p:sp>
-      <p:pic>
-        <p:nvPicPr>
-          <p:cNvPr id="100" name="Рисунок 7" descr=""/>
-          <p:cNvPicPr/>
-          <p:nvPr/>
-        </p:nvPicPr>
-        <p:blipFill>
-          <a:blip r:embed="rId1"/>
-          <a:stretch/>
-        </p:blipFill>
-        <p:spPr>
-          <a:xfrm>
-            <a:off x="10148400" y="5740920"/>
-            <a:ext cx="2043360" cy="1116720"/>
-          </a:xfrm>
-          <a:prstGeom prst="rect">
-            <a:avLst/>
-          </a:prstGeom>
-          <a:ln>
-            <a:noFill/>
-          </a:ln>
-        </p:spPr>
-      </p:pic>
-      <p:sp>
-        <p:nvSpPr>
-          <p:cNvPr id="101" name="CustomShape 2"/>
-          <p:cNvSpPr/>
-          <p:nvPr/>
-        </p:nvSpPr>
-        <p:spPr>
-          <a:xfrm>
-            <a:off x="93240" y="46800"/>
-            <a:ext cx="7256880" cy="830520"/>
+            <a:ext cx="700560" cy="364320"/>
           </a:xfrm>
           <a:prstGeom prst="rect">
             <a:avLst/>
@@ -2764,7 +2367,80 @@
           <a:fontRef idx="minor"/>
         </p:style>
         <p:txBody>
-          <a:bodyPr anchor="b">
+          <a:bodyPr lIns="90000" rIns="90000" tIns="45000" bIns="45000" anchor="ctr">
+            <a:noAutofit/>
+          </a:bodyPr>
+          <a:p>
+            <a:pPr algn="r">
+              <a:lnSpc>
+                <a:spcPct val="100000"/>
+              </a:lnSpc>
+            </a:pPr>
+            <a:fld id="{6F0B8334-7FA9-43AB-AC09-B67AF69FFE1A}" type="slidenum">
+              <a:rPr b="0" lang="en-US" sz="2000" spc="-1" strike="noStrike">
+                <a:solidFill>
+                  <a:srgbClr val="000000"/>
+                </a:solidFill>
+                <a:latin typeface="Calibri"/>
+              </a:rPr>
+              <a:t>&lt;number&gt;</a:t>
+            </a:fld>
+            <a:endParaRPr b="0" lang="en-US" sz="2000" spc="-1" strike="noStrike">
+              <a:latin typeface="Arial"/>
+            </a:endParaRPr>
+          </a:p>
+        </p:txBody>
+      </p:sp>
+      <p:pic>
+        <p:nvPicPr>
+          <p:cNvPr id="97" name="Рисунок 7" descr=""/>
+          <p:cNvPicPr/>
+          <p:nvPr/>
+        </p:nvPicPr>
+        <p:blipFill>
+          <a:blip r:embed="rId1"/>
+          <a:stretch/>
+        </p:blipFill>
+        <p:spPr>
+          <a:xfrm>
+            <a:off x="10148400" y="5740920"/>
+            <a:ext cx="2043000" cy="1116360"/>
+          </a:xfrm>
+          <a:prstGeom prst="rect">
+            <a:avLst/>
+          </a:prstGeom>
+          <a:ln>
+            <a:noFill/>
+          </a:ln>
+        </p:spPr>
+      </p:pic>
+      <p:sp>
+        <p:nvSpPr>
+          <p:cNvPr id="98" name="CustomShape 2"/>
+          <p:cNvSpPr/>
+          <p:nvPr/>
+        </p:nvSpPr>
+        <p:spPr>
+          <a:xfrm>
+            <a:off x="93240" y="46800"/>
+            <a:ext cx="7256520" cy="830160"/>
+          </a:xfrm>
+          <a:prstGeom prst="rect">
+            <a:avLst/>
+          </a:prstGeom>
+          <a:noFill/>
+          <a:ln>
+            <a:noFill/>
+          </a:ln>
+        </p:spPr>
+        <p:style>
+          <a:lnRef idx="0"/>
+          <a:fillRef idx="0"/>
+          <a:effectRef idx="0"/>
+          <a:fontRef idx="minor"/>
+        </p:style>
+        <p:txBody>
+          <a:bodyPr lIns="90000" rIns="90000" tIns="45000" bIns="45000" anchor="b">
             <a:normAutofit/>
           </a:bodyPr>
           <a:p>
@@ -2779,6 +2455,7 @@
                   <a:srgbClr val="000000"/>
                 </a:solidFill>
                 <a:latin typeface="Arial"/>
+                <a:ea typeface="DejaVu Sans"/>
               </a:rPr>
               <a:t>Анализатор</a:t>
             </a:r>
@@ -2790,7 +2467,7 @@
       </p:sp>
       <p:sp>
         <p:nvSpPr>
-          <p:cNvPr id="102" name="Line 3"/>
+          <p:cNvPr id="99" name="Line 3"/>
           <p:cNvSpPr/>
           <p:nvPr/>
         </p:nvSpPr>
@@ -2823,7 +2500,7 @@
       </p:sp>
       <p:pic>
         <p:nvPicPr>
-          <p:cNvPr id="103" name="Рисунок 1" descr=""/>
+          <p:cNvPr id="100" name="" descr=""/>
           <p:cNvPicPr/>
           <p:nvPr/>
         </p:nvPicPr>
@@ -2833,8 +2510,8 @@
         </p:blipFill>
         <p:spPr>
           <a:xfrm>
-            <a:off x="267120" y="2383560"/>
-            <a:ext cx="11571480" cy="1968480"/>
+            <a:off x="126720" y="2285640"/>
+            <a:ext cx="11982240" cy="2304720"/>
           </a:xfrm>
           <a:prstGeom prst="rect">
             <a:avLst/>
@@ -2876,81 +2553,14 @@
       </p:grpSpPr>
       <p:sp>
         <p:nvSpPr>
-          <p:cNvPr id="104" name="TextShape 1"/>
-          <p:cNvSpPr txBox="1"/>
+          <p:cNvPr id="101" name="CustomShape 1"/>
+          <p:cNvSpPr/>
           <p:nvPr/>
         </p:nvSpPr>
         <p:spPr>
           <a:xfrm>
             <a:off x="11320920" y="106200"/>
-            <a:ext cx="700920" cy="364680"/>
-          </a:xfrm>
-          <a:prstGeom prst="rect">
-            <a:avLst/>
-          </a:prstGeom>
-          <a:noFill/>
-          <a:ln>
-            <a:noFill/>
-          </a:ln>
-        </p:spPr>
-        <p:txBody>
-          <a:bodyPr anchor="ctr">
-            <a:noAutofit/>
-          </a:bodyPr>
-          <a:p>
-            <a:pPr algn="r">
-              <a:lnSpc>
-                <a:spcPct val="100000"/>
-              </a:lnSpc>
-            </a:pPr>
-            <a:fld id="{D0F4C8C8-E1E8-4EE5-937F-B023183A96AC}" type="slidenum">
-              <a:rPr b="0" lang="en-US" sz="2000" spc="-1" strike="noStrike">
-                <a:solidFill>
-                  <a:srgbClr val="000000"/>
-                </a:solidFill>
-                <a:latin typeface="Calibri"/>
-              </a:rPr>
-              <a:t>&lt;number&gt;</a:t>
-            </a:fld>
-            <a:endParaRPr b="0" lang="en-US" sz="2000" spc="-1" strike="noStrike">
-              <a:latin typeface="Times New Roman"/>
-            </a:endParaRPr>
-          </a:p>
-        </p:txBody>
-      </p:sp>
-      <p:pic>
-        <p:nvPicPr>
-          <p:cNvPr id="105" name="Рисунок 7" descr=""/>
-          <p:cNvPicPr/>
-          <p:nvPr/>
-        </p:nvPicPr>
-        <p:blipFill>
-          <a:blip r:embed="rId1"/>
-          <a:stretch/>
-        </p:blipFill>
-        <p:spPr>
-          <a:xfrm>
-            <a:off x="10148400" y="5740920"/>
-            <a:ext cx="2043360" cy="1116720"/>
-          </a:xfrm>
-          <a:prstGeom prst="rect">
-            <a:avLst/>
-          </a:prstGeom>
-          <a:ln>
-            <a:noFill/>
-          </a:ln>
-        </p:spPr>
-      </p:pic>
-      <p:sp>
-        <p:nvSpPr>
-          <p:cNvPr id="106" name="CustomShape 2"/>
-          <p:cNvSpPr/>
-          <p:nvPr/>
-        </p:nvSpPr>
-        <p:spPr>
-          <a:xfrm>
-            <a:off x="93240" y="46800"/>
-            <a:ext cx="7256880" cy="830520"/>
+            <a:ext cx="700560" cy="364320"/>
           </a:xfrm>
           <a:prstGeom prst="rect">
             <a:avLst/>
@@ -2967,7 +2577,80 @@
           <a:fontRef idx="minor"/>
         </p:style>
         <p:txBody>
-          <a:bodyPr anchor="b">
+          <a:bodyPr lIns="90000" rIns="90000" tIns="45000" bIns="45000" anchor="ctr">
+            <a:noAutofit/>
+          </a:bodyPr>
+          <a:p>
+            <a:pPr algn="r">
+              <a:lnSpc>
+                <a:spcPct val="100000"/>
+              </a:lnSpc>
+            </a:pPr>
+            <a:fld id="{FF2E48E5-07EE-40B0-B851-23DC30959C0A}" type="slidenum">
+              <a:rPr b="0" lang="en-US" sz="2000" spc="-1" strike="noStrike">
+                <a:solidFill>
+                  <a:srgbClr val="000000"/>
+                </a:solidFill>
+                <a:latin typeface="Calibri"/>
+              </a:rPr>
+              <a:t>&lt;number&gt;</a:t>
+            </a:fld>
+            <a:endParaRPr b="0" lang="en-US" sz="2000" spc="-1" strike="noStrike">
+              <a:latin typeface="Arial"/>
+            </a:endParaRPr>
+          </a:p>
+        </p:txBody>
+      </p:sp>
+      <p:pic>
+        <p:nvPicPr>
+          <p:cNvPr id="102" name="Рисунок 7" descr=""/>
+          <p:cNvPicPr/>
+          <p:nvPr/>
+        </p:nvPicPr>
+        <p:blipFill>
+          <a:blip r:embed="rId1"/>
+          <a:stretch/>
+        </p:blipFill>
+        <p:spPr>
+          <a:xfrm>
+            <a:off x="10148400" y="5740920"/>
+            <a:ext cx="2043000" cy="1116360"/>
+          </a:xfrm>
+          <a:prstGeom prst="rect">
+            <a:avLst/>
+          </a:prstGeom>
+          <a:ln>
+            <a:noFill/>
+          </a:ln>
+        </p:spPr>
+      </p:pic>
+      <p:sp>
+        <p:nvSpPr>
+          <p:cNvPr id="103" name="CustomShape 2"/>
+          <p:cNvSpPr/>
+          <p:nvPr/>
+        </p:nvSpPr>
+        <p:spPr>
+          <a:xfrm>
+            <a:off x="93240" y="46800"/>
+            <a:ext cx="7256520" cy="830160"/>
+          </a:xfrm>
+          <a:prstGeom prst="rect">
+            <a:avLst/>
+          </a:prstGeom>
+          <a:noFill/>
+          <a:ln>
+            <a:noFill/>
+          </a:ln>
+        </p:spPr>
+        <p:style>
+          <a:lnRef idx="0"/>
+          <a:fillRef idx="0"/>
+          <a:effectRef idx="0"/>
+          <a:fontRef idx="minor"/>
+        </p:style>
+        <p:txBody>
+          <a:bodyPr lIns="90000" rIns="90000" tIns="45000" bIns="45000" anchor="b">
             <a:normAutofit/>
           </a:bodyPr>
           <a:p>
@@ -2982,6 +2665,7 @@
                   <a:srgbClr val="000000"/>
                 </a:solidFill>
                 <a:latin typeface="Arial"/>
+                <a:ea typeface="DejaVu Sans"/>
               </a:rPr>
               <a:t>Визуализация метрик</a:t>
             </a:r>
@@ -2993,7 +2677,7 @@
       </p:sp>
       <p:sp>
         <p:nvSpPr>
-          <p:cNvPr id="107" name="Line 3"/>
+          <p:cNvPr id="104" name="Line 3"/>
           <p:cNvSpPr/>
           <p:nvPr/>
         </p:nvSpPr>
@@ -3026,7 +2710,7 @@
       </p:sp>
       <p:pic>
         <p:nvPicPr>
-          <p:cNvPr id="108" name="Рисунок 2" descr=""/>
+          <p:cNvPr id="105" name="" descr=""/>
           <p:cNvPicPr/>
           <p:nvPr/>
         </p:nvPicPr>
@@ -3036,8 +2720,31 @@
         </p:blipFill>
         <p:spPr>
           <a:xfrm>
-            <a:off x="644400" y="1135440"/>
-            <a:ext cx="6008040" cy="5407200"/>
+            <a:off x="274320" y="1659600"/>
+            <a:ext cx="5526000" cy="3918240"/>
+          </a:xfrm>
+          <a:prstGeom prst="rect">
+            <a:avLst/>
+          </a:prstGeom>
+          <a:ln>
+            <a:noFill/>
+          </a:ln>
+        </p:spPr>
+      </p:pic>
+      <p:pic>
+        <p:nvPicPr>
+          <p:cNvPr id="106" name="" descr=""/>
+          <p:cNvPicPr/>
+          <p:nvPr/>
+        </p:nvPicPr>
+        <p:blipFill>
+          <a:blip r:embed="rId3"/>
+          <a:stretch/>
+        </p:blipFill>
+        <p:spPr>
+          <a:xfrm>
+            <a:off x="6126480" y="2560320"/>
+            <a:ext cx="5577840" cy="1842480"/>
           </a:xfrm>
           <a:prstGeom prst="rect">
             <a:avLst/>
@@ -3079,81 +2786,14 @@
       </p:grpSpPr>
       <p:sp>
         <p:nvSpPr>
-          <p:cNvPr id="109" name="TextShape 1"/>
-          <p:cNvSpPr txBox="1"/>
+          <p:cNvPr id="107" name="CustomShape 1"/>
+          <p:cNvSpPr/>
           <p:nvPr/>
         </p:nvSpPr>
         <p:spPr>
           <a:xfrm>
             <a:off x="11320920" y="106200"/>
-            <a:ext cx="700920" cy="364680"/>
-          </a:xfrm>
-          <a:prstGeom prst="rect">
-            <a:avLst/>
-          </a:prstGeom>
-          <a:noFill/>
-          <a:ln>
-            <a:noFill/>
-          </a:ln>
-        </p:spPr>
-        <p:txBody>
-          <a:bodyPr anchor="ctr">
-            <a:noAutofit/>
-          </a:bodyPr>
-          <a:p>
-            <a:pPr algn="r">
-              <a:lnSpc>
-                <a:spcPct val="100000"/>
-              </a:lnSpc>
-            </a:pPr>
-            <a:fld id="{17642037-A41E-4C53-B082-61529195D703}" type="slidenum">
-              <a:rPr b="0" lang="en-US" sz="2000" spc="-1" strike="noStrike">
-                <a:solidFill>
-                  <a:srgbClr val="000000"/>
-                </a:solidFill>
-                <a:latin typeface="Calibri"/>
-              </a:rPr>
-              <a:t>&lt;number&gt;</a:t>
-            </a:fld>
-            <a:endParaRPr b="0" lang="en-US" sz="2000" spc="-1" strike="noStrike">
-              <a:latin typeface="Times New Roman"/>
-            </a:endParaRPr>
-          </a:p>
-        </p:txBody>
-      </p:sp>
-      <p:pic>
-        <p:nvPicPr>
-          <p:cNvPr id="110" name="Рисунок 7" descr=""/>
-          <p:cNvPicPr/>
-          <p:nvPr/>
-        </p:nvPicPr>
-        <p:blipFill>
-          <a:blip r:embed="rId1"/>
-          <a:stretch/>
-        </p:blipFill>
-        <p:spPr>
-          <a:xfrm>
-            <a:off x="10148400" y="5740920"/>
-            <a:ext cx="2043360" cy="1116720"/>
-          </a:xfrm>
-          <a:prstGeom prst="rect">
-            <a:avLst/>
-          </a:prstGeom>
-          <a:ln>
-            <a:noFill/>
-          </a:ln>
-        </p:spPr>
-      </p:pic>
-      <p:sp>
-        <p:nvSpPr>
-          <p:cNvPr id="111" name="CustomShape 2"/>
-          <p:cNvSpPr/>
-          <p:nvPr/>
-        </p:nvSpPr>
-        <p:spPr>
-          <a:xfrm>
-            <a:off x="93240" y="46800"/>
-            <a:ext cx="7256880" cy="830520"/>
+            <a:ext cx="700560" cy="364320"/>
           </a:xfrm>
           <a:prstGeom prst="rect">
             <a:avLst/>
@@ -3170,40 +2810,63 @@
           <a:fontRef idx="minor"/>
         </p:style>
         <p:txBody>
-          <a:bodyPr anchor="b">
-            <a:normAutofit/>
-          </a:bodyPr>
-          <a:p>
-            <a:pPr>
-              <a:lnSpc>
-                <a:spcPct val="90000"/>
-              </a:lnSpc>
-            </a:pPr>
-            <a:r>
-              <a:rPr b="1" lang="en-US" sz="3200" spc="-1" strike="noStrike">
-                <a:solidFill>
-                  <a:srgbClr val="000000"/>
-                </a:solidFill>
-                <a:latin typeface="Arial"/>
-              </a:rPr>
-              <a:t>Использованные инструменты</a:t>
-            </a:r>
-            <a:endParaRPr b="0" lang="en-US" sz="3200" spc="-1" strike="noStrike">
-              <a:latin typeface="Arial"/>
-            </a:endParaRPr>
-          </a:p>
-        </p:txBody>
-      </p:sp>
-      <p:sp>
-        <p:nvSpPr>
-          <p:cNvPr id="112" name="CustomShape 3"/>
+          <a:bodyPr lIns="90000" rIns="90000" tIns="45000" bIns="45000" anchor="ctr">
+            <a:noAutofit/>
+          </a:bodyPr>
+          <a:p>
+            <a:pPr algn="r">
+              <a:lnSpc>
+                <a:spcPct val="100000"/>
+              </a:lnSpc>
+            </a:pPr>
+            <a:fld id="{6C52503E-6686-44A4-A23F-CDEBD2EF52AC}" type="slidenum">
+              <a:rPr b="0" lang="en-US" sz="2000" spc="-1" strike="noStrike">
+                <a:solidFill>
+                  <a:srgbClr val="000000"/>
+                </a:solidFill>
+                <a:latin typeface="Calibri"/>
+              </a:rPr>
+              <a:t>&lt;number&gt;</a:t>
+            </a:fld>
+            <a:endParaRPr b="0" lang="en-US" sz="2000" spc="-1" strike="noStrike">
+              <a:latin typeface="Arial"/>
+            </a:endParaRPr>
+          </a:p>
+        </p:txBody>
+      </p:sp>
+      <p:pic>
+        <p:nvPicPr>
+          <p:cNvPr id="108" name="Рисунок 7" descr=""/>
+          <p:cNvPicPr/>
+          <p:nvPr/>
+        </p:nvPicPr>
+        <p:blipFill>
+          <a:blip r:embed="rId1"/>
+          <a:stretch/>
+        </p:blipFill>
+        <p:spPr>
+          <a:xfrm>
+            <a:off x="10148400" y="5740920"/>
+            <a:ext cx="2043000" cy="1116360"/>
+          </a:xfrm>
+          <a:prstGeom prst="rect">
+            <a:avLst/>
+          </a:prstGeom>
+          <a:ln>
+            <a:noFill/>
+          </a:ln>
+        </p:spPr>
+      </p:pic>
+      <p:sp>
+        <p:nvSpPr>
+          <p:cNvPr id="109" name="CustomShape 2"/>
           <p:cNvSpPr/>
           <p:nvPr/>
         </p:nvSpPr>
         <p:spPr>
           <a:xfrm>
-            <a:off x="93240" y="1720440"/>
-            <a:ext cx="9410400" cy="3598200"/>
+            <a:off x="93240" y="46800"/>
+            <a:ext cx="7256520" cy="830160"/>
           </a:xfrm>
           <a:prstGeom prst="rect">
             <a:avLst/>
@@ -3220,11 +2883,62 @@
           <a:fontRef idx="minor"/>
         </p:style>
         <p:txBody>
-          <a:bodyPr>
+          <a:bodyPr lIns="90000" rIns="90000" tIns="45000" bIns="45000" anchor="b">
             <a:normAutofit/>
           </a:bodyPr>
           <a:p>
-            <a:pPr marL="457200" indent="-456840">
+            <a:pPr>
+              <a:lnSpc>
+                <a:spcPct val="90000"/>
+              </a:lnSpc>
+            </a:pPr>
+            <a:r>
+              <a:rPr b="1" lang="en-US" sz="3200" spc="-1" strike="noStrike">
+                <a:solidFill>
+                  <a:srgbClr val="000000"/>
+                </a:solidFill>
+                <a:latin typeface="Arial"/>
+                <a:ea typeface="DejaVu Sans"/>
+              </a:rPr>
+              <a:t>Использованные инструменты</a:t>
+            </a:r>
+            <a:endParaRPr b="0" lang="en-US" sz="3200" spc="-1" strike="noStrike">
+              <a:latin typeface="Arial"/>
+            </a:endParaRPr>
+          </a:p>
+        </p:txBody>
+      </p:sp>
+      <p:sp>
+        <p:nvSpPr>
+          <p:cNvPr id="110" name="CustomShape 3"/>
+          <p:cNvSpPr/>
+          <p:nvPr/>
+        </p:nvSpPr>
+        <p:spPr>
+          <a:xfrm>
+            <a:off x="93240" y="1720440"/>
+            <a:ext cx="9410040" cy="3597840"/>
+          </a:xfrm>
+          <a:prstGeom prst="rect">
+            <a:avLst/>
+          </a:prstGeom>
+          <a:noFill/>
+          <a:ln>
+            <a:noFill/>
+          </a:ln>
+        </p:spPr>
+        <p:style>
+          <a:lnRef idx="0"/>
+          <a:fillRef idx="0"/>
+          <a:effectRef idx="0"/>
+          <a:fontRef idx="minor"/>
+        </p:style>
+        <p:txBody>
+          <a:bodyPr lIns="90000" rIns="90000" tIns="45000" bIns="45000">
+            <a:normAutofit/>
+          </a:bodyPr>
+          <a:p>
+            <a:pPr marL="457200" indent="-456480">
               <a:lnSpc>
                 <a:spcPct val="90000"/>
               </a:lnSpc>
@@ -3243,6 +2957,7 @@
                   <a:srgbClr val="000000"/>
                 </a:solidFill>
                 <a:latin typeface="Calibri"/>
+                <a:ea typeface="DejaVu Sans"/>
               </a:rPr>
               <a:t>Golang 1.14 </a:t>
             </a:r>
@@ -3251,7 +2966,7 @@
             </a:endParaRPr>
           </a:p>
           <a:p>
-            <a:pPr marL="457200" indent="-456840">
+            <a:pPr marL="457200" indent="-456480">
               <a:lnSpc>
                 <a:spcPct val="90000"/>
               </a:lnSpc>
@@ -3270,6 +2985,7 @@
                   <a:srgbClr val="000000"/>
                 </a:solidFill>
                 <a:latin typeface="Calibri"/>
+                <a:ea typeface="DejaVu Sans"/>
               </a:rPr>
               <a:t>Kubernetes 1.17</a:t>
             </a:r>
@@ -3278,7 +2994,7 @@
             </a:endParaRPr>
           </a:p>
           <a:p>
-            <a:pPr marL="457200" indent="-456840">
+            <a:pPr marL="457200" indent="-456480">
               <a:lnSpc>
                 <a:spcPct val="90000"/>
               </a:lnSpc>
@@ -3297,6 +3013,7 @@
                   <a:srgbClr val="000000"/>
                 </a:solidFill>
                 <a:latin typeface="Calibri"/>
+                <a:ea typeface="DejaVu Sans"/>
               </a:rPr>
               <a:t>OperatorSDK</a:t>
             </a:r>
@@ -3305,7 +3022,7 @@
             </a:endParaRPr>
           </a:p>
           <a:p>
-            <a:pPr marL="457200" indent="-456840">
+            <a:pPr marL="457200" indent="-456480">
               <a:lnSpc>
                 <a:spcPct val="90000"/>
               </a:lnSpc>
@@ -3324,6 +3041,7 @@
                   <a:srgbClr val="000000"/>
                 </a:solidFill>
                 <a:latin typeface="Calibri"/>
+                <a:ea typeface="DejaVu Sans"/>
               </a:rPr>
               <a:t>Prometheus</a:t>
             </a:r>
@@ -3332,7 +3050,7 @@
             </a:endParaRPr>
           </a:p>
           <a:p>
-            <a:pPr marL="457200" indent="-456840">
+            <a:pPr marL="457200" indent="-456480">
               <a:lnSpc>
                 <a:spcPct val="90000"/>
               </a:lnSpc>
@@ -3351,6 +3069,7 @@
                   <a:srgbClr val="000000"/>
                 </a:solidFill>
                 <a:latin typeface="Calibri"/>
+                <a:ea typeface="DejaVu Sans"/>
               </a:rPr>
               <a:t>Grafana</a:t>
             </a:r>
@@ -3362,7 +3081,7 @@
       </p:sp>
       <p:sp>
         <p:nvSpPr>
-          <p:cNvPr id="113" name="Line 4"/>
+          <p:cNvPr id="111" name="Line 4"/>
           <p:cNvSpPr/>
           <p:nvPr/>
         </p:nvSpPr>
@@ -3425,81 +3144,14 @@
       </p:grpSpPr>
       <p:sp>
         <p:nvSpPr>
-          <p:cNvPr id="114" name="TextShape 1"/>
-          <p:cNvSpPr txBox="1"/>
+          <p:cNvPr id="112" name="CustomShape 1"/>
+          <p:cNvSpPr/>
           <p:nvPr/>
         </p:nvSpPr>
         <p:spPr>
           <a:xfrm>
             <a:off x="11320920" y="106200"/>
-            <a:ext cx="700920" cy="364680"/>
-          </a:xfrm>
-          <a:prstGeom prst="rect">
-            <a:avLst/>
-          </a:prstGeom>
-          <a:noFill/>
-          <a:ln>
-            <a:noFill/>
-          </a:ln>
-        </p:spPr>
-        <p:txBody>
-          <a:bodyPr anchor="ctr">
-            <a:noAutofit/>
-          </a:bodyPr>
-          <a:p>
-            <a:pPr algn="r">
-              <a:lnSpc>
-                <a:spcPct val="100000"/>
-              </a:lnSpc>
-            </a:pPr>
-            <a:fld id="{172253A0-8162-45CF-A879-06DE31138DF8}" type="slidenum">
-              <a:rPr b="0" lang="en-US" sz="2000" spc="-1" strike="noStrike">
-                <a:solidFill>
-                  <a:srgbClr val="000000"/>
-                </a:solidFill>
-                <a:latin typeface="Calibri"/>
-              </a:rPr>
-              <a:t>&lt;number&gt;</a:t>
-            </a:fld>
-            <a:endParaRPr b="0" lang="en-US" sz="2000" spc="-1" strike="noStrike">
-              <a:latin typeface="Times New Roman"/>
-            </a:endParaRPr>
-          </a:p>
-        </p:txBody>
-      </p:sp>
-      <p:pic>
-        <p:nvPicPr>
-          <p:cNvPr id="115" name="Рисунок 7" descr=""/>
-          <p:cNvPicPr/>
-          <p:nvPr/>
-        </p:nvPicPr>
-        <p:blipFill>
-          <a:blip r:embed="rId1"/>
-          <a:stretch/>
-        </p:blipFill>
-        <p:spPr>
-          <a:xfrm>
-            <a:off x="10148400" y="5740920"/>
-            <a:ext cx="2043360" cy="1116720"/>
-          </a:xfrm>
-          <a:prstGeom prst="rect">
-            <a:avLst/>
-          </a:prstGeom>
-          <a:ln>
-            <a:noFill/>
-          </a:ln>
-        </p:spPr>
-      </p:pic>
-      <p:sp>
-        <p:nvSpPr>
-          <p:cNvPr id="116" name="CustomShape 2"/>
-          <p:cNvSpPr/>
-          <p:nvPr/>
-        </p:nvSpPr>
-        <p:spPr>
-          <a:xfrm>
-            <a:off x="93240" y="46800"/>
-            <a:ext cx="7256880" cy="830520"/>
+            <a:ext cx="700560" cy="364320"/>
           </a:xfrm>
           <a:prstGeom prst="rect">
             <a:avLst/>
@@ -3516,40 +3168,63 @@
           <a:fontRef idx="minor"/>
         </p:style>
         <p:txBody>
-          <a:bodyPr anchor="b">
-            <a:normAutofit/>
-          </a:bodyPr>
-          <a:p>
-            <a:pPr>
-              <a:lnSpc>
-                <a:spcPct val="90000"/>
-              </a:lnSpc>
-            </a:pPr>
-            <a:r>
-              <a:rPr b="1" lang="en-US" sz="3200" spc="-1" strike="noStrike">
-                <a:solidFill>
-                  <a:srgbClr val="000000"/>
-                </a:solidFill>
-                <a:latin typeface="Arial"/>
-              </a:rPr>
-              <a:t>Выводы</a:t>
-            </a:r>
-            <a:endParaRPr b="0" lang="en-US" sz="3200" spc="-1" strike="noStrike">
-              <a:latin typeface="Arial"/>
-            </a:endParaRPr>
-          </a:p>
-        </p:txBody>
-      </p:sp>
-      <p:sp>
-        <p:nvSpPr>
-          <p:cNvPr id="117" name="CustomShape 3"/>
+          <a:bodyPr lIns="90000" rIns="90000" tIns="45000" bIns="45000" anchor="ctr">
+            <a:noAutofit/>
+          </a:bodyPr>
+          <a:p>
+            <a:pPr algn="r">
+              <a:lnSpc>
+                <a:spcPct val="100000"/>
+              </a:lnSpc>
+            </a:pPr>
+            <a:fld id="{53ED740C-7CA0-482E-A8FF-2EB4005BD63A}" type="slidenum">
+              <a:rPr b="0" lang="en-US" sz="2000" spc="-1" strike="noStrike">
+                <a:solidFill>
+                  <a:srgbClr val="000000"/>
+                </a:solidFill>
+                <a:latin typeface="Calibri"/>
+              </a:rPr>
+              <a:t>&lt;number&gt;</a:t>
+            </a:fld>
+            <a:endParaRPr b="0" lang="en-US" sz="2000" spc="-1" strike="noStrike">
+              <a:latin typeface="Arial"/>
+            </a:endParaRPr>
+          </a:p>
+        </p:txBody>
+      </p:sp>
+      <p:pic>
+        <p:nvPicPr>
+          <p:cNvPr id="113" name="Рисунок 7" descr=""/>
+          <p:cNvPicPr/>
+          <p:nvPr/>
+        </p:nvPicPr>
+        <p:blipFill>
+          <a:blip r:embed="rId1"/>
+          <a:stretch/>
+        </p:blipFill>
+        <p:spPr>
+          <a:xfrm>
+            <a:off x="10148400" y="5740920"/>
+            <a:ext cx="2043000" cy="1116360"/>
+          </a:xfrm>
+          <a:prstGeom prst="rect">
+            <a:avLst/>
+          </a:prstGeom>
+          <a:ln>
+            <a:noFill/>
+          </a:ln>
+        </p:spPr>
+      </p:pic>
+      <p:sp>
+        <p:nvSpPr>
+          <p:cNvPr id="114" name="CustomShape 2"/>
           <p:cNvSpPr/>
           <p:nvPr/>
         </p:nvSpPr>
         <p:spPr>
           <a:xfrm>
-            <a:off x="541440" y="1316880"/>
-            <a:ext cx="9410400" cy="5166000"/>
+            <a:off x="93240" y="46800"/>
+            <a:ext cx="7256520" cy="830160"/>
           </a:xfrm>
           <a:prstGeom prst="rect">
             <a:avLst/>
@@ -3566,11 +3241,62 @@
           <a:fontRef idx="minor"/>
         </p:style>
         <p:txBody>
-          <a:bodyPr>
+          <a:bodyPr lIns="90000" rIns="90000" tIns="45000" bIns="45000" anchor="b">
             <a:normAutofit/>
           </a:bodyPr>
           <a:p>
-            <a:pPr marL="457200" indent="-456840">
+            <a:pPr>
+              <a:lnSpc>
+                <a:spcPct val="90000"/>
+              </a:lnSpc>
+            </a:pPr>
+            <a:r>
+              <a:rPr b="1" lang="en-US" sz="3200" spc="-1" strike="noStrike">
+                <a:solidFill>
+                  <a:srgbClr val="000000"/>
+                </a:solidFill>
+                <a:latin typeface="Arial"/>
+                <a:ea typeface="DejaVu Sans"/>
+              </a:rPr>
+              <a:t>Выводы</a:t>
+            </a:r>
+            <a:endParaRPr b="0" lang="en-US" sz="3200" spc="-1" strike="noStrike">
+              <a:latin typeface="Arial"/>
+            </a:endParaRPr>
+          </a:p>
+        </p:txBody>
+      </p:sp>
+      <p:sp>
+        <p:nvSpPr>
+          <p:cNvPr id="115" name="CustomShape 3"/>
+          <p:cNvSpPr/>
+          <p:nvPr/>
+        </p:nvSpPr>
+        <p:spPr>
+          <a:xfrm>
+            <a:off x="541440" y="1316880"/>
+            <a:ext cx="9410040" cy="5165640"/>
+          </a:xfrm>
+          <a:prstGeom prst="rect">
+            <a:avLst/>
+          </a:prstGeom>
+          <a:noFill/>
+          <a:ln>
+            <a:noFill/>
+          </a:ln>
+        </p:spPr>
+        <p:style>
+          <a:lnRef idx="0"/>
+          <a:fillRef idx="0"/>
+          <a:effectRef idx="0"/>
+          <a:fontRef idx="minor"/>
+        </p:style>
+        <p:txBody>
+          <a:bodyPr lIns="90000" rIns="90000" tIns="45000" bIns="45000">
+            <a:normAutofit/>
+          </a:bodyPr>
+          <a:p>
+            <a:pPr marL="457200" indent="-456480">
               <a:lnSpc>
                 <a:spcPct val="90000"/>
               </a:lnSpc>
@@ -3589,6 +3315,7 @@
                   <a:srgbClr val="000000"/>
                 </a:solidFill>
                 <a:latin typeface="Arial"/>
+                <a:ea typeface="DejaVu Sans"/>
               </a:rPr>
               <a:t>В ходе работы над проектом был реализован рабочий прототип системы, осуществляющий все основные функции</a:t>
             </a:r>
@@ -3610,7 +3337,7 @@
             </a:endParaRPr>
           </a:p>
           <a:p>
-            <a:pPr marL="457200" indent="-456840">
+            <a:pPr marL="457200" indent="-456480">
               <a:lnSpc>
                 <a:spcPct val="90000"/>
               </a:lnSpc>
@@ -3629,6 +3356,7 @@
                   <a:srgbClr val="000000"/>
                 </a:solidFill>
                 <a:latin typeface="Arial"/>
+                <a:ea typeface="DejaVu Sans"/>
               </a:rPr>
               <a:t>Выбранное решение показало свою актуальность для поставленной проблемы и целесообразность дальнейшего развития данного проекта</a:t>
             </a:r>
@@ -3653,7 +3381,7 @@
       </p:sp>
       <p:sp>
         <p:nvSpPr>
-          <p:cNvPr id="118" name="Line 4"/>
+          <p:cNvPr id="116" name="Line 4"/>
           <p:cNvSpPr/>
           <p:nvPr/>
         </p:nvSpPr>
@@ -3716,81 +3444,14 @@
       </p:grpSpPr>
       <p:sp>
         <p:nvSpPr>
-          <p:cNvPr id="119" name="TextShape 1"/>
-          <p:cNvSpPr txBox="1"/>
+          <p:cNvPr id="117" name="CustomShape 1"/>
+          <p:cNvSpPr/>
           <p:nvPr/>
         </p:nvSpPr>
         <p:spPr>
           <a:xfrm>
             <a:off x="11320920" y="106200"/>
-            <a:ext cx="700920" cy="364680"/>
-          </a:xfrm>
-          <a:prstGeom prst="rect">
-            <a:avLst/>
-          </a:prstGeom>
-          <a:noFill/>
-          <a:ln>
-            <a:noFill/>
-          </a:ln>
-        </p:spPr>
-        <p:txBody>
-          <a:bodyPr anchor="ctr">
-            <a:noAutofit/>
-          </a:bodyPr>
-          <a:p>
-            <a:pPr algn="r">
-              <a:lnSpc>
-                <a:spcPct val="100000"/>
-              </a:lnSpc>
-            </a:pPr>
-            <a:fld id="{2105CB3A-10A2-48AF-AAF6-33EF057AA33B}" type="slidenum">
-              <a:rPr b="0" lang="en-US" sz="2000" spc="-1" strike="noStrike">
-                <a:solidFill>
-                  <a:srgbClr val="000000"/>
-                </a:solidFill>
-                <a:latin typeface="Calibri"/>
-              </a:rPr>
-              <a:t>&lt;number&gt;</a:t>
-            </a:fld>
-            <a:endParaRPr b="0" lang="en-US" sz="2000" spc="-1" strike="noStrike">
-              <a:latin typeface="Times New Roman"/>
-            </a:endParaRPr>
-          </a:p>
-        </p:txBody>
-      </p:sp>
-      <p:pic>
-        <p:nvPicPr>
-          <p:cNvPr id="120" name="Рисунок 7" descr=""/>
-          <p:cNvPicPr/>
-          <p:nvPr/>
-        </p:nvPicPr>
-        <p:blipFill>
-          <a:blip r:embed="rId1"/>
-          <a:stretch/>
-        </p:blipFill>
-        <p:spPr>
-          <a:xfrm>
-            <a:off x="10148400" y="5740920"/>
-            <a:ext cx="2043360" cy="1116720"/>
-          </a:xfrm>
-          <a:prstGeom prst="rect">
-            <a:avLst/>
-          </a:prstGeom>
-          <a:ln>
-            <a:noFill/>
-          </a:ln>
-        </p:spPr>
-      </p:pic>
-      <p:sp>
-        <p:nvSpPr>
-          <p:cNvPr id="121" name="CustomShape 2"/>
-          <p:cNvSpPr/>
-          <p:nvPr/>
-        </p:nvSpPr>
-        <p:spPr>
-          <a:xfrm>
-            <a:off x="93240" y="46800"/>
-            <a:ext cx="7256880" cy="830520"/>
+            <a:ext cx="700560" cy="364320"/>
           </a:xfrm>
           <a:prstGeom prst="rect">
             <a:avLst/>
@@ -3807,40 +3468,63 @@
           <a:fontRef idx="minor"/>
         </p:style>
         <p:txBody>
-          <a:bodyPr anchor="b">
-            <a:normAutofit/>
-          </a:bodyPr>
-          <a:p>
-            <a:pPr>
-              <a:lnSpc>
-                <a:spcPct val="90000"/>
-              </a:lnSpc>
-            </a:pPr>
-            <a:r>
-              <a:rPr b="1" lang="en-US" sz="3200" spc="-1" strike="noStrike">
-                <a:solidFill>
-                  <a:srgbClr val="000000"/>
-                </a:solidFill>
-                <a:latin typeface="Arial"/>
-              </a:rPr>
-              <a:t>Дальнейшие перспективы</a:t>
-            </a:r>
-            <a:endParaRPr b="0" lang="en-US" sz="3200" spc="-1" strike="noStrike">
-              <a:latin typeface="Arial"/>
-            </a:endParaRPr>
-          </a:p>
-        </p:txBody>
-      </p:sp>
-      <p:sp>
-        <p:nvSpPr>
-          <p:cNvPr id="122" name="CustomShape 3"/>
+          <a:bodyPr lIns="90000" rIns="90000" tIns="45000" bIns="45000" anchor="ctr">
+            <a:noAutofit/>
+          </a:bodyPr>
+          <a:p>
+            <a:pPr algn="r">
+              <a:lnSpc>
+                <a:spcPct val="100000"/>
+              </a:lnSpc>
+            </a:pPr>
+            <a:fld id="{F5C24E3E-6F7A-4474-B3CF-AC93D5D96CA4}" type="slidenum">
+              <a:rPr b="0" lang="en-US" sz="2000" spc="-1" strike="noStrike">
+                <a:solidFill>
+                  <a:srgbClr val="000000"/>
+                </a:solidFill>
+                <a:latin typeface="Calibri"/>
+              </a:rPr>
+              <a:t>&lt;number&gt;</a:t>
+            </a:fld>
+            <a:endParaRPr b="0" lang="en-US" sz="2000" spc="-1" strike="noStrike">
+              <a:latin typeface="Arial"/>
+            </a:endParaRPr>
+          </a:p>
+        </p:txBody>
+      </p:sp>
+      <p:pic>
+        <p:nvPicPr>
+          <p:cNvPr id="118" name="Рисунок 7" descr=""/>
+          <p:cNvPicPr/>
+          <p:nvPr/>
+        </p:nvPicPr>
+        <p:blipFill>
+          <a:blip r:embed="rId1"/>
+          <a:stretch/>
+        </p:blipFill>
+        <p:spPr>
+          <a:xfrm>
+            <a:off x="10148400" y="5740920"/>
+            <a:ext cx="2043000" cy="1116360"/>
+          </a:xfrm>
+          <a:prstGeom prst="rect">
+            <a:avLst/>
+          </a:prstGeom>
+          <a:ln>
+            <a:noFill/>
+          </a:ln>
+        </p:spPr>
+      </p:pic>
+      <p:sp>
+        <p:nvSpPr>
+          <p:cNvPr id="119" name="CustomShape 2"/>
           <p:cNvSpPr/>
           <p:nvPr/>
         </p:nvSpPr>
         <p:spPr>
           <a:xfrm>
-            <a:off x="93240" y="1720440"/>
-            <a:ext cx="9663120" cy="3555360"/>
+            <a:off x="93240" y="46800"/>
+            <a:ext cx="7256520" cy="830160"/>
           </a:xfrm>
           <a:prstGeom prst="rect">
             <a:avLst/>
@@ -3857,11 +3541,62 @@
           <a:fontRef idx="minor"/>
         </p:style>
         <p:txBody>
-          <a:bodyPr>
+          <a:bodyPr lIns="90000" rIns="90000" tIns="45000" bIns="45000" anchor="b">
             <a:normAutofit/>
           </a:bodyPr>
           <a:p>
-            <a:pPr marL="457200" indent="-456840">
+            <a:pPr>
+              <a:lnSpc>
+                <a:spcPct val="90000"/>
+              </a:lnSpc>
+            </a:pPr>
+            <a:r>
+              <a:rPr b="1" lang="en-US" sz="3200" spc="-1" strike="noStrike">
+                <a:solidFill>
+                  <a:srgbClr val="000000"/>
+                </a:solidFill>
+                <a:latin typeface="Arial"/>
+                <a:ea typeface="DejaVu Sans"/>
+              </a:rPr>
+              <a:t>Дальнейшие перспективы</a:t>
+            </a:r>
+            <a:endParaRPr b="0" lang="en-US" sz="3200" spc="-1" strike="noStrike">
+              <a:latin typeface="Arial"/>
+            </a:endParaRPr>
+          </a:p>
+        </p:txBody>
+      </p:sp>
+      <p:sp>
+        <p:nvSpPr>
+          <p:cNvPr id="120" name="CustomShape 3"/>
+          <p:cNvSpPr/>
+          <p:nvPr/>
+        </p:nvSpPr>
+        <p:spPr>
+          <a:xfrm>
+            <a:off x="93240" y="1720440"/>
+            <a:ext cx="9662760" cy="3555000"/>
+          </a:xfrm>
+          <a:prstGeom prst="rect">
+            <a:avLst/>
+          </a:prstGeom>
+          <a:noFill/>
+          <a:ln>
+            <a:noFill/>
+          </a:ln>
+        </p:spPr>
+        <p:style>
+          <a:lnRef idx="0"/>
+          <a:fillRef idx="0"/>
+          <a:effectRef idx="0"/>
+          <a:fontRef idx="minor"/>
+        </p:style>
+        <p:txBody>
+          <a:bodyPr lIns="90000" rIns="90000" tIns="45000" bIns="45000">
+            <a:normAutofit/>
+          </a:bodyPr>
+          <a:p>
+            <a:pPr marL="457200" indent="-456480">
               <a:lnSpc>
                 <a:spcPct val="90000"/>
               </a:lnSpc>
@@ -3880,6 +3615,7 @@
                   <a:srgbClr val="000000"/>
                 </a:solidFill>
                 <a:latin typeface="Arial"/>
+                <a:ea typeface="DejaVu Sans"/>
               </a:rPr>
               <a:t>Реализовать получение новых версий из публичных registry и Git</a:t>
             </a:r>
@@ -3888,7 +3624,7 @@
             </a:endParaRPr>
           </a:p>
           <a:p>
-            <a:pPr marL="457200" indent="-456840">
+            <a:pPr marL="457200" indent="-456480">
               <a:lnSpc>
                 <a:spcPct val="90000"/>
               </a:lnSpc>
@@ -3907,6 +3643,7 @@
                   <a:srgbClr val="000000"/>
                 </a:solidFill>
                 <a:latin typeface="Arial"/>
+                <a:ea typeface="DejaVu Sans"/>
               </a:rPr>
               <a:t>Добавить возможность работы с более сложными приложениями</a:t>
             </a:r>
@@ -3915,7 +3652,7 @@
             </a:endParaRPr>
           </a:p>
           <a:p>
-            <a:pPr marL="457200" indent="-456840">
+            <a:pPr marL="457200" indent="-456480">
               <a:lnSpc>
                 <a:spcPct val="90000"/>
               </a:lnSpc>
@@ -3934,6 +3671,7 @@
                   <a:srgbClr val="000000"/>
                 </a:solidFill>
                 <a:latin typeface="Arial"/>
+                <a:ea typeface="DejaVu Sans"/>
               </a:rPr>
               <a:t>Реализовать отправку уведомлений</a:t>
             </a:r>
@@ -3942,7 +3680,7 @@
             </a:endParaRPr>
           </a:p>
           <a:p>
-            <a:pPr marL="457200" indent="-456840">
+            <a:pPr marL="457200" indent="-456480">
               <a:lnSpc>
                 <a:spcPct val="90000"/>
               </a:lnSpc>
@@ -3961,6 +3699,7 @@
                   <a:srgbClr val="000000"/>
                 </a:solidFill>
                 <a:latin typeface="Arial"/>
+                <a:ea typeface="DejaVu Sans"/>
               </a:rPr>
               <a:t>Развивать механизм обнаружения аномалий</a:t>
             </a:r>
@@ -4024,7 +3763,7 @@
       </p:sp>
       <p:sp>
         <p:nvSpPr>
-          <p:cNvPr id="123" name="Line 4"/>
+          <p:cNvPr id="121" name="Line 4"/>
           <p:cNvSpPr/>
           <p:nvPr/>
         </p:nvSpPr>
@@ -4087,81 +3826,14 @@
       </p:grpSpPr>
       <p:sp>
         <p:nvSpPr>
-          <p:cNvPr id="124" name="TextShape 1"/>
-          <p:cNvSpPr txBox="1"/>
+          <p:cNvPr id="122" name="CustomShape 1"/>
+          <p:cNvSpPr/>
           <p:nvPr/>
         </p:nvSpPr>
         <p:spPr>
           <a:xfrm>
             <a:off x="11320920" y="106200"/>
-            <a:ext cx="700920" cy="364680"/>
-          </a:xfrm>
-          <a:prstGeom prst="rect">
-            <a:avLst/>
-          </a:prstGeom>
-          <a:noFill/>
-          <a:ln>
-            <a:noFill/>
-          </a:ln>
-        </p:spPr>
-        <p:txBody>
-          <a:bodyPr anchor="ctr">
-            <a:noAutofit/>
-          </a:bodyPr>
-          <a:p>
-            <a:pPr algn="r">
-              <a:lnSpc>
-                <a:spcPct val="100000"/>
-              </a:lnSpc>
-            </a:pPr>
-            <a:fld id="{4302AAFF-F478-4B57-B6AA-3A974D1C2492}" type="slidenum">
-              <a:rPr b="0" lang="en-US" sz="2000" spc="-1" strike="noStrike">
-                <a:solidFill>
-                  <a:srgbClr val="000000"/>
-                </a:solidFill>
-                <a:latin typeface="Calibri"/>
-              </a:rPr>
-              <a:t>&lt;number&gt;</a:t>
-            </a:fld>
-            <a:endParaRPr b="0" lang="en-US" sz="2000" spc="-1" strike="noStrike">
-              <a:latin typeface="Times New Roman"/>
-            </a:endParaRPr>
-          </a:p>
-        </p:txBody>
-      </p:sp>
-      <p:pic>
-        <p:nvPicPr>
-          <p:cNvPr id="125" name="Рисунок 7" descr=""/>
-          <p:cNvPicPr/>
-          <p:nvPr/>
-        </p:nvPicPr>
-        <p:blipFill>
-          <a:blip r:embed="rId1"/>
-          <a:stretch/>
-        </p:blipFill>
-        <p:spPr>
-          <a:xfrm>
-            <a:off x="10148400" y="5740920"/>
-            <a:ext cx="2043360" cy="1116720"/>
-          </a:xfrm>
-          <a:prstGeom prst="rect">
-            <a:avLst/>
-          </a:prstGeom>
-          <a:ln>
-            <a:noFill/>
-          </a:ln>
-        </p:spPr>
-      </p:pic>
-      <p:sp>
-        <p:nvSpPr>
-          <p:cNvPr id="126" name="CustomShape 2"/>
-          <p:cNvSpPr/>
-          <p:nvPr/>
-        </p:nvSpPr>
-        <p:spPr>
-          <a:xfrm>
-            <a:off x="2452320" y="2079000"/>
-            <a:ext cx="7256880" cy="830520"/>
+            <a:ext cx="700560" cy="364320"/>
           </a:xfrm>
           <a:prstGeom prst="rect">
             <a:avLst/>
@@ -4178,40 +3850,63 @@
           <a:fontRef idx="minor"/>
         </p:style>
         <p:txBody>
-          <a:bodyPr anchor="b">
-            <a:normAutofit/>
-          </a:bodyPr>
-          <a:p>
-            <a:pPr algn="ctr">
-              <a:lnSpc>
-                <a:spcPct val="90000"/>
-              </a:lnSpc>
-            </a:pPr>
-            <a:r>
-              <a:rPr b="1" lang="en-US" sz="3200" spc="-1" strike="noStrike">
-                <a:solidFill>
-                  <a:srgbClr val="000000"/>
-                </a:solidFill>
-                <a:latin typeface="Arial"/>
-              </a:rPr>
-              <a:t>Спасибо за внимание!</a:t>
-            </a:r>
-            <a:endParaRPr b="0" lang="en-US" sz="3200" spc="-1" strike="noStrike">
-              <a:latin typeface="Arial"/>
-            </a:endParaRPr>
-          </a:p>
-        </p:txBody>
-      </p:sp>
-      <p:sp>
-        <p:nvSpPr>
-          <p:cNvPr id="127" name="CustomShape 3"/>
+          <a:bodyPr lIns="90000" rIns="90000" tIns="45000" bIns="45000" anchor="ctr">
+            <a:noAutofit/>
+          </a:bodyPr>
+          <a:p>
+            <a:pPr algn="r">
+              <a:lnSpc>
+                <a:spcPct val="100000"/>
+              </a:lnSpc>
+            </a:pPr>
+            <a:fld id="{C7778D8E-868A-44E3-8880-E7770770F001}" type="slidenum">
+              <a:rPr b="0" lang="en-US" sz="2000" spc="-1" strike="noStrike">
+                <a:solidFill>
+                  <a:srgbClr val="000000"/>
+                </a:solidFill>
+                <a:latin typeface="Calibri"/>
+              </a:rPr>
+              <a:t>&lt;number&gt;</a:t>
+            </a:fld>
+            <a:endParaRPr b="0" lang="en-US" sz="2000" spc="-1" strike="noStrike">
+              <a:latin typeface="Arial"/>
+            </a:endParaRPr>
+          </a:p>
+        </p:txBody>
+      </p:sp>
+      <p:pic>
+        <p:nvPicPr>
+          <p:cNvPr id="123" name="Рисунок 7" descr=""/>
+          <p:cNvPicPr/>
+          <p:nvPr/>
+        </p:nvPicPr>
+        <p:blipFill>
+          <a:blip r:embed="rId1"/>
+          <a:stretch/>
+        </p:blipFill>
+        <p:spPr>
+          <a:xfrm>
+            <a:off x="10148400" y="5740920"/>
+            <a:ext cx="2043000" cy="1116360"/>
+          </a:xfrm>
+          <a:prstGeom prst="rect">
+            <a:avLst/>
+          </a:prstGeom>
+          <a:ln>
+            <a:noFill/>
+          </a:ln>
+        </p:spPr>
+      </p:pic>
+      <p:sp>
+        <p:nvSpPr>
+          <p:cNvPr id="124" name="CustomShape 2"/>
           <p:cNvSpPr/>
           <p:nvPr/>
         </p:nvSpPr>
         <p:spPr>
           <a:xfrm>
-            <a:off x="93240" y="1720440"/>
-            <a:ext cx="9410400" cy="5097960"/>
+            <a:off x="2452320" y="2079000"/>
+            <a:ext cx="7256520" cy="830160"/>
           </a:xfrm>
           <a:prstGeom prst="rect">
             <a:avLst/>
@@ -4228,7 +3923,58 @@
           <a:fontRef idx="minor"/>
         </p:style>
         <p:txBody>
-          <a:bodyPr>
+          <a:bodyPr lIns="90000" rIns="90000" tIns="45000" bIns="45000" anchor="b">
+            <a:normAutofit/>
+          </a:bodyPr>
+          <a:p>
+            <a:pPr algn="ctr">
+              <a:lnSpc>
+                <a:spcPct val="90000"/>
+              </a:lnSpc>
+            </a:pPr>
+            <a:r>
+              <a:rPr b="1" lang="en-US" sz="3200" spc="-1" strike="noStrike">
+                <a:solidFill>
+                  <a:srgbClr val="000000"/>
+                </a:solidFill>
+                <a:latin typeface="Arial"/>
+                <a:ea typeface="DejaVu Sans"/>
+              </a:rPr>
+              <a:t>Спасибо за внимание!</a:t>
+            </a:r>
+            <a:endParaRPr b="0" lang="en-US" sz="3200" spc="-1" strike="noStrike">
+              <a:latin typeface="Arial"/>
+            </a:endParaRPr>
+          </a:p>
+        </p:txBody>
+      </p:sp>
+      <p:sp>
+        <p:nvSpPr>
+          <p:cNvPr id="125" name="CustomShape 3"/>
+          <p:cNvSpPr/>
+          <p:nvPr/>
+        </p:nvSpPr>
+        <p:spPr>
+          <a:xfrm>
+            <a:off x="93240" y="1720440"/>
+            <a:ext cx="9410040" cy="5097600"/>
+          </a:xfrm>
+          <a:prstGeom prst="rect">
+            <a:avLst/>
+          </a:prstGeom>
+          <a:noFill/>
+          <a:ln>
+            <a:noFill/>
+          </a:ln>
+        </p:spPr>
+        <p:style>
+          <a:lnRef idx="0"/>
+          <a:fillRef idx="0"/>
+          <a:effectRef idx="0"/>
+          <a:fontRef idx="minor"/>
+        </p:style>
+        <p:txBody>
+          <a:bodyPr lIns="90000" rIns="90000" tIns="45000" bIns="45000">
             <a:normAutofit/>
           </a:bodyPr>
           <a:p>
@@ -4240,7 +3986,7 @@
                 <a:spcPts val="1001"/>
               </a:spcBef>
             </a:pPr>
-            <a:endParaRPr b="0" lang="en-US" sz="2400" spc="-1" strike="noStrike">
+            <a:endParaRPr b="0" lang="en-US" sz="1800" spc="-1" strike="noStrike">
               <a:latin typeface="Arial"/>
             </a:endParaRPr>
           </a:p>
@@ -4253,7 +3999,7 @@
                 <a:spcPts val="1001"/>
               </a:spcBef>
             </a:pPr>
-            <a:endParaRPr b="0" lang="en-US" sz="2400" spc="-1" strike="noStrike">
+            <a:endParaRPr b="0" lang="en-US" sz="1800" spc="-1" strike="noStrike">
               <a:latin typeface="Arial"/>
             </a:endParaRPr>
           </a:p>
@@ -4266,7 +4012,7 @@
                 <a:spcPts val="1001"/>
               </a:spcBef>
             </a:pPr>
-            <a:endParaRPr b="0" lang="en-US" sz="2400" spc="-1" strike="noStrike">
+            <a:endParaRPr b="0" lang="en-US" sz="1800" spc="-1" strike="noStrike">
               <a:latin typeface="Arial"/>
             </a:endParaRPr>
           </a:p>
@@ -4279,15 +4025,15 @@
                 <a:spcPts val="1001"/>
               </a:spcBef>
             </a:pPr>
-            <a:endParaRPr b="0" lang="en-US" sz="2400" spc="-1" strike="noStrike">
-              <a:latin typeface="Arial"/>
-            </a:endParaRPr>
-          </a:p>
-        </p:txBody>
-      </p:sp>
-      <p:sp>
-        <p:nvSpPr>
-          <p:cNvPr id="128" name="Line 4"/>
+            <a:endParaRPr b="0" lang="en-US" sz="1800" spc="-1" strike="noStrike">
+              <a:latin typeface="Arial"/>
+            </a:endParaRPr>
+          </a:p>
+        </p:txBody>
+      </p:sp>
+      <p:sp>
+        <p:nvSpPr>
+          <p:cNvPr id="126" name="Line 4"/>
           <p:cNvSpPr/>
           <p:nvPr/>
         </p:nvSpPr>
@@ -4320,14 +4066,14 @@
       </p:sp>
       <p:sp>
         <p:nvSpPr>
-          <p:cNvPr id="129" name="CustomShape 5"/>
+          <p:cNvPr id="127" name="CustomShape 5"/>
           <p:cNvSpPr/>
           <p:nvPr/>
         </p:nvSpPr>
         <p:spPr>
           <a:xfrm>
             <a:off x="2459880" y="3278880"/>
-            <a:ext cx="7241760" cy="364680"/>
+            <a:ext cx="7241400" cy="364320"/>
           </a:xfrm>
           <a:prstGeom prst="rect">
             <a:avLst/>
@@ -4360,6 +4106,7 @@
                 </a:solidFill>
                 <a:uFillTx/>
                 <a:latin typeface="Calibri"/>
+                <a:ea typeface="DejaVu Sans"/>
                 <a:hlinkClick r:id="rId2"/>
               </a:rPr>
               <a:t>https</a:t>
@@ -4371,6 +4118,7 @@
                 </a:solidFill>
                 <a:uFillTx/>
                 <a:latin typeface="Calibri"/>
+                <a:ea typeface="DejaVu Sans"/>
                 <a:hlinkClick r:id="rId3"/>
               </a:rPr>
               <a:t>://github.com/f0m41h4u7/Charon</a:t>
@@ -4413,81 +4161,14 @@
       </p:grpSpPr>
       <p:sp>
         <p:nvSpPr>
-          <p:cNvPr id="45" name="TextShape 1"/>
-          <p:cNvSpPr txBox="1"/>
+          <p:cNvPr id="42" name="CustomShape 1"/>
+          <p:cNvSpPr/>
           <p:nvPr/>
         </p:nvSpPr>
         <p:spPr>
           <a:xfrm>
             <a:off x="11320920" y="106200"/>
-            <a:ext cx="700920" cy="364680"/>
-          </a:xfrm>
-          <a:prstGeom prst="rect">
-            <a:avLst/>
-          </a:prstGeom>
-          <a:noFill/>
-          <a:ln>
-            <a:noFill/>
-          </a:ln>
-        </p:spPr>
-        <p:txBody>
-          <a:bodyPr anchor="ctr">
-            <a:noAutofit/>
-          </a:bodyPr>
-          <a:p>
-            <a:pPr algn="r">
-              <a:lnSpc>
-                <a:spcPct val="100000"/>
-              </a:lnSpc>
-            </a:pPr>
-            <a:fld id="{49BBAEA7-BE7E-44A5-9BE5-0839A5918E99}" type="slidenum">
-              <a:rPr b="0" lang="en-US" sz="2000" spc="-1" strike="noStrike">
-                <a:solidFill>
-                  <a:srgbClr val="000000"/>
-                </a:solidFill>
-                <a:latin typeface="Calibri"/>
-              </a:rPr>
-              <a:t>1</a:t>
-            </a:fld>
-            <a:endParaRPr b="0" lang="en-US" sz="2000" spc="-1" strike="noStrike">
-              <a:latin typeface="Times New Roman"/>
-            </a:endParaRPr>
-          </a:p>
-        </p:txBody>
-      </p:sp>
-      <p:pic>
-        <p:nvPicPr>
-          <p:cNvPr id="46" name="Рисунок 7" descr=""/>
-          <p:cNvPicPr/>
-          <p:nvPr/>
-        </p:nvPicPr>
-        <p:blipFill>
-          <a:blip r:embed="rId1"/>
-          <a:stretch/>
-        </p:blipFill>
-        <p:spPr>
-          <a:xfrm>
-            <a:off x="10148400" y="5740920"/>
-            <a:ext cx="2043360" cy="1116720"/>
-          </a:xfrm>
-          <a:prstGeom prst="rect">
-            <a:avLst/>
-          </a:prstGeom>
-          <a:ln>
-            <a:noFill/>
-          </a:ln>
-        </p:spPr>
-      </p:pic>
-      <p:sp>
-        <p:nvSpPr>
-          <p:cNvPr id="47" name="CustomShape 2"/>
-          <p:cNvSpPr/>
-          <p:nvPr/>
-        </p:nvSpPr>
-        <p:spPr>
-          <a:xfrm>
-            <a:off x="93240" y="46800"/>
-            <a:ext cx="7256880" cy="830520"/>
+            <a:ext cx="700560" cy="364320"/>
           </a:xfrm>
           <a:prstGeom prst="rect">
             <a:avLst/>
@@ -4504,40 +4185,63 @@
           <a:fontRef idx="minor"/>
         </p:style>
         <p:txBody>
-          <a:bodyPr anchor="b">
-            <a:normAutofit/>
-          </a:bodyPr>
-          <a:p>
-            <a:pPr>
-              <a:lnSpc>
-                <a:spcPct val="90000"/>
-              </a:lnSpc>
-            </a:pPr>
-            <a:r>
-              <a:rPr b="1" lang="en-US" sz="3200" spc="-1" strike="noStrike">
-                <a:solidFill>
-                  <a:srgbClr val="000000"/>
-                </a:solidFill>
-                <a:latin typeface="Arial"/>
-              </a:rPr>
-              <a:t>Проблема</a:t>
-            </a:r>
-            <a:endParaRPr b="0" lang="en-US" sz="3200" spc="-1" strike="noStrike">
-              <a:latin typeface="Arial"/>
-            </a:endParaRPr>
-          </a:p>
-        </p:txBody>
-      </p:sp>
-      <p:sp>
-        <p:nvSpPr>
-          <p:cNvPr id="48" name="CustomShape 3"/>
+          <a:bodyPr lIns="90000" rIns="90000" tIns="45000" bIns="45000" anchor="ctr">
+            <a:noAutofit/>
+          </a:bodyPr>
+          <a:p>
+            <a:pPr algn="r">
+              <a:lnSpc>
+                <a:spcPct val="100000"/>
+              </a:lnSpc>
+            </a:pPr>
+            <a:fld id="{10BC0F1A-E6AE-4F71-A520-63C66953F765}" type="slidenum">
+              <a:rPr b="0" lang="en-US" sz="2000" spc="-1" strike="noStrike">
+                <a:solidFill>
+                  <a:srgbClr val="000000"/>
+                </a:solidFill>
+                <a:latin typeface="Calibri"/>
+              </a:rPr>
+              <a:t>1</a:t>
+            </a:fld>
+            <a:endParaRPr b="0" lang="en-US" sz="2000" spc="-1" strike="noStrike">
+              <a:latin typeface="Arial"/>
+            </a:endParaRPr>
+          </a:p>
+        </p:txBody>
+      </p:sp>
+      <p:pic>
+        <p:nvPicPr>
+          <p:cNvPr id="43" name="Рисунок 7" descr=""/>
+          <p:cNvPicPr/>
+          <p:nvPr/>
+        </p:nvPicPr>
+        <p:blipFill>
+          <a:blip r:embed="rId1"/>
+          <a:stretch/>
+        </p:blipFill>
+        <p:spPr>
+          <a:xfrm>
+            <a:off x="10148400" y="5740920"/>
+            <a:ext cx="2043000" cy="1116360"/>
+          </a:xfrm>
+          <a:prstGeom prst="rect">
+            <a:avLst/>
+          </a:prstGeom>
+          <a:ln>
+            <a:noFill/>
+          </a:ln>
+        </p:spPr>
+      </p:pic>
+      <p:sp>
+        <p:nvSpPr>
+          <p:cNvPr id="44" name="CustomShape 2"/>
           <p:cNvSpPr/>
           <p:nvPr/>
         </p:nvSpPr>
         <p:spPr>
           <a:xfrm>
-            <a:off x="93240" y="1720440"/>
-            <a:ext cx="9398520" cy="4835520"/>
+            <a:off x="93240" y="46800"/>
+            <a:ext cx="7256520" cy="830160"/>
           </a:xfrm>
           <a:prstGeom prst="rect">
             <a:avLst/>
@@ -4554,11 +4258,62 @@
           <a:fontRef idx="minor"/>
         </p:style>
         <p:txBody>
-          <a:bodyPr>
+          <a:bodyPr lIns="90000" rIns="90000" tIns="45000" bIns="45000" anchor="b">
             <a:normAutofit/>
           </a:bodyPr>
           <a:p>
-            <a:pPr marL="343080" indent="-342720">
+            <a:pPr>
+              <a:lnSpc>
+                <a:spcPct val="90000"/>
+              </a:lnSpc>
+            </a:pPr>
+            <a:r>
+              <a:rPr b="1" lang="en-US" sz="3200" spc="-1" strike="noStrike">
+                <a:solidFill>
+                  <a:srgbClr val="000000"/>
+                </a:solidFill>
+                <a:latin typeface="Arial"/>
+                <a:ea typeface="DejaVu Sans"/>
+              </a:rPr>
+              <a:t>Проблема</a:t>
+            </a:r>
+            <a:endParaRPr b="0" lang="en-US" sz="3200" spc="-1" strike="noStrike">
+              <a:latin typeface="Arial"/>
+            </a:endParaRPr>
+          </a:p>
+        </p:txBody>
+      </p:sp>
+      <p:sp>
+        <p:nvSpPr>
+          <p:cNvPr id="45" name="CustomShape 3"/>
+          <p:cNvSpPr/>
+          <p:nvPr/>
+        </p:nvSpPr>
+        <p:spPr>
+          <a:xfrm>
+            <a:off x="93240" y="1720440"/>
+            <a:ext cx="9398160" cy="4835160"/>
+          </a:xfrm>
+          <a:prstGeom prst="rect">
+            <a:avLst/>
+          </a:prstGeom>
+          <a:noFill/>
+          <a:ln>
+            <a:noFill/>
+          </a:ln>
+        </p:spPr>
+        <p:style>
+          <a:lnRef idx="0"/>
+          <a:fillRef idx="0"/>
+          <a:effectRef idx="0"/>
+          <a:fontRef idx="minor"/>
+        </p:style>
+        <p:txBody>
+          <a:bodyPr lIns="90000" rIns="90000" tIns="45000" bIns="45000">
+            <a:normAutofit/>
+          </a:bodyPr>
+          <a:p>
+            <a:pPr marL="343080" indent="-342360">
               <a:lnSpc>
                 <a:spcPct val="90000"/>
               </a:lnSpc>
@@ -4577,6 +4332,7 @@
                   <a:srgbClr val="000000"/>
                 </a:solidFill>
                 <a:latin typeface="Arial"/>
+                <a:ea typeface="DejaVu Sans"/>
               </a:rPr>
               <a:t>При выпуске новой версии иногда возникает ухудшение качества работы на каком-либо устройстве </a:t>
             </a:r>
@@ -4585,7 +4341,7 @@
             </a:endParaRPr>
           </a:p>
           <a:p>
-            <a:pPr marL="343080" indent="-342720">
+            <a:pPr marL="343080" indent="-342360">
               <a:lnSpc>
                 <a:spcPct val="90000"/>
               </a:lnSpc>
@@ -4604,6 +4360,7 @@
                   <a:srgbClr val="000000"/>
                 </a:solidFill>
                 <a:latin typeface="Arial"/>
+                <a:ea typeface="DejaVu Sans"/>
               </a:rPr>
               <a:t>Причинами могут быть:</a:t>
             </a:r>
@@ -4612,7 +4369,7 @@
             </a:endParaRPr>
           </a:p>
           <a:p>
-            <a:pPr lvl="1" marL="800280" indent="-342720">
+            <a:pPr lvl="1" marL="800280" indent="-342360">
               <a:lnSpc>
                 <a:spcPct val="90000"/>
               </a:lnSpc>
@@ -4631,6 +4388,7 @@
                   <a:srgbClr val="000000"/>
                 </a:solidFill>
                 <a:latin typeface="Arial"/>
+                <a:ea typeface="DejaVu Sans"/>
               </a:rPr>
               <a:t>недостаток памяти </a:t>
             </a:r>
@@ -4639,7 +4397,7 @@
             </a:endParaRPr>
           </a:p>
           <a:p>
-            <a:pPr lvl="1" marL="800280" indent="-342720">
+            <a:pPr lvl="1" marL="800280" indent="-342360">
               <a:lnSpc>
                 <a:spcPct val="90000"/>
               </a:lnSpc>
@@ -4658,6 +4416,7 @@
                   <a:srgbClr val="000000"/>
                 </a:solidFill>
                 <a:latin typeface="Arial"/>
+                <a:ea typeface="DejaVu Sans"/>
               </a:rPr>
               <a:t>особые условия использования </a:t>
             </a:r>
@@ -4666,7 +4425,7 @@
             </a:endParaRPr>
           </a:p>
           <a:p>
-            <a:pPr lvl="1" marL="800280" indent="-342720">
+            <a:pPr lvl="1" marL="800280" indent="-342360">
               <a:lnSpc>
                 <a:spcPct val="90000"/>
               </a:lnSpc>
@@ -4685,6 +4444,7 @@
                   <a:srgbClr val="000000"/>
                 </a:solidFill>
                 <a:latin typeface="Arial"/>
+                <a:ea typeface="DejaVu Sans"/>
               </a:rPr>
               <a:t>несовместимость каких-либо компонентов и т.д. </a:t>
             </a:r>
@@ -4732,7 +4492,7 @@
             </a:endParaRPr>
           </a:p>
           <a:p>
-            <a:pPr marL="457200" indent="-456840">
+            <a:pPr marL="457200" indent="-456480">
               <a:lnSpc>
                 <a:spcPct val="90000"/>
               </a:lnSpc>
@@ -4751,6 +4511,7 @@
                   <a:srgbClr val="000000"/>
                 </a:solidFill>
                 <a:latin typeface="Arial"/>
+                <a:ea typeface="DejaVu Sans"/>
               </a:rPr>
               <a:t>Возрастает количество ошибок</a:t>
             </a:r>
@@ -4759,7 +4520,7 @@
             </a:endParaRPr>
           </a:p>
           <a:p>
-            <a:pPr marL="457200" indent="-456840">
+            <a:pPr marL="457200" indent="-456480">
               <a:lnSpc>
                 <a:spcPct val="90000"/>
               </a:lnSpc>
@@ -4778,6 +4539,7 @@
                   <a:srgbClr val="000000"/>
                 </a:solidFill>
                 <a:latin typeface="Arial"/>
+                <a:ea typeface="DejaVu Sans"/>
               </a:rPr>
               <a:t>Возможна потеря пользовательских данных</a:t>
             </a:r>
@@ -4812,7 +4574,7 @@
             </a:endParaRPr>
           </a:p>
           <a:p>
-            <a:pPr>
+            <a:pPr marL="457200">
               <a:lnSpc>
                 <a:spcPct val="90000"/>
               </a:lnSpc>
@@ -4828,7 +4590,7 @@
       </p:sp>
       <p:sp>
         <p:nvSpPr>
-          <p:cNvPr id="49" name="Line 4"/>
+          <p:cNvPr id="46" name="Line 4"/>
           <p:cNvSpPr/>
           <p:nvPr/>
         </p:nvSpPr>
@@ -4861,14 +4623,14 @@
       </p:sp>
       <p:sp>
         <p:nvSpPr>
-          <p:cNvPr id="50" name="CustomShape 5"/>
+          <p:cNvPr id="47" name="CustomShape 5"/>
           <p:cNvSpPr/>
           <p:nvPr/>
         </p:nvSpPr>
         <p:spPr>
           <a:xfrm>
             <a:off x="3868200" y="4142880"/>
-            <a:ext cx="8640" cy="1032120"/>
+            <a:ext cx="8280" cy="1031760"/>
           </a:xfrm>
           <a:custGeom>
             <a:avLst/>
@@ -4909,14 +4671,14 @@
       </p:sp>
       <p:sp>
         <p:nvSpPr>
-          <p:cNvPr id="51" name="CustomShape 6"/>
+          <p:cNvPr id="48" name="CustomShape 6"/>
           <p:cNvSpPr/>
           <p:nvPr/>
         </p:nvSpPr>
         <p:spPr>
           <a:xfrm>
             <a:off x="4313160" y="4138200"/>
-            <a:ext cx="360" cy="1036800"/>
+            <a:ext cx="360" cy="1036440"/>
           </a:xfrm>
           <a:custGeom>
             <a:avLst/>
@@ -4957,14 +4719,14 @@
       </p:sp>
       <p:sp>
         <p:nvSpPr>
-          <p:cNvPr id="52" name="CustomShape 7"/>
+          <p:cNvPr id="49" name="CustomShape 7"/>
           <p:cNvSpPr/>
           <p:nvPr/>
         </p:nvSpPr>
         <p:spPr>
           <a:xfrm>
             <a:off x="3404880" y="4138200"/>
-            <a:ext cx="18000" cy="1036800"/>
+            <a:ext cx="17640" cy="1036440"/>
           </a:xfrm>
           <a:custGeom>
             <a:avLst/>
@@ -5035,81 +4797,14 @@
       </p:grpSpPr>
       <p:sp>
         <p:nvSpPr>
-          <p:cNvPr id="53" name="TextShape 1"/>
-          <p:cNvSpPr txBox="1"/>
+          <p:cNvPr id="50" name="CustomShape 1"/>
+          <p:cNvSpPr/>
           <p:nvPr/>
         </p:nvSpPr>
         <p:spPr>
           <a:xfrm>
             <a:off x="11320920" y="106200"/>
-            <a:ext cx="700920" cy="364680"/>
-          </a:xfrm>
-          <a:prstGeom prst="rect">
-            <a:avLst/>
-          </a:prstGeom>
-          <a:noFill/>
-          <a:ln>
-            <a:noFill/>
-          </a:ln>
-        </p:spPr>
-        <p:txBody>
-          <a:bodyPr anchor="ctr">
-            <a:noAutofit/>
-          </a:bodyPr>
-          <a:p>
-            <a:pPr algn="r">
-              <a:lnSpc>
-                <a:spcPct val="100000"/>
-              </a:lnSpc>
-            </a:pPr>
-            <a:fld id="{8F50B7F0-06F6-465C-AC65-C8DC824B1969}" type="slidenum">
-              <a:rPr b="0" lang="en-US" sz="2000" spc="-1" strike="noStrike">
-                <a:solidFill>
-                  <a:srgbClr val="000000"/>
-                </a:solidFill>
-                <a:latin typeface="Calibri"/>
-              </a:rPr>
-              <a:t>2</a:t>
-            </a:fld>
-            <a:endParaRPr b="0" lang="en-US" sz="2000" spc="-1" strike="noStrike">
-              <a:latin typeface="Times New Roman"/>
-            </a:endParaRPr>
-          </a:p>
-        </p:txBody>
-      </p:sp>
-      <p:pic>
-        <p:nvPicPr>
-          <p:cNvPr id="54" name="Рисунок 7" descr=""/>
-          <p:cNvPicPr/>
-          <p:nvPr/>
-        </p:nvPicPr>
-        <p:blipFill>
-          <a:blip r:embed="rId1"/>
-          <a:stretch/>
-        </p:blipFill>
-        <p:spPr>
-          <a:xfrm>
-            <a:off x="10148400" y="5740920"/>
-            <a:ext cx="2043360" cy="1116720"/>
-          </a:xfrm>
-          <a:prstGeom prst="rect">
-            <a:avLst/>
-          </a:prstGeom>
-          <a:ln>
-            <a:noFill/>
-          </a:ln>
-        </p:spPr>
-      </p:pic>
-      <p:sp>
-        <p:nvSpPr>
-          <p:cNvPr id="55" name="CustomShape 2"/>
-          <p:cNvSpPr/>
-          <p:nvPr/>
-        </p:nvSpPr>
-        <p:spPr>
-          <a:xfrm>
-            <a:off x="93240" y="46800"/>
-            <a:ext cx="7256880" cy="830520"/>
+            <a:ext cx="700560" cy="364320"/>
           </a:xfrm>
           <a:prstGeom prst="rect">
             <a:avLst/>
@@ -5126,40 +4821,63 @@
           <a:fontRef idx="minor"/>
         </p:style>
         <p:txBody>
-          <a:bodyPr anchor="b">
-            <a:normAutofit/>
-          </a:bodyPr>
-          <a:p>
-            <a:pPr>
-              <a:lnSpc>
-                <a:spcPct val="90000"/>
-              </a:lnSpc>
-            </a:pPr>
-            <a:r>
-              <a:rPr b="1" lang="en-US" sz="3200" spc="-1" strike="noStrike">
-                <a:solidFill>
-                  <a:srgbClr val="000000"/>
-                </a:solidFill>
-                <a:latin typeface="Arial"/>
-              </a:rPr>
-              <a:t>Цель проекта</a:t>
-            </a:r>
-            <a:endParaRPr b="0" lang="en-US" sz="3200" spc="-1" strike="noStrike">
-              <a:latin typeface="Arial"/>
-            </a:endParaRPr>
-          </a:p>
-        </p:txBody>
-      </p:sp>
-      <p:sp>
-        <p:nvSpPr>
-          <p:cNvPr id="56" name="CustomShape 3"/>
+          <a:bodyPr lIns="90000" rIns="90000" tIns="45000" bIns="45000" anchor="ctr">
+            <a:noAutofit/>
+          </a:bodyPr>
+          <a:p>
+            <a:pPr algn="r">
+              <a:lnSpc>
+                <a:spcPct val="100000"/>
+              </a:lnSpc>
+            </a:pPr>
+            <a:fld id="{3B1F28F5-D94F-4B02-92FF-7F1447D9043F}" type="slidenum">
+              <a:rPr b="0" lang="en-US" sz="2000" spc="-1" strike="noStrike">
+                <a:solidFill>
+                  <a:srgbClr val="000000"/>
+                </a:solidFill>
+                <a:latin typeface="Calibri"/>
+              </a:rPr>
+              <a:t>&lt;number&gt;</a:t>
+            </a:fld>
+            <a:endParaRPr b="0" lang="en-US" sz="2000" spc="-1" strike="noStrike">
+              <a:latin typeface="Arial"/>
+            </a:endParaRPr>
+          </a:p>
+        </p:txBody>
+      </p:sp>
+      <p:pic>
+        <p:nvPicPr>
+          <p:cNvPr id="51" name="Рисунок 7" descr=""/>
+          <p:cNvPicPr/>
+          <p:nvPr/>
+        </p:nvPicPr>
+        <p:blipFill>
+          <a:blip r:embed="rId1"/>
+          <a:stretch/>
+        </p:blipFill>
+        <p:spPr>
+          <a:xfrm>
+            <a:off x="10148400" y="5740920"/>
+            <a:ext cx="2043000" cy="1116360"/>
+          </a:xfrm>
+          <a:prstGeom prst="rect">
+            <a:avLst/>
+          </a:prstGeom>
+          <a:ln>
+            <a:noFill/>
+          </a:ln>
+        </p:spPr>
+      </p:pic>
+      <p:sp>
+        <p:nvSpPr>
+          <p:cNvPr id="52" name="CustomShape 2"/>
           <p:cNvSpPr/>
           <p:nvPr/>
         </p:nvSpPr>
         <p:spPr>
           <a:xfrm>
-            <a:off x="93240" y="1720440"/>
-            <a:ext cx="9410400" cy="3598200"/>
+            <a:off x="93240" y="46800"/>
+            <a:ext cx="7256520" cy="830160"/>
           </a:xfrm>
           <a:prstGeom prst="rect">
             <a:avLst/>
@@ -5176,7 +4894,58 @@
           <a:fontRef idx="minor"/>
         </p:style>
         <p:txBody>
-          <a:bodyPr>
+          <a:bodyPr lIns="90000" rIns="90000" tIns="45000" bIns="45000" anchor="b">
+            <a:normAutofit/>
+          </a:bodyPr>
+          <a:p>
+            <a:pPr>
+              <a:lnSpc>
+                <a:spcPct val="90000"/>
+              </a:lnSpc>
+            </a:pPr>
+            <a:r>
+              <a:rPr b="1" lang="en-US" sz="3200" spc="-1" strike="noStrike">
+                <a:solidFill>
+                  <a:srgbClr val="000000"/>
+                </a:solidFill>
+                <a:latin typeface="Arial"/>
+                <a:ea typeface="DejaVu Sans"/>
+              </a:rPr>
+              <a:t>Цель проекта</a:t>
+            </a:r>
+            <a:endParaRPr b="0" lang="en-US" sz="3200" spc="-1" strike="noStrike">
+              <a:latin typeface="Arial"/>
+            </a:endParaRPr>
+          </a:p>
+        </p:txBody>
+      </p:sp>
+      <p:sp>
+        <p:nvSpPr>
+          <p:cNvPr id="53" name="CustomShape 3"/>
+          <p:cNvSpPr/>
+          <p:nvPr/>
+        </p:nvSpPr>
+        <p:spPr>
+          <a:xfrm>
+            <a:off x="93240" y="1720440"/>
+            <a:ext cx="9410040" cy="3597840"/>
+          </a:xfrm>
+          <a:prstGeom prst="rect">
+            <a:avLst/>
+          </a:prstGeom>
+          <a:noFill/>
+          <a:ln>
+            <a:noFill/>
+          </a:ln>
+        </p:spPr>
+        <p:style>
+          <a:lnRef idx="0"/>
+          <a:fillRef idx="0"/>
+          <a:effectRef idx="0"/>
+          <a:fontRef idx="minor"/>
+        </p:style>
+        <p:txBody>
+          <a:bodyPr lIns="90000" rIns="90000" tIns="45000" bIns="45000">
             <a:normAutofit/>
           </a:bodyPr>
           <a:p>
@@ -5194,6 +4963,7 @@
                   <a:srgbClr val="000000"/>
                 </a:solidFill>
                 <a:latin typeface="Calibri"/>
+                <a:ea typeface="DejaVu Sans"/>
               </a:rPr>
               <a:t>Создать умную систему контроля качества сервиса, реализующую автоматический возврат к стабильной версии в случае ухудшения качества работы на конкретном устройстве</a:t>
             </a:r>
@@ -5205,7 +4975,7 @@
       </p:sp>
       <p:sp>
         <p:nvSpPr>
-          <p:cNvPr id="57" name="Line 4"/>
+          <p:cNvPr id="54" name="Line 4"/>
           <p:cNvSpPr/>
           <p:nvPr/>
         </p:nvSpPr>
@@ -5268,81 +5038,14 @@
       </p:grpSpPr>
       <p:sp>
         <p:nvSpPr>
-          <p:cNvPr id="58" name="TextShape 1"/>
-          <p:cNvSpPr txBox="1"/>
+          <p:cNvPr id="55" name="CustomShape 1"/>
+          <p:cNvSpPr/>
           <p:nvPr/>
         </p:nvSpPr>
         <p:spPr>
           <a:xfrm>
             <a:off x="11320920" y="106200"/>
-            <a:ext cx="700920" cy="364680"/>
-          </a:xfrm>
-          <a:prstGeom prst="rect">
-            <a:avLst/>
-          </a:prstGeom>
-          <a:noFill/>
-          <a:ln>
-            <a:noFill/>
-          </a:ln>
-        </p:spPr>
-        <p:txBody>
-          <a:bodyPr anchor="ctr">
-            <a:noAutofit/>
-          </a:bodyPr>
-          <a:p>
-            <a:pPr algn="r">
-              <a:lnSpc>
-                <a:spcPct val="100000"/>
-              </a:lnSpc>
-            </a:pPr>
-            <a:fld id="{354A0437-6793-45EC-976C-1C4B01AB7620}" type="slidenum">
-              <a:rPr b="0" lang="en-US" sz="2000" spc="-1" strike="noStrike">
-                <a:solidFill>
-                  <a:srgbClr val="000000"/>
-                </a:solidFill>
-                <a:latin typeface="Calibri"/>
-              </a:rPr>
-              <a:t>3</a:t>
-            </a:fld>
-            <a:endParaRPr b="0" lang="en-US" sz="2000" spc="-1" strike="noStrike">
-              <a:latin typeface="Times New Roman"/>
-            </a:endParaRPr>
-          </a:p>
-        </p:txBody>
-      </p:sp>
-      <p:pic>
-        <p:nvPicPr>
-          <p:cNvPr id="59" name="Рисунок 7" descr=""/>
-          <p:cNvPicPr/>
-          <p:nvPr/>
-        </p:nvPicPr>
-        <p:blipFill>
-          <a:blip r:embed="rId1"/>
-          <a:stretch/>
-        </p:blipFill>
-        <p:spPr>
-          <a:xfrm>
-            <a:off x="10148400" y="5740920"/>
-            <a:ext cx="2043360" cy="1116720"/>
-          </a:xfrm>
-          <a:prstGeom prst="rect">
-            <a:avLst/>
-          </a:prstGeom>
-          <a:ln>
-            <a:noFill/>
-          </a:ln>
-        </p:spPr>
-      </p:pic>
-      <p:sp>
-        <p:nvSpPr>
-          <p:cNvPr id="60" name="CustomShape 2"/>
-          <p:cNvSpPr/>
-          <p:nvPr/>
-        </p:nvSpPr>
-        <p:spPr>
-          <a:xfrm>
-            <a:off x="93240" y="46800"/>
-            <a:ext cx="7256880" cy="830520"/>
+            <a:ext cx="700560" cy="364320"/>
           </a:xfrm>
           <a:prstGeom prst="rect">
             <a:avLst/>
@@ -5359,40 +5062,63 @@
           <a:fontRef idx="minor"/>
         </p:style>
         <p:txBody>
-          <a:bodyPr anchor="b">
-            <a:normAutofit/>
-          </a:bodyPr>
-          <a:p>
-            <a:pPr>
-              <a:lnSpc>
-                <a:spcPct val="90000"/>
-              </a:lnSpc>
-            </a:pPr>
-            <a:r>
-              <a:rPr b="1" lang="en-US" sz="3200" spc="-1" strike="noStrike">
-                <a:solidFill>
-                  <a:srgbClr val="000000"/>
-                </a:solidFill>
-                <a:latin typeface="Arial"/>
-              </a:rPr>
-              <a:t>Задачи</a:t>
-            </a:r>
-            <a:endParaRPr b="0" lang="en-US" sz="3200" spc="-1" strike="noStrike">
-              <a:latin typeface="Arial"/>
-            </a:endParaRPr>
-          </a:p>
-        </p:txBody>
-      </p:sp>
-      <p:sp>
-        <p:nvSpPr>
-          <p:cNvPr id="61" name="CustomShape 3"/>
+          <a:bodyPr lIns="90000" rIns="90000" tIns="45000" bIns="45000" anchor="ctr">
+            <a:noAutofit/>
+          </a:bodyPr>
+          <a:p>
+            <a:pPr algn="r">
+              <a:lnSpc>
+                <a:spcPct val="100000"/>
+              </a:lnSpc>
+            </a:pPr>
+            <a:fld id="{73202E89-D0B9-4F57-A958-701C001EA214}" type="slidenum">
+              <a:rPr b="0" lang="en-US" sz="2000" spc="-1" strike="noStrike">
+                <a:solidFill>
+                  <a:srgbClr val="000000"/>
+                </a:solidFill>
+                <a:latin typeface="Calibri"/>
+              </a:rPr>
+              <a:t>&lt;number&gt;</a:t>
+            </a:fld>
+            <a:endParaRPr b="0" lang="en-US" sz="2000" spc="-1" strike="noStrike">
+              <a:latin typeface="Arial"/>
+            </a:endParaRPr>
+          </a:p>
+        </p:txBody>
+      </p:sp>
+      <p:pic>
+        <p:nvPicPr>
+          <p:cNvPr id="56" name="Рисунок 7" descr=""/>
+          <p:cNvPicPr/>
+          <p:nvPr/>
+        </p:nvPicPr>
+        <p:blipFill>
+          <a:blip r:embed="rId1"/>
+          <a:stretch/>
+        </p:blipFill>
+        <p:spPr>
+          <a:xfrm>
+            <a:off x="10148400" y="5740920"/>
+            <a:ext cx="2043000" cy="1116360"/>
+          </a:xfrm>
+          <a:prstGeom prst="rect">
+            <a:avLst/>
+          </a:prstGeom>
+          <a:ln>
+            <a:noFill/>
+          </a:ln>
+        </p:spPr>
+      </p:pic>
+      <p:sp>
+        <p:nvSpPr>
+          <p:cNvPr id="57" name="CustomShape 2"/>
           <p:cNvSpPr/>
           <p:nvPr/>
         </p:nvSpPr>
         <p:spPr>
           <a:xfrm>
-            <a:off x="93240" y="1720440"/>
-            <a:ext cx="9398520" cy="3363480"/>
+            <a:off x="93240" y="46800"/>
+            <a:ext cx="7256520" cy="830160"/>
           </a:xfrm>
           <a:prstGeom prst="rect">
             <a:avLst/>
@@ -5409,11 +5135,62 @@
           <a:fontRef idx="minor"/>
         </p:style>
         <p:txBody>
-          <a:bodyPr>
+          <a:bodyPr lIns="90000" rIns="90000" tIns="45000" bIns="45000" anchor="b">
             <a:normAutofit/>
           </a:bodyPr>
           <a:p>
-            <a:pPr marL="343080" indent="-342720">
+            <a:pPr>
+              <a:lnSpc>
+                <a:spcPct val="90000"/>
+              </a:lnSpc>
+            </a:pPr>
+            <a:r>
+              <a:rPr b="1" lang="en-US" sz="3200" spc="-1" strike="noStrike">
+                <a:solidFill>
+                  <a:srgbClr val="000000"/>
+                </a:solidFill>
+                <a:latin typeface="Arial"/>
+                <a:ea typeface="DejaVu Sans"/>
+              </a:rPr>
+              <a:t>Задачи</a:t>
+            </a:r>
+            <a:endParaRPr b="0" lang="en-US" sz="3200" spc="-1" strike="noStrike">
+              <a:latin typeface="Arial"/>
+            </a:endParaRPr>
+          </a:p>
+        </p:txBody>
+      </p:sp>
+      <p:sp>
+        <p:nvSpPr>
+          <p:cNvPr id="58" name="CustomShape 3"/>
+          <p:cNvSpPr/>
+          <p:nvPr/>
+        </p:nvSpPr>
+        <p:spPr>
+          <a:xfrm>
+            <a:off x="93240" y="1720440"/>
+            <a:ext cx="9398160" cy="3363120"/>
+          </a:xfrm>
+          <a:prstGeom prst="rect">
+            <a:avLst/>
+          </a:prstGeom>
+          <a:noFill/>
+          <a:ln>
+            <a:noFill/>
+          </a:ln>
+        </p:spPr>
+        <p:style>
+          <a:lnRef idx="0"/>
+          <a:fillRef idx="0"/>
+          <a:effectRef idx="0"/>
+          <a:fontRef idx="minor"/>
+        </p:style>
+        <p:txBody>
+          <a:bodyPr lIns="90000" rIns="90000" tIns="45000" bIns="45000">
+            <a:normAutofit/>
+          </a:bodyPr>
+          <a:p>
+            <a:pPr marL="343080" indent="-342360">
               <a:lnSpc>
                 <a:spcPct val="90000"/>
               </a:lnSpc>
@@ -5432,6 +5209,7 @@
                   <a:srgbClr val="000000"/>
                 </a:solidFill>
                 <a:latin typeface="Arial"/>
+                <a:ea typeface="DejaVu Sans"/>
               </a:rPr>
               <a:t>Разработать модуль развертывания определенных версий сервисов </a:t>
             </a:r>
@@ -5440,7 +5218,7 @@
             </a:endParaRPr>
           </a:p>
           <a:p>
-            <a:pPr marL="343080" indent="-342720">
+            <a:pPr marL="343080" indent="-342360">
               <a:lnSpc>
                 <a:spcPct val="90000"/>
               </a:lnSpc>
@@ -5459,6 +5237,7 @@
                   <a:srgbClr val="000000"/>
                 </a:solidFill>
                 <a:latin typeface="Arial"/>
+                <a:ea typeface="DejaVu Sans"/>
               </a:rPr>
               <a:t>Настроить получение уведомлений в случае загрузки новой версии</a:t>
             </a:r>
@@ -5467,7 +5246,7 @@
             </a:endParaRPr>
           </a:p>
           <a:p>
-            <a:pPr marL="343080" indent="-342720">
+            <a:pPr marL="343080" indent="-342360">
               <a:lnSpc>
                 <a:spcPct val="90000"/>
               </a:lnSpc>
@@ -5486,6 +5265,7 @@
                   <a:srgbClr val="000000"/>
                 </a:solidFill>
                 <a:latin typeface="Arial"/>
+                <a:ea typeface="DejaVu Sans"/>
               </a:rPr>
               <a:t>Реализовать получение метрик сервисов с помощью Prometheus</a:t>
             </a:r>
@@ -5494,7 +5274,7 @@
             </a:endParaRPr>
           </a:p>
           <a:p>
-            <a:pPr marL="343080" indent="-342720">
+            <a:pPr marL="343080" indent="-342360">
               <a:lnSpc>
                 <a:spcPct val="90000"/>
               </a:lnSpc>
@@ -5513,6 +5293,7 @@
                   <a:srgbClr val="000000"/>
                 </a:solidFill>
                 <a:latin typeface="Arial"/>
+                <a:ea typeface="DejaVu Sans"/>
               </a:rPr>
               <a:t>Реализовать анализ трендов изменения метрик и выявление аномалий</a:t>
             </a:r>
@@ -5524,7 +5305,7 @@
       </p:sp>
       <p:sp>
         <p:nvSpPr>
-          <p:cNvPr id="62" name="Line 4"/>
+          <p:cNvPr id="59" name="Line 4"/>
           <p:cNvSpPr/>
           <p:nvPr/>
         </p:nvSpPr>
@@ -5587,81 +5368,14 @@
       </p:grpSpPr>
       <p:sp>
         <p:nvSpPr>
-          <p:cNvPr id="63" name="TextShape 1"/>
-          <p:cNvSpPr txBox="1"/>
+          <p:cNvPr id="60" name="CustomShape 1"/>
+          <p:cNvSpPr/>
           <p:nvPr/>
         </p:nvSpPr>
         <p:spPr>
           <a:xfrm>
             <a:off x="11320920" y="106200"/>
-            <a:ext cx="700920" cy="364680"/>
-          </a:xfrm>
-          <a:prstGeom prst="rect">
-            <a:avLst/>
-          </a:prstGeom>
-          <a:noFill/>
-          <a:ln>
-            <a:noFill/>
-          </a:ln>
-        </p:spPr>
-        <p:txBody>
-          <a:bodyPr anchor="ctr">
-            <a:noAutofit/>
-          </a:bodyPr>
-          <a:p>
-            <a:pPr algn="r">
-              <a:lnSpc>
-                <a:spcPct val="100000"/>
-              </a:lnSpc>
-            </a:pPr>
-            <a:fld id="{1C65882F-855C-46DD-B37F-90BE42E75791}" type="slidenum">
-              <a:rPr b="0" lang="en-US" sz="2000" spc="-1" strike="noStrike">
-                <a:solidFill>
-                  <a:srgbClr val="000000"/>
-                </a:solidFill>
-                <a:latin typeface="Calibri"/>
-              </a:rPr>
-              <a:t>&lt;number&gt;</a:t>
-            </a:fld>
-            <a:endParaRPr b="0" lang="en-US" sz="2000" spc="-1" strike="noStrike">
-              <a:latin typeface="Times New Roman"/>
-            </a:endParaRPr>
-          </a:p>
-        </p:txBody>
-      </p:sp>
-      <p:pic>
-        <p:nvPicPr>
-          <p:cNvPr id="64" name="Рисунок 7" descr=""/>
-          <p:cNvPicPr/>
-          <p:nvPr/>
-        </p:nvPicPr>
-        <p:blipFill>
-          <a:blip r:embed="rId1"/>
-          <a:stretch/>
-        </p:blipFill>
-        <p:spPr>
-          <a:xfrm>
-            <a:off x="10148400" y="5740920"/>
-            <a:ext cx="2043360" cy="1116720"/>
-          </a:xfrm>
-          <a:prstGeom prst="rect">
-            <a:avLst/>
-          </a:prstGeom>
-          <a:ln>
-            <a:noFill/>
-          </a:ln>
-        </p:spPr>
-      </p:pic>
-      <p:sp>
-        <p:nvSpPr>
-          <p:cNvPr id="65" name="CustomShape 2"/>
-          <p:cNvSpPr/>
-          <p:nvPr/>
-        </p:nvSpPr>
-        <p:spPr>
-          <a:xfrm>
-            <a:off x="93240" y="46800"/>
-            <a:ext cx="7256880" cy="830520"/>
+            <a:ext cx="700560" cy="364320"/>
           </a:xfrm>
           <a:prstGeom prst="rect">
             <a:avLst/>
@@ -5678,40 +5392,63 @@
           <a:fontRef idx="minor"/>
         </p:style>
         <p:txBody>
-          <a:bodyPr anchor="b">
-            <a:normAutofit/>
-          </a:bodyPr>
-          <a:p>
-            <a:pPr>
-              <a:lnSpc>
-                <a:spcPct val="90000"/>
-              </a:lnSpc>
-            </a:pPr>
-            <a:r>
-              <a:rPr b="1" lang="en-US" sz="3200" spc="-1" strike="noStrike">
-                <a:solidFill>
-                  <a:srgbClr val="000000"/>
-                </a:solidFill>
-                <a:latin typeface="Arial"/>
-              </a:rPr>
-              <a:t>Анализ существующих решений</a:t>
-            </a:r>
-            <a:endParaRPr b="0" lang="en-US" sz="3200" spc="-1" strike="noStrike">
-              <a:latin typeface="Arial"/>
-            </a:endParaRPr>
-          </a:p>
-        </p:txBody>
-      </p:sp>
-      <p:sp>
-        <p:nvSpPr>
-          <p:cNvPr id="66" name="CustomShape 3"/>
+          <a:bodyPr lIns="90000" rIns="90000" tIns="45000" bIns="45000" anchor="ctr">
+            <a:noAutofit/>
+          </a:bodyPr>
+          <a:p>
+            <a:pPr algn="r">
+              <a:lnSpc>
+                <a:spcPct val="100000"/>
+              </a:lnSpc>
+            </a:pPr>
+            <a:fld id="{448BB666-D362-470B-9A1F-D52D19C6C0E1}" type="slidenum">
+              <a:rPr b="0" lang="en-US" sz="2000" spc="-1" strike="noStrike">
+                <a:solidFill>
+                  <a:srgbClr val="000000"/>
+                </a:solidFill>
+                <a:latin typeface="Calibri"/>
+              </a:rPr>
+              <a:t>&lt;number&gt;</a:t>
+            </a:fld>
+            <a:endParaRPr b="0" lang="en-US" sz="2000" spc="-1" strike="noStrike">
+              <a:latin typeface="Arial"/>
+            </a:endParaRPr>
+          </a:p>
+        </p:txBody>
+      </p:sp>
+      <p:pic>
+        <p:nvPicPr>
+          <p:cNvPr id="61" name="Рисунок 7" descr=""/>
+          <p:cNvPicPr/>
+          <p:nvPr/>
+        </p:nvPicPr>
+        <p:blipFill>
+          <a:blip r:embed="rId1"/>
+          <a:stretch/>
+        </p:blipFill>
+        <p:spPr>
+          <a:xfrm>
+            <a:off x="10148400" y="5740920"/>
+            <a:ext cx="2043000" cy="1116360"/>
+          </a:xfrm>
+          <a:prstGeom prst="rect">
+            <a:avLst/>
+          </a:prstGeom>
+          <a:ln>
+            <a:noFill/>
+          </a:ln>
+        </p:spPr>
+      </p:pic>
+      <p:sp>
+        <p:nvSpPr>
+          <p:cNvPr id="62" name="CustomShape 2"/>
           <p:cNvSpPr/>
           <p:nvPr/>
         </p:nvSpPr>
         <p:spPr>
           <a:xfrm>
-            <a:off x="93240" y="1720440"/>
-            <a:ext cx="9410400" cy="3598200"/>
+            <a:off x="93240" y="46800"/>
+            <a:ext cx="7256520" cy="830160"/>
           </a:xfrm>
           <a:prstGeom prst="rect">
             <a:avLst/>
@@ -5728,11 +5465,62 @@
           <a:fontRef idx="minor"/>
         </p:style>
         <p:txBody>
-          <a:bodyPr>
+          <a:bodyPr lIns="90000" rIns="90000" tIns="45000" bIns="45000" anchor="b">
             <a:normAutofit/>
           </a:bodyPr>
           <a:p>
-            <a:pPr marL="457200" indent="-456840">
+            <a:pPr>
+              <a:lnSpc>
+                <a:spcPct val="90000"/>
+              </a:lnSpc>
+            </a:pPr>
+            <a:r>
+              <a:rPr b="1" lang="en-US" sz="3200" spc="-1" strike="noStrike">
+                <a:solidFill>
+                  <a:srgbClr val="000000"/>
+                </a:solidFill>
+                <a:latin typeface="Arial"/>
+                <a:ea typeface="DejaVu Sans"/>
+              </a:rPr>
+              <a:t>Анализ существующих решений</a:t>
+            </a:r>
+            <a:endParaRPr b="0" lang="en-US" sz="3200" spc="-1" strike="noStrike">
+              <a:latin typeface="Arial"/>
+            </a:endParaRPr>
+          </a:p>
+        </p:txBody>
+      </p:sp>
+      <p:sp>
+        <p:nvSpPr>
+          <p:cNvPr id="63" name="CustomShape 3"/>
+          <p:cNvSpPr/>
+          <p:nvPr/>
+        </p:nvSpPr>
+        <p:spPr>
+          <a:xfrm>
+            <a:off x="93240" y="1720440"/>
+            <a:ext cx="9410040" cy="3597840"/>
+          </a:xfrm>
+          <a:prstGeom prst="rect">
+            <a:avLst/>
+          </a:prstGeom>
+          <a:noFill/>
+          <a:ln>
+            <a:noFill/>
+          </a:ln>
+        </p:spPr>
+        <p:style>
+          <a:lnRef idx="0"/>
+          <a:fillRef idx="0"/>
+          <a:effectRef idx="0"/>
+          <a:fontRef idx="minor"/>
+        </p:style>
+        <p:txBody>
+          <a:bodyPr lIns="90000" rIns="90000" tIns="45000" bIns="45000">
+            <a:normAutofit/>
+          </a:bodyPr>
+          <a:p>
+            <a:pPr marL="457200" indent="-456480">
               <a:lnSpc>
                 <a:spcPct val="90000"/>
               </a:lnSpc>
@@ -5751,6 +5539,7 @@
                   <a:srgbClr val="000000"/>
                 </a:solidFill>
                 <a:latin typeface="Calibri"/>
+                <a:ea typeface="DejaVu Sans"/>
               </a:rPr>
               <a:t>KubeRBS</a:t>
             </a:r>
@@ -5760,6 +5549,7 @@
                   <a:srgbClr val="000000"/>
                 </a:solidFill>
                 <a:latin typeface="Calibri"/>
+                <a:ea typeface="DejaVu Sans"/>
               </a:rPr>
               <a:t> (Kubernetes Rollback System) - система, реализующая возврат к предыдущей версии, если количество ошибок превышает некий заданный порог</a:t>
             </a:r>
@@ -5768,7 +5558,7 @@
             </a:endParaRPr>
           </a:p>
           <a:p>
-            <a:pPr marL="457200" indent="-456840">
+            <a:pPr marL="457200" indent="-456480">
               <a:lnSpc>
                 <a:spcPct val="90000"/>
               </a:lnSpc>
@@ -5787,6 +5577,7 @@
                   <a:srgbClr val="000000"/>
                 </a:solidFill>
                 <a:latin typeface="Calibri"/>
+                <a:ea typeface="DejaVu Sans"/>
               </a:rPr>
               <a:t>Работает только с метриками из Stackdriver и Datadog</a:t>
             </a:r>
@@ -5795,7 +5586,7 @@
             </a:endParaRPr>
           </a:p>
           <a:p>
-            <a:pPr marL="457200" indent="-456840">
+            <a:pPr marL="457200" indent="-456480">
               <a:lnSpc>
                 <a:spcPct val="90000"/>
               </a:lnSpc>
@@ -5814,6 +5605,7 @@
                   <a:srgbClr val="000000"/>
                 </a:solidFill>
                 <a:latin typeface="Calibri"/>
+                <a:ea typeface="DejaVu Sans"/>
               </a:rPr>
               <a:t>Определяет аномалии только по количеству ошибок</a:t>
             </a:r>
@@ -5863,6 +5655,7 @@
                 </a:solidFill>
                 <a:uFillTx/>
                 <a:latin typeface="Calibri"/>
+                <a:ea typeface="DejaVu Sans"/>
                 <a:hlinkClick r:id="rId2"/>
               </a:rPr>
               <a:t>https://github.com/doitintl/kuberbs</a:t>
@@ -5875,7 +5668,7 @@
       </p:sp>
       <p:sp>
         <p:nvSpPr>
-          <p:cNvPr id="67" name="Line 4"/>
+          <p:cNvPr id="64" name="Line 4"/>
           <p:cNvSpPr/>
           <p:nvPr/>
         </p:nvSpPr>
@@ -5938,81 +5731,14 @@
       </p:grpSpPr>
       <p:sp>
         <p:nvSpPr>
-          <p:cNvPr id="68" name="TextShape 1"/>
-          <p:cNvSpPr txBox="1"/>
+          <p:cNvPr id="65" name="CustomShape 1"/>
+          <p:cNvSpPr/>
           <p:nvPr/>
         </p:nvSpPr>
         <p:spPr>
           <a:xfrm>
             <a:off x="11320920" y="106200"/>
-            <a:ext cx="700920" cy="364680"/>
-          </a:xfrm>
-          <a:prstGeom prst="rect">
-            <a:avLst/>
-          </a:prstGeom>
-          <a:noFill/>
-          <a:ln>
-            <a:noFill/>
-          </a:ln>
-        </p:spPr>
-        <p:txBody>
-          <a:bodyPr anchor="ctr">
-            <a:noAutofit/>
-          </a:bodyPr>
-          <a:p>
-            <a:pPr algn="r">
-              <a:lnSpc>
-                <a:spcPct val="100000"/>
-              </a:lnSpc>
-            </a:pPr>
-            <a:fld id="{8B95634B-3E13-4982-8764-399B07AD067E}" type="slidenum">
-              <a:rPr b="0" lang="en-US" sz="2000" spc="-1" strike="noStrike">
-                <a:solidFill>
-                  <a:srgbClr val="000000"/>
-                </a:solidFill>
-                <a:latin typeface="Calibri"/>
-              </a:rPr>
-              <a:t>&lt;number&gt;</a:t>
-            </a:fld>
-            <a:endParaRPr b="0" lang="en-US" sz="2000" spc="-1" strike="noStrike">
-              <a:latin typeface="Times New Roman"/>
-            </a:endParaRPr>
-          </a:p>
-        </p:txBody>
-      </p:sp>
-      <p:pic>
-        <p:nvPicPr>
-          <p:cNvPr id="69" name="Рисунок 7" descr=""/>
-          <p:cNvPicPr/>
-          <p:nvPr/>
-        </p:nvPicPr>
-        <p:blipFill>
-          <a:blip r:embed="rId1"/>
-          <a:stretch/>
-        </p:blipFill>
-        <p:spPr>
-          <a:xfrm>
-            <a:off x="10148400" y="5740920"/>
-            <a:ext cx="2043360" cy="1116720"/>
-          </a:xfrm>
-          <a:prstGeom prst="rect">
-            <a:avLst/>
-          </a:prstGeom>
-          <a:ln>
-            <a:noFill/>
-          </a:ln>
-        </p:spPr>
-      </p:pic>
-      <p:sp>
-        <p:nvSpPr>
-          <p:cNvPr id="70" name="CustomShape 2"/>
-          <p:cNvSpPr/>
-          <p:nvPr/>
-        </p:nvSpPr>
-        <p:spPr>
-          <a:xfrm>
-            <a:off x="93240" y="46800"/>
-            <a:ext cx="7256880" cy="830520"/>
+            <a:ext cx="700560" cy="364320"/>
           </a:xfrm>
           <a:prstGeom prst="rect">
             <a:avLst/>
@@ -6029,7 +5755,80 @@
           <a:fontRef idx="minor"/>
         </p:style>
         <p:txBody>
-          <a:bodyPr anchor="b">
+          <a:bodyPr lIns="90000" rIns="90000" tIns="45000" bIns="45000" anchor="ctr">
+            <a:noAutofit/>
+          </a:bodyPr>
+          <a:p>
+            <a:pPr algn="r">
+              <a:lnSpc>
+                <a:spcPct val="100000"/>
+              </a:lnSpc>
+            </a:pPr>
+            <a:fld id="{D0DC7BDD-59BF-4DCA-82F7-8DDD293E635C}" type="slidenum">
+              <a:rPr b="0" lang="en-US" sz="2000" spc="-1" strike="noStrike">
+                <a:solidFill>
+                  <a:srgbClr val="000000"/>
+                </a:solidFill>
+                <a:latin typeface="Calibri"/>
+              </a:rPr>
+              <a:t>&lt;number&gt;</a:t>
+            </a:fld>
+            <a:endParaRPr b="0" lang="en-US" sz="2000" spc="-1" strike="noStrike">
+              <a:latin typeface="Arial"/>
+            </a:endParaRPr>
+          </a:p>
+        </p:txBody>
+      </p:sp>
+      <p:pic>
+        <p:nvPicPr>
+          <p:cNvPr id="66" name="Рисунок 7" descr=""/>
+          <p:cNvPicPr/>
+          <p:nvPr/>
+        </p:nvPicPr>
+        <p:blipFill>
+          <a:blip r:embed="rId1"/>
+          <a:stretch/>
+        </p:blipFill>
+        <p:spPr>
+          <a:xfrm>
+            <a:off x="10148400" y="5740920"/>
+            <a:ext cx="2043000" cy="1116360"/>
+          </a:xfrm>
+          <a:prstGeom prst="rect">
+            <a:avLst/>
+          </a:prstGeom>
+          <a:ln>
+            <a:noFill/>
+          </a:ln>
+        </p:spPr>
+      </p:pic>
+      <p:sp>
+        <p:nvSpPr>
+          <p:cNvPr id="67" name="CustomShape 2"/>
+          <p:cNvSpPr/>
+          <p:nvPr/>
+        </p:nvSpPr>
+        <p:spPr>
+          <a:xfrm>
+            <a:off x="93240" y="46800"/>
+            <a:ext cx="7256520" cy="830160"/>
+          </a:xfrm>
+          <a:prstGeom prst="rect">
+            <a:avLst/>
+          </a:prstGeom>
+          <a:noFill/>
+          <a:ln>
+            <a:noFill/>
+          </a:ln>
+        </p:spPr>
+        <p:style>
+          <a:lnRef idx="0"/>
+          <a:fillRef idx="0"/>
+          <a:effectRef idx="0"/>
+          <a:fontRef idx="minor"/>
+        </p:style>
+        <p:txBody>
+          <a:bodyPr lIns="90000" rIns="90000" tIns="45000" bIns="45000" anchor="b">
             <a:normAutofit/>
           </a:bodyPr>
           <a:p>
@@ -6044,6 +5843,7 @@
                   <a:srgbClr val="000000"/>
                 </a:solidFill>
                 <a:latin typeface="Arial"/>
+                <a:ea typeface="DejaVu Sans"/>
               </a:rPr>
               <a:t>Архитектура системы</a:t>
             </a:r>
@@ -6055,7 +5855,7 @@
       </p:sp>
       <p:sp>
         <p:nvSpPr>
-          <p:cNvPr id="71" name="Line 3"/>
+          <p:cNvPr id="68" name="Line 3"/>
           <p:cNvSpPr/>
           <p:nvPr/>
         </p:nvSpPr>
@@ -6088,7 +5888,7 @@
       </p:sp>
       <p:pic>
         <p:nvPicPr>
-          <p:cNvPr id="72" name="Рисунок 2" descr=""/>
+          <p:cNvPr id="69" name="Рисунок 2" descr=""/>
           <p:cNvPicPr/>
           <p:nvPr/>
         </p:nvPicPr>
@@ -6099,7 +5899,7 @@
         <p:spPr>
           <a:xfrm>
             <a:off x="365760" y="1085760"/>
-            <a:ext cx="6230160" cy="5680800"/>
+            <a:ext cx="6229800" cy="5680440"/>
           </a:xfrm>
           <a:prstGeom prst="rect">
             <a:avLst/>
@@ -6111,7 +5911,7 @@
       </p:pic>
       <p:pic>
         <p:nvPicPr>
-          <p:cNvPr id="73" name="" descr=""/>
+          <p:cNvPr id="70" name="" descr=""/>
           <p:cNvPicPr/>
           <p:nvPr/>
         </p:nvPicPr>
@@ -6122,7 +5922,7 @@
         <p:spPr>
           <a:xfrm>
             <a:off x="7132320" y="1097280"/>
-            <a:ext cx="3730680" cy="4389120"/>
+            <a:ext cx="3730320" cy="4388760"/>
           </a:xfrm>
           <a:prstGeom prst="rect">
             <a:avLst/>
@@ -6164,81 +5964,14 @@
       </p:grpSpPr>
       <p:sp>
         <p:nvSpPr>
-          <p:cNvPr id="74" name="TextShape 1"/>
-          <p:cNvSpPr txBox="1"/>
+          <p:cNvPr id="71" name="CustomShape 1"/>
+          <p:cNvSpPr/>
           <p:nvPr/>
         </p:nvSpPr>
         <p:spPr>
           <a:xfrm>
             <a:off x="11320920" y="106200"/>
-            <a:ext cx="700920" cy="364680"/>
-          </a:xfrm>
-          <a:prstGeom prst="rect">
-            <a:avLst/>
-          </a:prstGeom>
-          <a:noFill/>
-          <a:ln>
-            <a:noFill/>
-          </a:ln>
-        </p:spPr>
-        <p:txBody>
-          <a:bodyPr anchor="ctr">
-            <a:noAutofit/>
-          </a:bodyPr>
-          <a:p>
-            <a:pPr algn="r">
-              <a:lnSpc>
-                <a:spcPct val="100000"/>
-              </a:lnSpc>
-            </a:pPr>
-            <a:fld id="{0850BD83-9DA7-4478-B0C6-0A2E560A795D}" type="slidenum">
-              <a:rPr b="0" lang="en-US" sz="2000" spc="-1" strike="noStrike">
-                <a:solidFill>
-                  <a:srgbClr val="000000"/>
-                </a:solidFill>
-                <a:latin typeface="Calibri"/>
-              </a:rPr>
-              <a:t>&lt;number&gt;</a:t>
-            </a:fld>
-            <a:endParaRPr b="0" lang="en-US" sz="2000" spc="-1" strike="noStrike">
-              <a:latin typeface="Times New Roman"/>
-            </a:endParaRPr>
-          </a:p>
-        </p:txBody>
-      </p:sp>
-      <p:pic>
-        <p:nvPicPr>
-          <p:cNvPr id="75" name="Рисунок 7" descr=""/>
-          <p:cNvPicPr/>
-          <p:nvPr/>
-        </p:nvPicPr>
-        <p:blipFill>
-          <a:blip r:embed="rId1"/>
-          <a:stretch/>
-        </p:blipFill>
-        <p:spPr>
-          <a:xfrm>
-            <a:off x="10148400" y="5740920"/>
-            <a:ext cx="2043360" cy="1116720"/>
-          </a:xfrm>
-          <a:prstGeom prst="rect">
-            <a:avLst/>
-          </a:prstGeom>
-          <a:ln>
-            <a:noFill/>
-          </a:ln>
-        </p:spPr>
-      </p:pic>
-      <p:sp>
-        <p:nvSpPr>
-          <p:cNvPr id="76" name="CustomShape 2"/>
-          <p:cNvSpPr/>
-          <p:nvPr/>
-        </p:nvSpPr>
-        <p:spPr>
-          <a:xfrm>
-            <a:off x="93240" y="46800"/>
-            <a:ext cx="7256880" cy="830520"/>
+            <a:ext cx="700560" cy="364320"/>
           </a:xfrm>
           <a:prstGeom prst="rect">
             <a:avLst/>
@@ -6255,40 +5988,63 @@
           <a:fontRef idx="minor"/>
         </p:style>
         <p:txBody>
-          <a:bodyPr anchor="b">
-            <a:normAutofit/>
-          </a:bodyPr>
-          <a:p>
-            <a:pPr>
-              <a:lnSpc>
-                <a:spcPct val="90000"/>
-              </a:lnSpc>
-            </a:pPr>
-            <a:r>
-              <a:rPr b="1" lang="en-US" sz="3200" spc="-1" strike="noStrike">
-                <a:solidFill>
-                  <a:srgbClr val="000000"/>
-                </a:solidFill>
-                <a:latin typeface="Arial"/>
-              </a:rPr>
-              <a:t>Оператор</a:t>
-            </a:r>
-            <a:endParaRPr b="0" lang="en-US" sz="3200" spc="-1" strike="noStrike">
-              <a:latin typeface="Arial"/>
-            </a:endParaRPr>
-          </a:p>
-        </p:txBody>
-      </p:sp>
-      <p:sp>
-        <p:nvSpPr>
-          <p:cNvPr id="77" name="CustomShape 3"/>
+          <a:bodyPr lIns="90000" rIns="90000" tIns="45000" bIns="45000" anchor="ctr">
+            <a:noAutofit/>
+          </a:bodyPr>
+          <a:p>
+            <a:pPr algn="r">
+              <a:lnSpc>
+                <a:spcPct val="100000"/>
+              </a:lnSpc>
+            </a:pPr>
+            <a:fld id="{45D9D42D-3090-4161-A5F7-87DD9AFF42E6}" type="slidenum">
+              <a:rPr b="0" lang="en-US" sz="2000" spc="-1" strike="noStrike">
+                <a:solidFill>
+                  <a:srgbClr val="000000"/>
+                </a:solidFill>
+                <a:latin typeface="Calibri"/>
+              </a:rPr>
+              <a:t>&lt;number&gt;</a:t>
+            </a:fld>
+            <a:endParaRPr b="0" lang="en-US" sz="2000" spc="-1" strike="noStrike">
+              <a:latin typeface="Arial"/>
+            </a:endParaRPr>
+          </a:p>
+        </p:txBody>
+      </p:sp>
+      <p:pic>
+        <p:nvPicPr>
+          <p:cNvPr id="72" name="Рисунок 7" descr=""/>
+          <p:cNvPicPr/>
+          <p:nvPr/>
+        </p:nvPicPr>
+        <p:blipFill>
+          <a:blip r:embed="rId1"/>
+          <a:stretch/>
+        </p:blipFill>
+        <p:spPr>
+          <a:xfrm>
+            <a:off x="10148400" y="5740920"/>
+            <a:ext cx="2043000" cy="1116360"/>
+          </a:xfrm>
+          <a:prstGeom prst="rect">
+            <a:avLst/>
+          </a:prstGeom>
+          <a:ln>
+            <a:noFill/>
+          </a:ln>
+        </p:spPr>
+      </p:pic>
+      <p:sp>
+        <p:nvSpPr>
+          <p:cNvPr id="73" name="CustomShape 2"/>
           <p:cNvSpPr/>
           <p:nvPr/>
         </p:nvSpPr>
         <p:spPr>
           <a:xfrm>
-            <a:off x="550440" y="1720440"/>
-            <a:ext cx="10129320" cy="4488120"/>
+            <a:off x="93240" y="46800"/>
+            <a:ext cx="7256520" cy="830160"/>
           </a:xfrm>
           <a:prstGeom prst="rect">
             <a:avLst/>
@@ -6305,11 +6061,62 @@
           <a:fontRef idx="minor"/>
         </p:style>
         <p:txBody>
-          <a:bodyPr>
+          <a:bodyPr lIns="90000" rIns="90000" tIns="45000" bIns="45000" anchor="b">
             <a:normAutofit/>
           </a:bodyPr>
           <a:p>
-            <a:pPr marL="457200" indent="-456840">
+            <a:pPr>
+              <a:lnSpc>
+                <a:spcPct val="90000"/>
+              </a:lnSpc>
+            </a:pPr>
+            <a:r>
+              <a:rPr b="1" lang="en-US" sz="3200" spc="-1" strike="noStrike">
+                <a:solidFill>
+                  <a:srgbClr val="000000"/>
+                </a:solidFill>
+                <a:latin typeface="Arial"/>
+                <a:ea typeface="DejaVu Sans"/>
+              </a:rPr>
+              <a:t>Оператор</a:t>
+            </a:r>
+            <a:endParaRPr b="0" lang="en-US" sz="3200" spc="-1" strike="noStrike">
+              <a:latin typeface="Arial"/>
+            </a:endParaRPr>
+          </a:p>
+        </p:txBody>
+      </p:sp>
+      <p:sp>
+        <p:nvSpPr>
+          <p:cNvPr id="74" name="CustomShape 3"/>
+          <p:cNvSpPr/>
+          <p:nvPr/>
+        </p:nvSpPr>
+        <p:spPr>
+          <a:xfrm>
+            <a:off x="550440" y="1720440"/>
+            <a:ext cx="10128960" cy="4487760"/>
+          </a:xfrm>
+          <a:prstGeom prst="rect">
+            <a:avLst/>
+          </a:prstGeom>
+          <a:noFill/>
+          <a:ln>
+            <a:noFill/>
+          </a:ln>
+        </p:spPr>
+        <p:style>
+          <a:lnRef idx="0"/>
+          <a:fillRef idx="0"/>
+          <a:effectRef idx="0"/>
+          <a:fontRef idx="minor"/>
+        </p:style>
+        <p:txBody>
+          <a:bodyPr lIns="90000" rIns="90000" tIns="45000" bIns="45000">
+            <a:normAutofit/>
+          </a:bodyPr>
+          <a:p>
+            <a:pPr marL="457200" indent="-456480">
               <a:lnSpc>
                 <a:spcPct val="100000"/>
               </a:lnSpc>
@@ -6328,6 +6135,7 @@
                   <a:srgbClr val="000000"/>
                 </a:solidFill>
                 <a:latin typeface="Calibri"/>
+                <a:ea typeface="DejaVu Sans"/>
               </a:rPr>
               <a:t>Это ПО, расширяющее базовый функционал Kubernetes и позволяющее автоматизировать управление приложениями</a:t>
             </a:r>
@@ -6336,7 +6144,7 @@
             </a:endParaRPr>
           </a:p>
           <a:p>
-            <a:pPr marL="457200" indent="-456840">
+            <a:pPr marL="457200" indent="-456480">
               <a:lnSpc>
                 <a:spcPct val="100000"/>
               </a:lnSpc>
@@ -6355,6 +6163,7 @@
                   <a:srgbClr val="000000"/>
                 </a:solidFill>
                 <a:latin typeface="Calibri"/>
+                <a:ea typeface="DejaVu Sans"/>
               </a:rPr>
               <a:t>Следит за жизненным циклом тестового приложения и  модуля, отвечающего за развертывание (deployer)</a:t>
             </a:r>
@@ -6366,7 +6175,7 @@
       </p:sp>
       <p:sp>
         <p:nvSpPr>
-          <p:cNvPr id="78" name="Line 4"/>
+          <p:cNvPr id="75" name="Line 4"/>
           <p:cNvSpPr/>
           <p:nvPr/>
         </p:nvSpPr>
@@ -6429,81 +6238,14 @@
       </p:grpSpPr>
       <p:sp>
         <p:nvSpPr>
-          <p:cNvPr id="79" name="TextShape 1"/>
-          <p:cNvSpPr txBox="1"/>
+          <p:cNvPr id="76" name="CustomShape 1"/>
+          <p:cNvSpPr/>
           <p:nvPr/>
         </p:nvSpPr>
         <p:spPr>
           <a:xfrm>
             <a:off x="11320920" y="106200"/>
-            <a:ext cx="700920" cy="364680"/>
-          </a:xfrm>
-          <a:prstGeom prst="rect">
-            <a:avLst/>
-          </a:prstGeom>
-          <a:noFill/>
-          <a:ln>
-            <a:noFill/>
-          </a:ln>
-        </p:spPr>
-        <p:txBody>
-          <a:bodyPr anchor="ctr">
-            <a:noAutofit/>
-          </a:bodyPr>
-          <a:p>
-            <a:pPr algn="r">
-              <a:lnSpc>
-                <a:spcPct val="100000"/>
-              </a:lnSpc>
-            </a:pPr>
-            <a:fld id="{02AAE40D-BCB7-49A3-A866-63C4C2C4085C}" type="slidenum">
-              <a:rPr b="0" lang="en-US" sz="2000" spc="-1" strike="noStrike">
-                <a:solidFill>
-                  <a:srgbClr val="000000"/>
-                </a:solidFill>
-                <a:latin typeface="Calibri"/>
-              </a:rPr>
-              <a:t>&lt;number&gt;</a:t>
-            </a:fld>
-            <a:endParaRPr b="0" lang="en-US" sz="2000" spc="-1" strike="noStrike">
-              <a:latin typeface="Times New Roman"/>
-            </a:endParaRPr>
-          </a:p>
-        </p:txBody>
-      </p:sp>
-      <p:pic>
-        <p:nvPicPr>
-          <p:cNvPr id="80" name="Рисунок 7" descr=""/>
-          <p:cNvPicPr/>
-          <p:nvPr/>
-        </p:nvPicPr>
-        <p:blipFill>
-          <a:blip r:embed="rId1"/>
-          <a:stretch/>
-        </p:blipFill>
-        <p:spPr>
-          <a:xfrm>
-            <a:off x="10148400" y="5740920"/>
-            <a:ext cx="2043360" cy="1116720"/>
-          </a:xfrm>
-          <a:prstGeom prst="rect">
-            <a:avLst/>
-          </a:prstGeom>
-          <a:ln>
-            <a:noFill/>
-          </a:ln>
-        </p:spPr>
-      </p:pic>
-      <p:sp>
-        <p:nvSpPr>
-          <p:cNvPr id="81" name="CustomShape 2"/>
-          <p:cNvSpPr/>
-          <p:nvPr/>
-        </p:nvSpPr>
-        <p:spPr>
-          <a:xfrm>
-            <a:off x="93240" y="46800"/>
-            <a:ext cx="7256880" cy="830520"/>
+            <a:ext cx="700560" cy="364320"/>
           </a:xfrm>
           <a:prstGeom prst="rect">
             <a:avLst/>
@@ -6520,40 +6262,63 @@
           <a:fontRef idx="minor"/>
         </p:style>
         <p:txBody>
-          <a:bodyPr anchor="b">
-            <a:normAutofit/>
-          </a:bodyPr>
-          <a:p>
-            <a:pPr>
-              <a:lnSpc>
-                <a:spcPct val="90000"/>
-              </a:lnSpc>
-            </a:pPr>
-            <a:r>
-              <a:rPr b="1" lang="en-US" sz="3200" spc="-1" strike="noStrike">
-                <a:solidFill>
-                  <a:srgbClr val="000000"/>
-                </a:solidFill>
-                <a:latin typeface="Arial"/>
-              </a:rPr>
-              <a:t>Deployer</a:t>
-            </a:r>
-            <a:endParaRPr b="0" lang="en-US" sz="3200" spc="-1" strike="noStrike">
-              <a:latin typeface="Arial"/>
-            </a:endParaRPr>
-          </a:p>
-        </p:txBody>
-      </p:sp>
-      <p:sp>
-        <p:nvSpPr>
-          <p:cNvPr id="82" name="CustomShape 3"/>
+          <a:bodyPr lIns="90000" rIns="90000" tIns="45000" bIns="45000" anchor="ctr">
+            <a:noAutofit/>
+          </a:bodyPr>
+          <a:p>
+            <a:pPr algn="r">
+              <a:lnSpc>
+                <a:spcPct val="100000"/>
+              </a:lnSpc>
+            </a:pPr>
+            <a:fld id="{5A7EBCF6-06C0-47A5-B00F-24EF20D8A3C4}" type="slidenum">
+              <a:rPr b="0" lang="en-US" sz="2000" spc="-1" strike="noStrike">
+                <a:solidFill>
+                  <a:srgbClr val="000000"/>
+                </a:solidFill>
+                <a:latin typeface="Calibri"/>
+              </a:rPr>
+              <a:t>&lt;number&gt;</a:t>
+            </a:fld>
+            <a:endParaRPr b="0" lang="en-US" sz="2000" spc="-1" strike="noStrike">
+              <a:latin typeface="Arial"/>
+            </a:endParaRPr>
+          </a:p>
+        </p:txBody>
+      </p:sp>
+      <p:pic>
+        <p:nvPicPr>
+          <p:cNvPr id="77" name="Рисунок 7" descr=""/>
+          <p:cNvPicPr/>
+          <p:nvPr/>
+        </p:nvPicPr>
+        <p:blipFill>
+          <a:blip r:embed="rId1"/>
+          <a:stretch/>
+        </p:blipFill>
+        <p:spPr>
+          <a:xfrm>
+            <a:off x="10148400" y="5740920"/>
+            <a:ext cx="2043000" cy="1116360"/>
+          </a:xfrm>
+          <a:prstGeom prst="rect">
+            <a:avLst/>
+          </a:prstGeom>
+          <a:ln>
+            <a:noFill/>
+          </a:ln>
+        </p:spPr>
+      </p:pic>
+      <p:sp>
+        <p:nvSpPr>
+          <p:cNvPr id="78" name="CustomShape 2"/>
           <p:cNvSpPr/>
           <p:nvPr/>
         </p:nvSpPr>
         <p:spPr>
           <a:xfrm>
-            <a:off x="93240" y="1720440"/>
-            <a:ext cx="9410400" cy="4488120"/>
+            <a:off x="93240" y="46800"/>
+            <a:ext cx="7256520" cy="830160"/>
           </a:xfrm>
           <a:prstGeom prst="rect">
             <a:avLst/>
@@ -6570,11 +6335,62 @@
           <a:fontRef idx="minor"/>
         </p:style>
         <p:txBody>
-          <a:bodyPr>
+          <a:bodyPr lIns="90000" rIns="90000" tIns="45000" bIns="45000" anchor="b">
             <a:normAutofit/>
           </a:bodyPr>
           <a:p>
-            <a:pPr marL="457200" indent="-456840">
+            <a:pPr>
+              <a:lnSpc>
+                <a:spcPct val="90000"/>
+              </a:lnSpc>
+            </a:pPr>
+            <a:r>
+              <a:rPr b="1" lang="en-US" sz="3200" spc="-1" strike="noStrike">
+                <a:solidFill>
+                  <a:srgbClr val="000000"/>
+                </a:solidFill>
+                <a:latin typeface="Arial"/>
+                <a:ea typeface="DejaVu Sans"/>
+              </a:rPr>
+              <a:t>Deployer</a:t>
+            </a:r>
+            <a:endParaRPr b="0" lang="en-US" sz="3200" spc="-1" strike="noStrike">
+              <a:latin typeface="Arial"/>
+            </a:endParaRPr>
+          </a:p>
+        </p:txBody>
+      </p:sp>
+      <p:sp>
+        <p:nvSpPr>
+          <p:cNvPr id="79" name="CustomShape 3"/>
+          <p:cNvSpPr/>
+          <p:nvPr/>
+        </p:nvSpPr>
+        <p:spPr>
+          <a:xfrm>
+            <a:off x="93240" y="1720440"/>
+            <a:ext cx="9410040" cy="4487760"/>
+          </a:xfrm>
+          <a:prstGeom prst="rect">
+            <a:avLst/>
+          </a:prstGeom>
+          <a:noFill/>
+          <a:ln>
+            <a:noFill/>
+          </a:ln>
+        </p:spPr>
+        <p:style>
+          <a:lnRef idx="0"/>
+          <a:fillRef idx="0"/>
+          <a:effectRef idx="0"/>
+          <a:fontRef idx="minor"/>
+        </p:style>
+        <p:txBody>
+          <a:bodyPr lIns="90000" rIns="90000" tIns="45000" bIns="45000">
+            <a:normAutofit/>
+          </a:bodyPr>
+          <a:p>
+            <a:pPr marL="457200" indent="-456480">
               <a:lnSpc>
                 <a:spcPct val="90000"/>
               </a:lnSpc>
@@ -6593,6 +6409,7 @@
                   <a:srgbClr val="000000"/>
                 </a:solidFill>
                 <a:latin typeface="Calibri"/>
+                <a:ea typeface="DejaVu Sans"/>
               </a:rPr>
               <a:t>Модуль, отвечающий за развертывание необходимых версий тестового приложения в Kubernetes</a:t>
             </a:r>
@@ -6601,7 +6418,7 @@
             </a:endParaRPr>
           </a:p>
           <a:p>
-            <a:pPr marL="457200" indent="-456840">
+            <a:pPr marL="457200" indent="-456480">
               <a:lnSpc>
                 <a:spcPct val="90000"/>
               </a:lnSpc>
@@ -6620,6 +6437,7 @@
                   <a:srgbClr val="000000"/>
                 </a:solidFill>
                 <a:latin typeface="Calibri"/>
+                <a:ea typeface="DejaVu Sans"/>
               </a:rPr>
               <a:t>Получает уведомления от Docker Registry о том, что была загружена новая версия</a:t>
             </a:r>
@@ -6628,7 +6446,7 @@
             </a:endParaRPr>
           </a:p>
           <a:p>
-            <a:pPr marL="457200" indent="-456840">
+            <a:pPr marL="457200" indent="-456480">
               <a:lnSpc>
                 <a:spcPct val="90000"/>
               </a:lnSpc>
@@ -6647,6 +6465,7 @@
                   <a:srgbClr val="000000"/>
                 </a:solidFill>
                 <a:latin typeface="Calibri"/>
+                <a:ea typeface="DejaVu Sans"/>
               </a:rPr>
               <a:t>Получает уведомления от анализатора о необходимости отката к стабильной версии</a:t>
             </a:r>
@@ -6655,7 +6474,7 @@
             </a:endParaRPr>
           </a:p>
           <a:p>
-            <a:pPr marL="457200" indent="-456840">
+            <a:pPr marL="457200" indent="-456480">
               <a:lnSpc>
                 <a:spcPct val="90000"/>
               </a:lnSpc>
@@ -6674,6 +6493,7 @@
                   <a:srgbClr val="000000"/>
                 </a:solidFill>
                 <a:latin typeface="Calibri"/>
+                <a:ea typeface="DejaVu Sans"/>
               </a:rPr>
               <a:t>Отправляет на Kubernetes APIServer PATCH-запрос на обновление конфигурации тестового сервиса</a:t>
             </a:r>
@@ -6685,7 +6505,7 @@
       </p:sp>
       <p:sp>
         <p:nvSpPr>
-          <p:cNvPr id="83" name="Line 4"/>
+          <p:cNvPr id="80" name="Line 4"/>
           <p:cNvSpPr/>
           <p:nvPr/>
         </p:nvSpPr>
@@ -6748,81 +6568,14 @@
       </p:grpSpPr>
       <p:sp>
         <p:nvSpPr>
-          <p:cNvPr id="84" name="TextShape 1"/>
-          <p:cNvSpPr txBox="1"/>
+          <p:cNvPr id="81" name="CustomShape 1"/>
+          <p:cNvSpPr/>
           <p:nvPr/>
         </p:nvSpPr>
         <p:spPr>
           <a:xfrm>
             <a:off x="11320920" y="106200"/>
-            <a:ext cx="700920" cy="364680"/>
-          </a:xfrm>
-          <a:prstGeom prst="rect">
-            <a:avLst/>
-          </a:prstGeom>
-          <a:noFill/>
-          <a:ln>
-            <a:noFill/>
-          </a:ln>
-        </p:spPr>
-        <p:txBody>
-          <a:bodyPr anchor="ctr">
-            <a:noAutofit/>
-          </a:bodyPr>
-          <a:p>
-            <a:pPr algn="r">
-              <a:lnSpc>
-                <a:spcPct val="100000"/>
-              </a:lnSpc>
-            </a:pPr>
-            <a:fld id="{740DADB1-3496-466F-AC80-9D008EC31156}" type="slidenum">
-              <a:rPr b="0" lang="en-US" sz="2000" spc="-1" strike="noStrike">
-                <a:solidFill>
-                  <a:srgbClr val="000000"/>
-                </a:solidFill>
-                <a:latin typeface="Calibri"/>
-              </a:rPr>
-              <a:t>&lt;number&gt;</a:t>
-            </a:fld>
-            <a:endParaRPr b="0" lang="en-US" sz="2000" spc="-1" strike="noStrike">
-              <a:latin typeface="Times New Roman"/>
-            </a:endParaRPr>
-          </a:p>
-        </p:txBody>
-      </p:sp>
-      <p:pic>
-        <p:nvPicPr>
-          <p:cNvPr id="85" name="Рисунок 7" descr=""/>
-          <p:cNvPicPr/>
-          <p:nvPr/>
-        </p:nvPicPr>
-        <p:blipFill>
-          <a:blip r:embed="rId1"/>
-          <a:stretch/>
-        </p:blipFill>
-        <p:spPr>
-          <a:xfrm>
-            <a:off x="10148400" y="5740920"/>
-            <a:ext cx="2043360" cy="1116720"/>
-          </a:xfrm>
-          <a:prstGeom prst="rect">
-            <a:avLst/>
-          </a:prstGeom>
-          <a:ln>
-            <a:noFill/>
-          </a:ln>
-        </p:spPr>
-      </p:pic>
-      <p:sp>
-        <p:nvSpPr>
-          <p:cNvPr id="86" name="CustomShape 2"/>
-          <p:cNvSpPr/>
-          <p:nvPr/>
-        </p:nvSpPr>
-        <p:spPr>
-          <a:xfrm>
-            <a:off x="93240" y="46800"/>
-            <a:ext cx="7256880" cy="830520"/>
+            <a:ext cx="700560" cy="364320"/>
           </a:xfrm>
           <a:prstGeom prst="rect">
             <a:avLst/>
@@ -6839,40 +6592,63 @@
           <a:fontRef idx="minor"/>
         </p:style>
         <p:txBody>
-          <a:bodyPr anchor="b">
-            <a:normAutofit/>
-          </a:bodyPr>
-          <a:p>
-            <a:pPr>
-              <a:lnSpc>
-                <a:spcPct val="90000"/>
-              </a:lnSpc>
-            </a:pPr>
-            <a:r>
-              <a:rPr b="1" lang="en-US" sz="3200" spc="-1" strike="noStrike">
-                <a:solidFill>
-                  <a:srgbClr val="000000"/>
-                </a:solidFill>
-                <a:latin typeface="Arial"/>
-              </a:rPr>
-              <a:t>Анализатор</a:t>
-            </a:r>
-            <a:endParaRPr b="0" lang="en-US" sz="3200" spc="-1" strike="noStrike">
-              <a:latin typeface="Arial"/>
-            </a:endParaRPr>
-          </a:p>
-        </p:txBody>
-      </p:sp>
-      <p:sp>
-        <p:nvSpPr>
-          <p:cNvPr id="87" name="CustomShape 3"/>
+          <a:bodyPr lIns="90000" rIns="90000" tIns="45000" bIns="45000" anchor="ctr">
+            <a:noAutofit/>
+          </a:bodyPr>
+          <a:p>
+            <a:pPr algn="r">
+              <a:lnSpc>
+                <a:spcPct val="100000"/>
+              </a:lnSpc>
+            </a:pPr>
+            <a:fld id="{39FD7693-A057-44A4-8E91-12349C4A2A7E}" type="slidenum">
+              <a:rPr b="0" lang="en-US" sz="2000" spc="-1" strike="noStrike">
+                <a:solidFill>
+                  <a:srgbClr val="000000"/>
+                </a:solidFill>
+                <a:latin typeface="Calibri"/>
+              </a:rPr>
+              <a:t>&lt;number&gt;</a:t>
+            </a:fld>
+            <a:endParaRPr b="0" lang="en-US" sz="2000" spc="-1" strike="noStrike">
+              <a:latin typeface="Arial"/>
+            </a:endParaRPr>
+          </a:p>
+        </p:txBody>
+      </p:sp>
+      <p:pic>
+        <p:nvPicPr>
+          <p:cNvPr id="82" name="Рисунок 7" descr=""/>
+          <p:cNvPicPr/>
+          <p:nvPr/>
+        </p:nvPicPr>
+        <p:blipFill>
+          <a:blip r:embed="rId1"/>
+          <a:stretch/>
+        </p:blipFill>
+        <p:spPr>
+          <a:xfrm>
+            <a:off x="10148400" y="5740920"/>
+            <a:ext cx="2043000" cy="1116360"/>
+          </a:xfrm>
+          <a:prstGeom prst="rect">
+            <a:avLst/>
+          </a:prstGeom>
+          <a:ln>
+            <a:noFill/>
+          </a:ln>
+        </p:spPr>
+      </p:pic>
+      <p:sp>
+        <p:nvSpPr>
+          <p:cNvPr id="83" name="CustomShape 2"/>
           <p:cNvSpPr/>
           <p:nvPr/>
         </p:nvSpPr>
         <p:spPr>
           <a:xfrm>
-            <a:off x="93240" y="1720440"/>
-            <a:ext cx="9480240" cy="4488120"/>
+            <a:off x="93240" y="46800"/>
+            <a:ext cx="7256520" cy="830160"/>
           </a:xfrm>
           <a:prstGeom prst="rect">
             <a:avLst/>
@@ -6889,11 +6665,62 @@
           <a:fontRef idx="minor"/>
         </p:style>
         <p:txBody>
-          <a:bodyPr>
+          <a:bodyPr lIns="90000" rIns="90000" tIns="45000" bIns="45000" anchor="b">
             <a:normAutofit/>
           </a:bodyPr>
           <a:p>
-            <a:pPr marL="457200" indent="-456840">
+            <a:pPr>
+              <a:lnSpc>
+                <a:spcPct val="90000"/>
+              </a:lnSpc>
+            </a:pPr>
+            <a:r>
+              <a:rPr b="1" lang="en-US" sz="3200" spc="-1" strike="noStrike">
+                <a:solidFill>
+                  <a:srgbClr val="000000"/>
+                </a:solidFill>
+                <a:latin typeface="Arial"/>
+                <a:ea typeface="DejaVu Sans"/>
+              </a:rPr>
+              <a:t>Анализатор</a:t>
+            </a:r>
+            <a:endParaRPr b="0" lang="en-US" sz="3200" spc="-1" strike="noStrike">
+              <a:latin typeface="Arial"/>
+            </a:endParaRPr>
+          </a:p>
+        </p:txBody>
+      </p:sp>
+      <p:sp>
+        <p:nvSpPr>
+          <p:cNvPr id="84" name="CustomShape 3"/>
+          <p:cNvSpPr/>
+          <p:nvPr/>
+        </p:nvSpPr>
+        <p:spPr>
+          <a:xfrm>
+            <a:off x="93240" y="1720440"/>
+            <a:ext cx="9479880" cy="4487760"/>
+          </a:xfrm>
+          <a:prstGeom prst="rect">
+            <a:avLst/>
+          </a:prstGeom>
+          <a:noFill/>
+          <a:ln>
+            <a:noFill/>
+          </a:ln>
+        </p:spPr>
+        <p:style>
+          <a:lnRef idx="0"/>
+          <a:fillRef idx="0"/>
+          <a:effectRef idx="0"/>
+          <a:fontRef idx="minor"/>
+        </p:style>
+        <p:txBody>
+          <a:bodyPr lIns="90000" rIns="90000" tIns="45000" bIns="45000">
+            <a:normAutofit/>
+          </a:bodyPr>
+          <a:p>
+            <a:pPr marL="457200" indent="-456480">
               <a:lnSpc>
                 <a:spcPct val="90000"/>
               </a:lnSpc>
@@ -6912,6 +6739,7 @@
                   <a:srgbClr val="000000"/>
                 </a:solidFill>
                 <a:latin typeface="Calibri"/>
+                <a:ea typeface="DejaVu Sans"/>
               </a:rPr>
               <a:t>Модуль, анализирующий тренды изменения метрик тестового приложения и обнаруживающий аномалии</a:t>
             </a:r>
@@ -6920,7 +6748,7 @@
             </a:endParaRPr>
           </a:p>
           <a:p>
-            <a:pPr marL="457200" indent="-456840">
+            <a:pPr marL="457200" indent="-456480">
               <a:lnSpc>
                 <a:spcPct val="90000"/>
               </a:lnSpc>
@@ -6939,6 +6767,7 @@
                   <a:srgbClr val="000000"/>
                 </a:solidFill>
                 <a:latin typeface="Calibri"/>
+                <a:ea typeface="DejaVu Sans"/>
               </a:rPr>
               <a:t>Библиотека Anomalyzer</a:t>
             </a:r>
@@ -6947,7 +6776,7 @@
             </a:endParaRPr>
           </a:p>
           <a:p>
-            <a:pPr lvl="1" marL="914400" indent="-456840">
+            <a:pPr lvl="1" marL="914400" indent="-456480">
               <a:lnSpc>
                 <a:spcPct val="90000"/>
               </a:lnSpc>
@@ -6966,6 +6795,7 @@
                   <a:srgbClr val="000000"/>
                 </a:solidFill>
                 <a:latin typeface="Calibri"/>
+                <a:ea typeface="DejaVu Sans"/>
               </a:rPr>
               <a:t>U-критерий Манна — Уитни</a:t>
             </a:r>
@@ -6974,7 +6804,7 @@
             </a:endParaRPr>
           </a:p>
           <a:p>
-            <a:pPr lvl="1" marL="914400" indent="-456840">
+            <a:pPr lvl="1" marL="914400" indent="-456480">
               <a:lnSpc>
                 <a:spcPct val="90000"/>
               </a:lnSpc>
@@ -6993,6 +6823,7 @@
                   <a:srgbClr val="000000"/>
                 </a:solidFill>
                 <a:latin typeface="Calibri"/>
+                <a:ea typeface="DejaVu Sans"/>
               </a:rPr>
               <a:t>Критерий согласия Колмогорова</a:t>
             </a:r>
@@ -7001,7 +6832,7 @@
             </a:endParaRPr>
           </a:p>
           <a:p>
-            <a:pPr lvl="1" marL="914400" indent="-456840">
+            <a:pPr lvl="1" marL="914400" indent="-456480">
               <a:lnSpc>
                 <a:spcPct val="90000"/>
               </a:lnSpc>
@@ -7020,8 +6851,9 @@
                   <a:srgbClr val="000000"/>
                 </a:solidFill>
                 <a:latin typeface="Calibri"/>
-              </a:rPr>
-              <a:t>Сравнение относительной разности между средними значениями “окон”</a:t>
+                <a:ea typeface="DejaVu Sans"/>
+              </a:rPr>
+              <a:t>Сравнение относительной разности между средними значениями</a:t>
             </a:r>
             <a:endParaRPr b="0" lang="en-US" sz="2000" spc="-1" strike="noStrike">
               <a:latin typeface="Arial"/>
@@ -7031,7 +6863,7 @@
       </p:sp>
       <p:sp>
         <p:nvSpPr>
-          <p:cNvPr id="88" name="Line 4"/>
+          <p:cNvPr id="85" name="Line 4"/>
           <p:cNvSpPr/>
           <p:nvPr/>
         </p:nvSpPr>

--- a/files/presentation-KMU.pptx
+++ b/files/presentation-KMU.pptx
@@ -1437,49 +1437,7 @@
               <a:rPr b="0" lang="en-US" sz="1800" spc="-1" strike="noStrike">
                 <a:latin typeface="Arial"/>
               </a:rPr>
-              <a:t>Click </a:t>
-            </a:r>
-            <a:r>
-              <a:rPr b="0" lang="en-US" sz="1800" spc="-1" strike="noStrike">
-                <a:latin typeface="Arial"/>
-              </a:rPr>
-              <a:t>to </a:t>
-            </a:r>
-            <a:r>
-              <a:rPr b="0" lang="en-US" sz="1800" spc="-1" strike="noStrike">
-                <a:latin typeface="Arial"/>
-              </a:rPr>
-              <a:t>edit </a:t>
-            </a:r>
-            <a:r>
-              <a:rPr b="0" lang="en-US" sz="1800" spc="-1" strike="noStrike">
-                <a:latin typeface="Arial"/>
-              </a:rPr>
-              <a:t>the </a:t>
-            </a:r>
-            <a:r>
-              <a:rPr b="0" lang="en-US" sz="1800" spc="-1" strike="noStrike">
-                <a:latin typeface="Arial"/>
-              </a:rPr>
-              <a:t>title </a:t>
-            </a:r>
-            <a:r>
-              <a:rPr b="0" lang="en-US" sz="1800" spc="-1" strike="noStrike">
-                <a:latin typeface="Arial"/>
-              </a:rPr>
-              <a:t>text </a:t>
-            </a:r>
-            <a:r>
-              <a:rPr b="0" lang="en-US" sz="1800" spc="-1" strike="noStrike">
-                <a:latin typeface="Arial"/>
-              </a:rPr>
-              <a:t>form</a:t>
-            </a:r>
-            <a:r>
-              <a:rPr b="0" lang="en-US" sz="1800" spc="-1" strike="noStrike">
-                <a:latin typeface="Arial"/>
-              </a:rPr>
-              <a:t>at</a:t>
+              <a:t>Click to edit the title text format</a:t>
             </a:r>
             <a:endParaRPr b="0" lang="en-US" sz="1800" spc="-1" strike="noStrike">
               <a:latin typeface="Arial"/>
@@ -1745,7 +1703,7 @@
                 </a:solidFill>
                 <a:latin typeface="Arial"/>
               </a:rPr>
-              <a:t>Charon - интеллектуальная система управления версиями программного обеспечения в Kubernetes</a:t>
+              <a:t>Интеллектуальная система управления версиями программного обеспечения в Kubernetes</a:t>
             </a:r>
             <a:endParaRPr b="0" lang="en-US" sz="3600" spc="-1" strike="noStrike">
               <a:latin typeface="Arial"/>
@@ -1923,7 +1881,7 @@
       </p:grpSpPr>
       <p:sp>
         <p:nvSpPr>
-          <p:cNvPr id="86" name="CustomShape 1"/>
+          <p:cNvPr id="85" name="CustomShape 1"/>
           <p:cNvSpPr/>
           <p:nvPr/>
         </p:nvSpPr>
@@ -1956,7 +1914,7 @@
                 <a:spcPct val="100000"/>
               </a:lnSpc>
             </a:pPr>
-            <a:fld id="{CCB8A985-DCA8-4C39-9201-D6BD58105464}" type="slidenum">
+            <a:fld id="{4B865A39-1A1F-4475-B10E-FF142C76A205}" type="slidenum">
               <a:rPr b="0" lang="en-US" sz="2000" spc="-1" strike="noStrike">
                 <a:solidFill>
                   <a:srgbClr val="000000"/>
@@ -1973,7 +1931,7 @@
       </p:sp>
       <p:pic>
         <p:nvPicPr>
-          <p:cNvPr id="87" name="Рисунок 7" descr=""/>
+          <p:cNvPr id="86" name="Рисунок 7" descr=""/>
           <p:cNvPicPr/>
           <p:nvPr/>
         </p:nvPicPr>
@@ -1996,7 +1954,7 @@
       </p:pic>
       <p:sp>
         <p:nvSpPr>
-          <p:cNvPr id="88" name="CustomShape 2"/>
+          <p:cNvPr id="87" name="CustomShape 2"/>
           <p:cNvSpPr/>
           <p:nvPr/>
         </p:nvSpPr>
@@ -2047,7 +2005,7 @@
       </p:sp>
       <p:sp>
         <p:nvSpPr>
-          <p:cNvPr id="89" name="Line 3"/>
+          <p:cNvPr id="88" name="Line 3"/>
           <p:cNvSpPr/>
           <p:nvPr/>
         </p:nvSpPr>
@@ -2080,7 +2038,7 @@
       </p:sp>
       <p:pic>
         <p:nvPicPr>
-          <p:cNvPr id="90" name="Рисунок 1" descr=""/>
+          <p:cNvPr id="89" name="Рисунок 1" descr=""/>
           <p:cNvPicPr/>
           <p:nvPr/>
         </p:nvPicPr>
@@ -2133,7 +2091,7 @@
       </p:grpSpPr>
       <p:sp>
         <p:nvSpPr>
-          <p:cNvPr id="91" name="CustomShape 1"/>
+          <p:cNvPr id="90" name="CustomShape 1"/>
           <p:cNvSpPr/>
           <p:nvPr/>
         </p:nvSpPr>
@@ -2166,7 +2124,7 @@
                 <a:spcPct val="100000"/>
               </a:lnSpc>
             </a:pPr>
-            <a:fld id="{6143349D-C3E9-44B6-B123-AF58B084C951}" type="slidenum">
+            <a:fld id="{9F4C0522-E70A-4478-8B90-8B6762CBED1F}" type="slidenum">
               <a:rPr b="0" lang="en-US" sz="2000" spc="-1" strike="noStrike">
                 <a:solidFill>
                   <a:srgbClr val="000000"/>
@@ -2183,7 +2141,7 @@
       </p:sp>
       <p:pic>
         <p:nvPicPr>
-          <p:cNvPr id="92" name="Рисунок 7" descr=""/>
+          <p:cNvPr id="91" name="Рисунок 7" descr=""/>
           <p:cNvPicPr/>
           <p:nvPr/>
         </p:nvPicPr>
@@ -2206,7 +2164,7 @@
       </p:pic>
       <p:sp>
         <p:nvSpPr>
-          <p:cNvPr id="93" name="CustomShape 2"/>
+          <p:cNvPr id="92" name="CustomShape 2"/>
           <p:cNvSpPr/>
           <p:nvPr/>
         </p:nvSpPr>
@@ -2257,7 +2215,7 @@
       </p:sp>
       <p:sp>
         <p:nvSpPr>
-          <p:cNvPr id="94" name="Line 3"/>
+          <p:cNvPr id="93" name="Line 3"/>
           <p:cNvSpPr/>
           <p:nvPr/>
         </p:nvSpPr>
@@ -2290,7 +2248,7 @@
       </p:sp>
       <p:pic>
         <p:nvPicPr>
-          <p:cNvPr id="95" name="" descr=""/>
+          <p:cNvPr id="94" name="" descr=""/>
           <p:cNvPicPr/>
           <p:nvPr/>
         </p:nvPicPr>
@@ -2343,7 +2301,7 @@
       </p:grpSpPr>
       <p:sp>
         <p:nvSpPr>
-          <p:cNvPr id="96" name="CustomShape 1"/>
+          <p:cNvPr id="95" name="CustomShape 1"/>
           <p:cNvSpPr/>
           <p:nvPr/>
         </p:nvSpPr>
@@ -2376,7 +2334,7 @@
                 <a:spcPct val="100000"/>
               </a:lnSpc>
             </a:pPr>
-            <a:fld id="{6F0B8334-7FA9-43AB-AC09-B67AF69FFE1A}" type="slidenum">
+            <a:fld id="{F8C43369-6264-4095-AF48-FF16515875F8}" type="slidenum">
               <a:rPr b="0" lang="en-US" sz="2000" spc="-1" strike="noStrike">
                 <a:solidFill>
                   <a:srgbClr val="000000"/>
@@ -2393,7 +2351,7 @@
       </p:sp>
       <p:pic>
         <p:nvPicPr>
-          <p:cNvPr id="97" name="Рисунок 7" descr=""/>
+          <p:cNvPr id="96" name="Рисунок 7" descr=""/>
           <p:cNvPicPr/>
           <p:nvPr/>
         </p:nvPicPr>
@@ -2416,7 +2374,7 @@
       </p:pic>
       <p:sp>
         <p:nvSpPr>
-          <p:cNvPr id="98" name="CustomShape 2"/>
+          <p:cNvPr id="97" name="CustomShape 2"/>
           <p:cNvSpPr/>
           <p:nvPr/>
         </p:nvSpPr>
@@ -2467,7 +2425,7 @@
       </p:sp>
       <p:sp>
         <p:nvSpPr>
-          <p:cNvPr id="99" name="Line 3"/>
+          <p:cNvPr id="98" name="Line 3"/>
           <p:cNvSpPr/>
           <p:nvPr/>
         </p:nvSpPr>
@@ -2500,7 +2458,7 @@
       </p:sp>
       <p:pic>
         <p:nvPicPr>
-          <p:cNvPr id="100" name="" descr=""/>
+          <p:cNvPr id="99" name="" descr=""/>
           <p:cNvPicPr/>
           <p:nvPr/>
         </p:nvPicPr>
@@ -2553,7 +2511,7 @@
       </p:grpSpPr>
       <p:sp>
         <p:nvSpPr>
-          <p:cNvPr id="101" name="CustomShape 1"/>
+          <p:cNvPr id="100" name="CustomShape 1"/>
           <p:cNvSpPr/>
           <p:nvPr/>
         </p:nvSpPr>
@@ -2586,7 +2544,7 @@
                 <a:spcPct val="100000"/>
               </a:lnSpc>
             </a:pPr>
-            <a:fld id="{FF2E48E5-07EE-40B0-B851-23DC30959C0A}" type="slidenum">
+            <a:fld id="{9FB7C6A7-CED3-405D-A7EE-48E63A2A0BCC}" type="slidenum">
               <a:rPr b="0" lang="en-US" sz="2000" spc="-1" strike="noStrike">
                 <a:solidFill>
                   <a:srgbClr val="000000"/>
@@ -2603,7 +2561,7 @@
       </p:sp>
       <p:pic>
         <p:nvPicPr>
-          <p:cNvPr id="102" name="Рисунок 7" descr=""/>
+          <p:cNvPr id="101" name="Рисунок 7" descr=""/>
           <p:cNvPicPr/>
           <p:nvPr/>
         </p:nvPicPr>
@@ -2626,7 +2584,7 @@
       </p:pic>
       <p:sp>
         <p:nvSpPr>
-          <p:cNvPr id="103" name="CustomShape 2"/>
+          <p:cNvPr id="102" name="CustomShape 2"/>
           <p:cNvSpPr/>
           <p:nvPr/>
         </p:nvSpPr>
@@ -2677,7 +2635,7 @@
       </p:sp>
       <p:sp>
         <p:nvSpPr>
-          <p:cNvPr id="104" name="Line 3"/>
+          <p:cNvPr id="103" name="Line 3"/>
           <p:cNvSpPr/>
           <p:nvPr/>
         </p:nvSpPr>
@@ -2710,7 +2668,7 @@
       </p:sp>
       <p:pic>
         <p:nvPicPr>
-          <p:cNvPr id="105" name="" descr=""/>
+          <p:cNvPr id="104" name="" descr=""/>
           <p:cNvPicPr/>
           <p:nvPr/>
         </p:nvPicPr>
@@ -2733,7 +2691,7 @@
       </p:pic>
       <p:pic>
         <p:nvPicPr>
-          <p:cNvPr id="106" name="" descr=""/>
+          <p:cNvPr id="105" name="" descr=""/>
           <p:cNvPicPr/>
           <p:nvPr/>
         </p:nvPicPr>
@@ -2786,7 +2744,7 @@
       </p:grpSpPr>
       <p:sp>
         <p:nvSpPr>
-          <p:cNvPr id="107" name="CustomShape 1"/>
+          <p:cNvPr id="106" name="CustomShape 1"/>
           <p:cNvSpPr/>
           <p:nvPr/>
         </p:nvSpPr>
@@ -2819,7 +2777,7 @@
                 <a:spcPct val="100000"/>
               </a:lnSpc>
             </a:pPr>
-            <a:fld id="{6C52503E-6686-44A4-A23F-CDEBD2EF52AC}" type="slidenum">
+            <a:fld id="{3C0B6D0E-E02A-40F9-AE8A-E223B0ACBD96}" type="slidenum">
               <a:rPr b="0" lang="en-US" sz="2000" spc="-1" strike="noStrike">
                 <a:solidFill>
                   <a:srgbClr val="000000"/>
@@ -2836,7 +2794,7 @@
       </p:sp>
       <p:pic>
         <p:nvPicPr>
-          <p:cNvPr id="108" name="Рисунок 7" descr=""/>
+          <p:cNvPr id="107" name="Рисунок 7" descr=""/>
           <p:cNvPicPr/>
           <p:nvPr/>
         </p:nvPicPr>
@@ -2859,7 +2817,7 @@
       </p:pic>
       <p:sp>
         <p:nvSpPr>
-          <p:cNvPr id="109" name="CustomShape 2"/>
+          <p:cNvPr id="108" name="CustomShape 2"/>
           <p:cNvSpPr/>
           <p:nvPr/>
         </p:nvSpPr>
@@ -2910,7 +2868,7 @@
       </p:sp>
       <p:sp>
         <p:nvSpPr>
-          <p:cNvPr id="110" name="CustomShape 3"/>
+          <p:cNvPr id="109" name="CustomShape 3"/>
           <p:cNvSpPr/>
           <p:nvPr/>
         </p:nvSpPr>
@@ -3081,7 +3039,7 @@
       </p:sp>
       <p:sp>
         <p:nvSpPr>
-          <p:cNvPr id="111" name="Line 4"/>
+          <p:cNvPr id="110" name="Line 4"/>
           <p:cNvSpPr/>
           <p:nvPr/>
         </p:nvSpPr>
@@ -3144,7 +3102,7 @@
       </p:grpSpPr>
       <p:sp>
         <p:nvSpPr>
-          <p:cNvPr id="112" name="CustomShape 1"/>
+          <p:cNvPr id="111" name="CustomShape 1"/>
           <p:cNvSpPr/>
           <p:nvPr/>
         </p:nvSpPr>
@@ -3177,7 +3135,7 @@
                 <a:spcPct val="100000"/>
               </a:lnSpc>
             </a:pPr>
-            <a:fld id="{53ED740C-7CA0-482E-A8FF-2EB4005BD63A}" type="slidenum">
+            <a:fld id="{4E9266DF-38C1-473F-8E3D-1EF6C83DC621}" type="slidenum">
               <a:rPr b="0" lang="en-US" sz="2000" spc="-1" strike="noStrike">
                 <a:solidFill>
                   <a:srgbClr val="000000"/>
@@ -3194,7 +3152,7 @@
       </p:sp>
       <p:pic>
         <p:nvPicPr>
-          <p:cNvPr id="113" name="Рисунок 7" descr=""/>
+          <p:cNvPr id="112" name="Рисунок 7" descr=""/>
           <p:cNvPicPr/>
           <p:nvPr/>
         </p:nvPicPr>
@@ -3217,7 +3175,7 @@
       </p:pic>
       <p:sp>
         <p:nvSpPr>
-          <p:cNvPr id="114" name="CustomShape 2"/>
+          <p:cNvPr id="113" name="CustomShape 2"/>
           <p:cNvSpPr/>
           <p:nvPr/>
         </p:nvSpPr>
@@ -3268,7 +3226,7 @@
       </p:sp>
       <p:sp>
         <p:nvSpPr>
-          <p:cNvPr id="115" name="CustomShape 3"/>
+          <p:cNvPr id="114" name="CustomShape 3"/>
           <p:cNvSpPr/>
           <p:nvPr/>
         </p:nvSpPr>
@@ -3381,7 +3339,7 @@
       </p:sp>
       <p:sp>
         <p:nvSpPr>
-          <p:cNvPr id="116" name="Line 4"/>
+          <p:cNvPr id="115" name="Line 4"/>
           <p:cNvSpPr/>
           <p:nvPr/>
         </p:nvSpPr>
@@ -3444,7 +3402,7 @@
       </p:grpSpPr>
       <p:sp>
         <p:nvSpPr>
-          <p:cNvPr id="117" name="CustomShape 1"/>
+          <p:cNvPr id="116" name="CustomShape 1"/>
           <p:cNvSpPr/>
           <p:nvPr/>
         </p:nvSpPr>
@@ -3477,7 +3435,7 @@
                 <a:spcPct val="100000"/>
               </a:lnSpc>
             </a:pPr>
-            <a:fld id="{F5C24E3E-6F7A-4474-B3CF-AC93D5D96CA4}" type="slidenum">
+            <a:fld id="{18862650-83B1-482C-B7E0-4AB228D0C264}" type="slidenum">
               <a:rPr b="0" lang="en-US" sz="2000" spc="-1" strike="noStrike">
                 <a:solidFill>
                   <a:srgbClr val="000000"/>
@@ -3494,7 +3452,7 @@
       </p:sp>
       <p:pic>
         <p:nvPicPr>
-          <p:cNvPr id="118" name="Рисунок 7" descr=""/>
+          <p:cNvPr id="117" name="Рисунок 7" descr=""/>
           <p:cNvPicPr/>
           <p:nvPr/>
         </p:nvPicPr>
@@ -3517,7 +3475,7 @@
       </p:pic>
       <p:sp>
         <p:nvSpPr>
-          <p:cNvPr id="119" name="CustomShape 2"/>
+          <p:cNvPr id="118" name="CustomShape 2"/>
           <p:cNvSpPr/>
           <p:nvPr/>
         </p:nvSpPr>
@@ -3568,7 +3526,7 @@
       </p:sp>
       <p:sp>
         <p:nvSpPr>
-          <p:cNvPr id="120" name="CustomShape 3"/>
+          <p:cNvPr id="119" name="CustomShape 3"/>
           <p:cNvSpPr/>
           <p:nvPr/>
         </p:nvSpPr>
@@ -3763,7 +3721,7 @@
       </p:sp>
       <p:sp>
         <p:nvSpPr>
-          <p:cNvPr id="121" name="Line 4"/>
+          <p:cNvPr id="120" name="Line 4"/>
           <p:cNvSpPr/>
           <p:nvPr/>
         </p:nvSpPr>
@@ -3826,7 +3784,7 @@
       </p:grpSpPr>
       <p:sp>
         <p:nvSpPr>
-          <p:cNvPr id="122" name="CustomShape 1"/>
+          <p:cNvPr id="121" name="CustomShape 1"/>
           <p:cNvSpPr/>
           <p:nvPr/>
         </p:nvSpPr>
@@ -3859,7 +3817,7 @@
                 <a:spcPct val="100000"/>
               </a:lnSpc>
             </a:pPr>
-            <a:fld id="{C7778D8E-868A-44E3-8880-E7770770F001}" type="slidenum">
+            <a:fld id="{7433C55F-C600-4860-9971-5BF9B9BEA6B9}" type="slidenum">
               <a:rPr b="0" lang="en-US" sz="2000" spc="-1" strike="noStrike">
                 <a:solidFill>
                   <a:srgbClr val="000000"/>
@@ -3876,7 +3834,7 @@
       </p:sp>
       <p:pic>
         <p:nvPicPr>
-          <p:cNvPr id="123" name="Рисунок 7" descr=""/>
+          <p:cNvPr id="122" name="Рисунок 7" descr=""/>
           <p:cNvPicPr/>
           <p:nvPr/>
         </p:nvPicPr>
@@ -3899,7 +3857,7 @@
       </p:pic>
       <p:sp>
         <p:nvSpPr>
-          <p:cNvPr id="124" name="CustomShape 2"/>
+          <p:cNvPr id="123" name="CustomShape 2"/>
           <p:cNvSpPr/>
           <p:nvPr/>
         </p:nvSpPr>
@@ -3950,7 +3908,7 @@
       </p:sp>
       <p:sp>
         <p:nvSpPr>
-          <p:cNvPr id="125" name="CustomShape 3"/>
+          <p:cNvPr id="124" name="CustomShape 3"/>
           <p:cNvSpPr/>
           <p:nvPr/>
         </p:nvSpPr>
@@ -4033,7 +3991,7 @@
       </p:sp>
       <p:sp>
         <p:nvSpPr>
-          <p:cNvPr id="126" name="Line 4"/>
+          <p:cNvPr id="125" name="Line 4"/>
           <p:cNvSpPr/>
           <p:nvPr/>
         </p:nvSpPr>
@@ -4066,7 +4024,7 @@
       </p:sp>
       <p:sp>
         <p:nvSpPr>
-          <p:cNvPr id="127" name="CustomShape 5"/>
+          <p:cNvPr id="126" name="CustomShape 5"/>
           <p:cNvSpPr/>
           <p:nvPr/>
         </p:nvSpPr>
@@ -4194,7 +4152,7 @@
                 <a:spcPct val="100000"/>
               </a:lnSpc>
             </a:pPr>
-            <a:fld id="{10BC0F1A-E6AE-4F71-A520-63C66953F765}" type="slidenum">
+            <a:fld id="{9E81D037-C59F-4D8F-AAA8-C8190008BCC9}" type="slidenum">
               <a:rPr b="0" lang="en-US" sz="2000" spc="-1" strike="noStrike">
                 <a:solidFill>
                   <a:srgbClr val="000000"/>
@@ -4830,7 +4788,7 @@
                 <a:spcPct val="100000"/>
               </a:lnSpc>
             </a:pPr>
-            <a:fld id="{3B1F28F5-D94F-4B02-92FF-7F1447D9043F}" type="slidenum">
+            <a:fld id="{629E72E3-B213-43F0-AED4-079E106CAB51}" type="slidenum">
               <a:rPr b="0" lang="en-US" sz="2000" spc="-1" strike="noStrike">
                 <a:solidFill>
                   <a:srgbClr val="000000"/>
@@ -5071,7 +5029,7 @@
                 <a:spcPct val="100000"/>
               </a:lnSpc>
             </a:pPr>
-            <a:fld id="{73202E89-D0B9-4F57-A958-701C001EA214}" type="slidenum">
+            <a:fld id="{354FB18D-6862-44AA-BD1F-47C8DD7B1041}" type="slidenum">
               <a:rPr b="0" lang="en-US" sz="2000" spc="-1" strike="noStrike">
                 <a:solidFill>
                   <a:srgbClr val="000000"/>
@@ -5401,7 +5359,7 @@
                 <a:spcPct val="100000"/>
               </a:lnSpc>
             </a:pPr>
-            <a:fld id="{448BB666-D362-470B-9A1F-D52D19C6C0E1}" type="slidenum">
+            <a:fld id="{64F7BE87-577F-4D14-BA95-A43B2043BE29}" type="slidenum">
               <a:rPr b="0" lang="en-US" sz="2000" spc="-1" strike="noStrike">
                 <a:solidFill>
                   <a:srgbClr val="000000"/>
@@ -5764,7 +5722,7 @@
                 <a:spcPct val="100000"/>
               </a:lnSpc>
             </a:pPr>
-            <a:fld id="{D0DC7BDD-59BF-4DCA-82F7-8DDD293E635C}" type="slidenum">
+            <a:fld id="{F7B60E7F-7375-4024-B091-6D47E728B2F7}" type="slidenum">
               <a:rPr b="0" lang="en-US" sz="2000" spc="-1" strike="noStrike">
                 <a:solidFill>
                   <a:srgbClr val="000000"/>
@@ -5900,29 +5858,6 @@
           <a:xfrm>
             <a:off x="365760" y="1085760"/>
             <a:ext cx="6229800" cy="5680440"/>
-          </a:xfrm>
-          <a:prstGeom prst="rect">
-            <a:avLst/>
-          </a:prstGeom>
-          <a:ln>
-            <a:noFill/>
-          </a:ln>
-        </p:spPr>
-      </p:pic>
-      <p:pic>
-        <p:nvPicPr>
-          <p:cNvPr id="70" name="" descr=""/>
-          <p:cNvPicPr/>
-          <p:nvPr/>
-        </p:nvPicPr>
-        <p:blipFill>
-          <a:blip r:embed="rId3"/>
-          <a:stretch/>
-        </p:blipFill>
-        <p:spPr>
-          <a:xfrm>
-            <a:off x="7132320" y="1097280"/>
-            <a:ext cx="3730320" cy="4388760"/>
           </a:xfrm>
           <a:prstGeom prst="rect">
             <a:avLst/>
@@ -5964,7 +5899,7 @@
       </p:grpSpPr>
       <p:sp>
         <p:nvSpPr>
-          <p:cNvPr id="71" name="CustomShape 1"/>
+          <p:cNvPr id="70" name="CustomShape 1"/>
           <p:cNvSpPr/>
           <p:nvPr/>
         </p:nvSpPr>
@@ -5997,7 +5932,7 @@
                 <a:spcPct val="100000"/>
               </a:lnSpc>
             </a:pPr>
-            <a:fld id="{45D9D42D-3090-4161-A5F7-87DD9AFF42E6}" type="slidenum">
+            <a:fld id="{C2DC70A7-80D3-4A8D-A6A8-66DA4586B795}" type="slidenum">
               <a:rPr b="0" lang="en-US" sz="2000" spc="-1" strike="noStrike">
                 <a:solidFill>
                   <a:srgbClr val="000000"/>
@@ -6014,7 +5949,7 @@
       </p:sp>
       <p:pic>
         <p:nvPicPr>
-          <p:cNvPr id="72" name="Рисунок 7" descr=""/>
+          <p:cNvPr id="71" name="Рисунок 7" descr=""/>
           <p:cNvPicPr/>
           <p:nvPr/>
         </p:nvPicPr>
@@ -6037,7 +5972,7 @@
       </p:pic>
       <p:sp>
         <p:nvSpPr>
-          <p:cNvPr id="73" name="CustomShape 2"/>
+          <p:cNvPr id="72" name="CustomShape 2"/>
           <p:cNvSpPr/>
           <p:nvPr/>
         </p:nvSpPr>
@@ -6088,7 +6023,7 @@
       </p:sp>
       <p:sp>
         <p:nvSpPr>
-          <p:cNvPr id="74" name="CustomShape 3"/>
+          <p:cNvPr id="73" name="CustomShape 3"/>
           <p:cNvSpPr/>
           <p:nvPr/>
         </p:nvSpPr>
@@ -6175,7 +6110,7 @@
       </p:sp>
       <p:sp>
         <p:nvSpPr>
-          <p:cNvPr id="75" name="Line 4"/>
+          <p:cNvPr id="74" name="Line 4"/>
           <p:cNvSpPr/>
           <p:nvPr/>
         </p:nvSpPr>
@@ -6238,7 +6173,7 @@
       </p:grpSpPr>
       <p:sp>
         <p:nvSpPr>
-          <p:cNvPr id="76" name="CustomShape 1"/>
+          <p:cNvPr id="75" name="CustomShape 1"/>
           <p:cNvSpPr/>
           <p:nvPr/>
         </p:nvSpPr>
@@ -6271,7 +6206,7 @@
                 <a:spcPct val="100000"/>
               </a:lnSpc>
             </a:pPr>
-            <a:fld id="{5A7EBCF6-06C0-47A5-B00F-24EF20D8A3C4}" type="slidenum">
+            <a:fld id="{76DF6014-698F-495B-96FC-2DEB79EAA862}" type="slidenum">
               <a:rPr b="0" lang="en-US" sz="2000" spc="-1" strike="noStrike">
                 <a:solidFill>
                   <a:srgbClr val="000000"/>
@@ -6288,7 +6223,7 @@
       </p:sp>
       <p:pic>
         <p:nvPicPr>
-          <p:cNvPr id="77" name="Рисунок 7" descr=""/>
+          <p:cNvPr id="76" name="Рисунок 7" descr=""/>
           <p:cNvPicPr/>
           <p:nvPr/>
         </p:nvPicPr>
@@ -6311,7 +6246,7 @@
       </p:pic>
       <p:sp>
         <p:nvSpPr>
-          <p:cNvPr id="78" name="CustomShape 2"/>
+          <p:cNvPr id="77" name="CustomShape 2"/>
           <p:cNvSpPr/>
           <p:nvPr/>
         </p:nvSpPr>
@@ -6362,7 +6297,7 @@
       </p:sp>
       <p:sp>
         <p:nvSpPr>
-          <p:cNvPr id="79" name="CustomShape 3"/>
+          <p:cNvPr id="78" name="CustomShape 3"/>
           <p:cNvSpPr/>
           <p:nvPr/>
         </p:nvSpPr>
@@ -6505,7 +6440,7 @@
       </p:sp>
       <p:sp>
         <p:nvSpPr>
-          <p:cNvPr id="80" name="Line 4"/>
+          <p:cNvPr id="79" name="Line 4"/>
           <p:cNvSpPr/>
           <p:nvPr/>
         </p:nvSpPr>
@@ -6568,7 +6503,7 @@
       </p:grpSpPr>
       <p:sp>
         <p:nvSpPr>
-          <p:cNvPr id="81" name="CustomShape 1"/>
+          <p:cNvPr id="80" name="CustomShape 1"/>
           <p:cNvSpPr/>
           <p:nvPr/>
         </p:nvSpPr>
@@ -6601,7 +6536,7 @@
                 <a:spcPct val="100000"/>
               </a:lnSpc>
             </a:pPr>
-            <a:fld id="{39FD7693-A057-44A4-8E91-12349C4A2A7E}" type="slidenum">
+            <a:fld id="{7B02A859-7FA1-4343-A3DE-053C7658C083}" type="slidenum">
               <a:rPr b="0" lang="en-US" sz="2000" spc="-1" strike="noStrike">
                 <a:solidFill>
                   <a:srgbClr val="000000"/>
@@ -6618,7 +6553,7 @@
       </p:sp>
       <p:pic>
         <p:nvPicPr>
-          <p:cNvPr id="82" name="Рисунок 7" descr=""/>
+          <p:cNvPr id="81" name="Рисунок 7" descr=""/>
           <p:cNvPicPr/>
           <p:nvPr/>
         </p:nvPicPr>
@@ -6641,7 +6576,7 @@
       </p:pic>
       <p:sp>
         <p:nvSpPr>
-          <p:cNvPr id="83" name="CustomShape 2"/>
+          <p:cNvPr id="82" name="CustomShape 2"/>
           <p:cNvSpPr/>
           <p:nvPr/>
         </p:nvSpPr>
@@ -6692,7 +6627,7 @@
       </p:sp>
       <p:sp>
         <p:nvSpPr>
-          <p:cNvPr id="84" name="CustomShape 3"/>
+          <p:cNvPr id="83" name="CustomShape 3"/>
           <p:cNvSpPr/>
           <p:nvPr/>
         </p:nvSpPr>
@@ -6863,7 +6798,7 @@
       </p:sp>
       <p:sp>
         <p:nvSpPr>
-          <p:cNvPr id="85" name="Line 4"/>
+          <p:cNvPr id="84" name="Line 4"/>
           <p:cNvSpPr/>
           <p:nvPr/>
         </p:nvSpPr>
